--- a/IntroScala.pptx
+++ b/IntroScala.pptx
@@ -10,18 +10,19 @@
     <p:sldId id="261" r:id="rId4"/>
     <p:sldId id="259" r:id="rId5"/>
     <p:sldId id="260" r:id="rId6"/>
-    <p:sldId id="267" r:id="rId7"/>
-    <p:sldId id="268" r:id="rId8"/>
-    <p:sldId id="269" r:id="rId9"/>
-    <p:sldId id="270" r:id="rId10"/>
-    <p:sldId id="271" r:id="rId11"/>
-    <p:sldId id="272" r:id="rId12"/>
-    <p:sldId id="258" r:id="rId13"/>
-    <p:sldId id="273" r:id="rId14"/>
-    <p:sldId id="262" r:id="rId15"/>
-    <p:sldId id="263" r:id="rId16"/>
-    <p:sldId id="264" r:id="rId17"/>
-    <p:sldId id="265" r:id="rId18"/>
+    <p:sldId id="274" r:id="rId7"/>
+    <p:sldId id="267" r:id="rId8"/>
+    <p:sldId id="268" r:id="rId9"/>
+    <p:sldId id="269" r:id="rId10"/>
+    <p:sldId id="270" r:id="rId11"/>
+    <p:sldId id="271" r:id="rId12"/>
+    <p:sldId id="272" r:id="rId13"/>
+    <p:sldId id="258" r:id="rId14"/>
+    <p:sldId id="273" r:id="rId15"/>
+    <p:sldId id="262" r:id="rId16"/>
+    <p:sldId id="263" r:id="rId17"/>
+    <p:sldId id="264" r:id="rId18"/>
+    <p:sldId id="265" r:id="rId19"/>
   </p:sldIdLst>
   <p:sldSz cx="12192000" cy="6858000"/>
   <p:notesSz cx="6858000" cy="9144000"/>
@@ -259,7 +260,7 @@
           <a:p>
             <a:fld id="{C5DA80AD-CBD6-466B-9725-CFB878527F91}" type="datetimeFigureOut">
               <a:rPr lang="en-GB" smtClean="0"/>
-              <a:t>29/08/2019</a:t>
+              <a:t>03/09/2019</a:t>
             </a:fld>
             <a:endParaRPr lang="en-GB"/>
           </a:p>
@@ -429,7 +430,7 @@
           <a:p>
             <a:fld id="{C5DA80AD-CBD6-466B-9725-CFB878527F91}" type="datetimeFigureOut">
               <a:rPr lang="en-GB" smtClean="0"/>
-              <a:t>29/08/2019</a:t>
+              <a:t>03/09/2019</a:t>
             </a:fld>
             <a:endParaRPr lang="en-GB"/>
           </a:p>
@@ -609,7 +610,7 @@
           <a:p>
             <a:fld id="{C5DA80AD-CBD6-466B-9725-CFB878527F91}" type="datetimeFigureOut">
               <a:rPr lang="en-GB" smtClean="0"/>
-              <a:t>29/08/2019</a:t>
+              <a:t>03/09/2019</a:t>
             </a:fld>
             <a:endParaRPr lang="en-GB"/>
           </a:p>
@@ -779,7 +780,7 @@
           <a:p>
             <a:fld id="{C5DA80AD-CBD6-466B-9725-CFB878527F91}" type="datetimeFigureOut">
               <a:rPr lang="en-GB" smtClean="0"/>
-              <a:t>29/08/2019</a:t>
+              <a:t>03/09/2019</a:t>
             </a:fld>
             <a:endParaRPr lang="en-GB"/>
           </a:p>
@@ -1025,7 +1026,7 @@
           <a:p>
             <a:fld id="{C5DA80AD-CBD6-466B-9725-CFB878527F91}" type="datetimeFigureOut">
               <a:rPr lang="en-GB" smtClean="0"/>
-              <a:t>29/08/2019</a:t>
+              <a:t>03/09/2019</a:t>
             </a:fld>
             <a:endParaRPr lang="en-GB"/>
           </a:p>
@@ -1257,7 +1258,7 @@
           <a:p>
             <a:fld id="{C5DA80AD-CBD6-466B-9725-CFB878527F91}" type="datetimeFigureOut">
               <a:rPr lang="en-GB" smtClean="0"/>
-              <a:t>29/08/2019</a:t>
+              <a:t>03/09/2019</a:t>
             </a:fld>
             <a:endParaRPr lang="en-GB"/>
           </a:p>
@@ -1624,7 +1625,7 @@
           <a:p>
             <a:fld id="{C5DA80AD-CBD6-466B-9725-CFB878527F91}" type="datetimeFigureOut">
               <a:rPr lang="en-GB" smtClean="0"/>
-              <a:t>29/08/2019</a:t>
+              <a:t>03/09/2019</a:t>
             </a:fld>
             <a:endParaRPr lang="en-GB"/>
           </a:p>
@@ -1742,7 +1743,7 @@
           <a:p>
             <a:fld id="{C5DA80AD-CBD6-466B-9725-CFB878527F91}" type="datetimeFigureOut">
               <a:rPr lang="en-GB" smtClean="0"/>
-              <a:t>29/08/2019</a:t>
+              <a:t>03/09/2019</a:t>
             </a:fld>
             <a:endParaRPr lang="en-GB"/>
           </a:p>
@@ -1837,7 +1838,7 @@
           <a:p>
             <a:fld id="{C5DA80AD-CBD6-466B-9725-CFB878527F91}" type="datetimeFigureOut">
               <a:rPr lang="en-GB" smtClean="0"/>
-              <a:t>29/08/2019</a:t>
+              <a:t>03/09/2019</a:t>
             </a:fld>
             <a:endParaRPr lang="en-GB"/>
           </a:p>
@@ -2114,7 +2115,7 @@
           <a:p>
             <a:fld id="{C5DA80AD-CBD6-466B-9725-CFB878527F91}" type="datetimeFigureOut">
               <a:rPr lang="en-GB" smtClean="0"/>
-              <a:t>29/08/2019</a:t>
+              <a:t>03/09/2019</a:t>
             </a:fld>
             <a:endParaRPr lang="en-GB"/>
           </a:p>
@@ -2367,7 +2368,7 @@
           <a:p>
             <a:fld id="{C5DA80AD-CBD6-466B-9725-CFB878527F91}" type="datetimeFigureOut">
               <a:rPr lang="en-GB" smtClean="0"/>
-              <a:t>29/08/2019</a:t>
+              <a:t>03/09/2019</a:t>
             </a:fld>
             <a:endParaRPr lang="en-GB"/>
           </a:p>
@@ -2580,7 +2581,7 @@
           <a:p>
             <a:fld id="{C5DA80AD-CBD6-466B-9725-CFB878527F91}" type="datetimeFigureOut">
               <a:rPr lang="en-GB" smtClean="0"/>
-              <a:t>29/08/2019</a:t>
+              <a:t>03/09/2019</a:t>
             </a:fld>
             <a:endParaRPr lang="en-GB"/>
           </a:p>
@@ -3018,10 +3019,471 @@
   <p:clrMapOvr>
     <a:masterClrMapping/>
   </p:clrMapOvr>
+  <p:timing>
+    <p:tnLst>
+      <p:par>
+        <p:cTn id="1" dur="indefinite" restart="never" nodeType="tmRoot"/>
+      </p:par>
+    </p:tnLst>
+  </p:timing>
 </p:sld>
 </file>
 
 <file path=ppt/slides/slide10.xml><?xml version="1.0" encoding="utf-8"?>
+<p:sld xmlns:a="http://schemas.openxmlformats.org/drawingml/2006/main" xmlns:r="http://schemas.openxmlformats.org/officeDocument/2006/relationships" xmlns:p="http://schemas.openxmlformats.org/presentationml/2006/main">
+  <p:cSld>
+    <p:spTree>
+      <p:nvGrpSpPr>
+        <p:cNvPr id="1" name=""/>
+        <p:cNvGrpSpPr/>
+        <p:nvPr/>
+      </p:nvGrpSpPr>
+      <p:grpSpPr>
+        <a:xfrm>
+          <a:off x="0" y="0"/>
+          <a:ext cx="0" cy="0"/>
+          <a:chOff x="0" y="0"/>
+          <a:chExt cx="0" cy="0"/>
+        </a:xfrm>
+      </p:grpSpPr>
+      <p:sp>
+        <p:nvSpPr>
+          <p:cNvPr id="2" name="Title 1"/>
+          <p:cNvSpPr>
+            <a:spLocks noGrp="1"/>
+          </p:cNvSpPr>
+          <p:nvPr>
+            <p:ph type="title"/>
+          </p:nvPr>
+        </p:nvSpPr>
+        <p:spPr/>
+        <p:txBody>
+          <a:bodyPr/>
+          <a:lstStyle/>
+          <a:p>
+            <a:r>
+              <a:rPr lang="en-GB" dirty="0" smtClean="0"/>
+              <a:t>Objects</a:t>
+            </a:r>
+            <a:endParaRPr lang="en-GB" dirty="0"/>
+          </a:p>
+        </p:txBody>
+      </p:sp>
+      <p:sp>
+        <p:nvSpPr>
+          <p:cNvPr id="3" name="Content Placeholder 2"/>
+          <p:cNvSpPr>
+            <a:spLocks noGrp="1"/>
+          </p:cNvSpPr>
+          <p:nvPr>
+            <p:ph idx="1"/>
+          </p:nvPr>
+        </p:nvSpPr>
+        <p:spPr>
+          <a:xfrm>
+            <a:off x="838200" y="1825625"/>
+            <a:ext cx="5478076" cy="4351338"/>
+          </a:xfrm>
+        </p:spPr>
+        <p:txBody>
+          <a:bodyPr>
+            <a:normAutofit fontScale="55000" lnSpcReduction="20000"/>
+          </a:bodyPr>
+          <a:lstStyle/>
+          <a:p>
+            <a:r>
+              <a:rPr lang="en-GB" dirty="0"/>
+              <a:t>a</a:t>
+            </a:r>
+            <a:r>
+              <a:rPr lang="en-GB" dirty="0" smtClean="0"/>
+              <a:t> class that has </a:t>
+            </a:r>
+            <a:r>
+              <a:rPr lang="en-GB" i="1" dirty="0" smtClean="0"/>
+              <a:t>exactly one </a:t>
+            </a:r>
+            <a:r>
+              <a:rPr lang="en-GB" dirty="0" smtClean="0"/>
+              <a:t>instance</a:t>
+            </a:r>
+          </a:p>
+          <a:p>
+            <a:r>
+              <a:rPr lang="en-GB" dirty="0"/>
+              <a:t>i</a:t>
+            </a:r>
+            <a:r>
+              <a:rPr lang="en-GB" dirty="0" smtClean="0"/>
+              <a:t>s created </a:t>
+            </a:r>
+            <a:r>
+              <a:rPr lang="en-GB" i="1" dirty="0" smtClean="0"/>
+              <a:t>lazily</a:t>
+            </a:r>
+            <a:r>
+              <a:rPr lang="en-GB" dirty="0" smtClean="0"/>
+              <a:t> when it is referenced</a:t>
+            </a:r>
+          </a:p>
+          <a:p>
+            <a:r>
+              <a:rPr lang="en-GB" dirty="0"/>
+              <a:t>i</a:t>
+            </a:r>
+            <a:r>
+              <a:rPr lang="en-GB" dirty="0" smtClean="0"/>
+              <a:t>s treated as a value</a:t>
+            </a:r>
+          </a:p>
+          <a:p>
+            <a:pPr marL="0" indent="0">
+              <a:buNone/>
+            </a:pPr>
+            <a:endParaRPr lang="en-GB" dirty="0"/>
+          </a:p>
+          <a:p>
+            <a:pPr marL="0" indent="0">
+              <a:buNone/>
+            </a:pPr>
+            <a:r>
+              <a:rPr lang="en-GB" sz="2900" dirty="0"/>
+              <a:t>o</a:t>
+            </a:r>
+            <a:r>
+              <a:rPr lang="en-GB" sz="2900" dirty="0" smtClean="0"/>
+              <a:t>bject Logger {</a:t>
+            </a:r>
+          </a:p>
+          <a:p>
+            <a:pPr marL="0" indent="0">
+              <a:buNone/>
+            </a:pPr>
+            <a:r>
+              <a:rPr lang="en-GB" sz="2900" dirty="0"/>
+              <a:t> </a:t>
+            </a:r>
+            <a:r>
+              <a:rPr lang="en-GB" sz="2900" dirty="0" smtClean="0"/>
+              <a:t>       </a:t>
+            </a:r>
+            <a:r>
+              <a:rPr lang="en-GB" sz="2900" dirty="0" err="1" smtClean="0"/>
+              <a:t>def</a:t>
+            </a:r>
+            <a:r>
+              <a:rPr lang="en-GB" sz="2900" dirty="0" smtClean="0"/>
+              <a:t> info(message: String): Unit = </a:t>
+            </a:r>
+          </a:p>
+          <a:p>
+            <a:pPr marL="0" indent="0">
+              <a:buNone/>
+            </a:pPr>
+            <a:r>
+              <a:rPr lang="en-GB" sz="2900" dirty="0" smtClean="0"/>
+              <a:t>	</a:t>
+            </a:r>
+            <a:r>
+              <a:rPr lang="en-GB" sz="2900" dirty="0" err="1" smtClean="0"/>
+              <a:t>println</a:t>
+            </a:r>
+            <a:r>
+              <a:rPr lang="en-GB" sz="2900" dirty="0" smtClean="0"/>
+              <a:t>(</a:t>
+            </a:r>
+            <a:r>
+              <a:rPr lang="en-GB" sz="2900" dirty="0" err="1" smtClean="0"/>
+              <a:t>s”INFO</a:t>
+            </a:r>
+            <a:r>
+              <a:rPr lang="en-GB" sz="2900" dirty="0" smtClean="0"/>
+              <a:t>: $message”)</a:t>
+            </a:r>
+            <a:endParaRPr lang="en-GB" sz="2900" dirty="0"/>
+          </a:p>
+          <a:p>
+            <a:pPr marL="0" indent="0">
+              <a:buNone/>
+            </a:pPr>
+            <a:r>
+              <a:rPr lang="en-GB" sz="2900" dirty="0" smtClean="0"/>
+              <a:t>}</a:t>
+            </a:r>
+          </a:p>
+          <a:p>
+            <a:pPr marL="0" indent="0">
+              <a:buNone/>
+            </a:pPr>
+            <a:endParaRPr lang="en-GB" dirty="0"/>
+          </a:p>
+          <a:p>
+            <a:r>
+              <a:rPr lang="en-GB" dirty="0"/>
+              <a:t>a</a:t>
+            </a:r>
+            <a:r>
+              <a:rPr lang="en-GB" dirty="0" smtClean="0"/>
+              <a:t>n object with the same name as a class is called a </a:t>
+            </a:r>
+            <a:r>
+              <a:rPr lang="en-GB" i="1" dirty="0" smtClean="0"/>
+              <a:t>companion object</a:t>
+            </a:r>
+          </a:p>
+          <a:p>
+            <a:r>
+              <a:rPr lang="en-GB" dirty="0"/>
+              <a:t>t</a:t>
+            </a:r>
+            <a:r>
+              <a:rPr lang="en-GB" dirty="0" smtClean="0"/>
+              <a:t>he companion object can access the </a:t>
+            </a:r>
+            <a:r>
+              <a:rPr lang="en-GB" i="1" dirty="0" smtClean="0"/>
+              <a:t>private</a:t>
+            </a:r>
+            <a:r>
+              <a:rPr lang="en-GB" dirty="0" smtClean="0"/>
+              <a:t> members of its class</a:t>
+            </a:r>
+          </a:p>
+          <a:p>
+            <a:r>
+              <a:rPr lang="en-GB" dirty="0"/>
+              <a:t>c</a:t>
+            </a:r>
+            <a:r>
+              <a:rPr lang="en-GB" dirty="0" smtClean="0"/>
+              <a:t>ompanion objects can be used to model the </a:t>
+            </a:r>
+            <a:r>
+              <a:rPr lang="en-GB" i="1" dirty="0" smtClean="0"/>
+              <a:t>static</a:t>
+            </a:r>
+            <a:r>
+              <a:rPr lang="en-GB" dirty="0" smtClean="0"/>
+              <a:t> members from Java</a:t>
+            </a:r>
+          </a:p>
+          <a:p>
+            <a:endParaRPr lang="en-GB" dirty="0"/>
+          </a:p>
+          <a:p>
+            <a:pPr marL="0" indent="0">
+              <a:buNone/>
+            </a:pPr>
+            <a:endParaRPr lang="en-GB" dirty="0"/>
+          </a:p>
+          <a:p>
+            <a:pPr marL="0" indent="0">
+              <a:buNone/>
+            </a:pPr>
+            <a:endParaRPr lang="en-GB" dirty="0" smtClean="0"/>
+          </a:p>
+          <a:p>
+            <a:pPr marL="0" indent="0">
+              <a:buNone/>
+            </a:pPr>
+            <a:endParaRPr lang="en-GB" dirty="0" smtClean="0"/>
+          </a:p>
+        </p:txBody>
+      </p:sp>
+      <p:sp>
+        <p:nvSpPr>
+          <p:cNvPr id="6" name="Rectangle 5"/>
+          <p:cNvSpPr/>
+          <p:nvPr/>
+        </p:nvSpPr>
+        <p:spPr>
+          <a:xfrm>
+            <a:off x="6513499" y="1690688"/>
+            <a:ext cx="5678501" cy="3693319"/>
+          </a:xfrm>
+          <a:prstGeom prst="rect">
+            <a:avLst/>
+          </a:prstGeom>
+        </p:spPr>
+        <p:txBody>
+          <a:bodyPr wrap="square">
+            <a:spAutoFit/>
+          </a:bodyPr>
+          <a:lstStyle/>
+          <a:p>
+            <a:r>
+              <a:rPr lang="en-GB" dirty="0" smtClean="0"/>
+              <a:t>class </a:t>
+            </a:r>
+            <a:r>
+              <a:rPr lang="en-GB" dirty="0"/>
+              <a:t>Circle(radius: Double) {</a:t>
+            </a:r>
+          </a:p>
+          <a:p>
+            <a:r>
+              <a:rPr lang="en-GB" dirty="0" smtClean="0"/>
+              <a:t>        import </a:t>
+            </a:r>
+            <a:r>
+              <a:rPr lang="en-GB" dirty="0"/>
+              <a:t>Circle._</a:t>
+            </a:r>
+          </a:p>
+          <a:p>
+            <a:r>
+              <a:rPr lang="en-GB" dirty="0" smtClean="0"/>
+              <a:t>        </a:t>
+            </a:r>
+            <a:r>
+              <a:rPr lang="en-GB" dirty="0" err="1" smtClean="0"/>
+              <a:t>def</a:t>
+            </a:r>
+            <a:r>
+              <a:rPr lang="en-GB" dirty="0" smtClean="0"/>
+              <a:t> </a:t>
+            </a:r>
+            <a:r>
+              <a:rPr lang="en-GB" dirty="0"/>
+              <a:t>area: Double = </a:t>
+            </a:r>
+            <a:r>
+              <a:rPr lang="en-GB" dirty="0" err="1"/>
+              <a:t>calculateArea</a:t>
+            </a:r>
+            <a:r>
+              <a:rPr lang="en-GB" dirty="0"/>
+              <a:t>(radius)</a:t>
+            </a:r>
+          </a:p>
+          <a:p>
+            <a:r>
+              <a:rPr lang="en-GB" dirty="0" smtClean="0"/>
+              <a:t>}</a:t>
+            </a:r>
+          </a:p>
+          <a:p>
+            <a:endParaRPr lang="en-GB" dirty="0"/>
+          </a:p>
+          <a:p>
+            <a:r>
+              <a:rPr lang="en-GB" dirty="0"/>
+              <a:t>o</a:t>
+            </a:r>
+            <a:r>
+              <a:rPr lang="en-GB" dirty="0" smtClean="0"/>
+              <a:t>bject Circle {</a:t>
+            </a:r>
+          </a:p>
+          <a:p>
+            <a:r>
+              <a:rPr lang="en-GB" dirty="0" smtClean="0"/>
+              <a:t>        import </a:t>
+            </a:r>
+            <a:r>
+              <a:rPr lang="en-GB" dirty="0" err="1" smtClean="0"/>
+              <a:t>scala.math</a:t>
+            </a:r>
+            <a:r>
+              <a:rPr lang="en-GB" dirty="0" smtClean="0"/>
+              <a:t>._</a:t>
+            </a:r>
+          </a:p>
+          <a:p>
+            <a:r>
+              <a:rPr lang="en-GB" dirty="0" smtClean="0"/>
+              <a:t>        private </a:t>
+            </a:r>
+            <a:r>
+              <a:rPr lang="en-GB" dirty="0" err="1" smtClean="0"/>
+              <a:t>def</a:t>
+            </a:r>
+            <a:r>
+              <a:rPr lang="en-GB" dirty="0" smtClean="0"/>
+              <a:t> </a:t>
+            </a:r>
+            <a:r>
+              <a:rPr lang="en-GB" dirty="0" err="1" smtClean="0"/>
+              <a:t>calculateArea</a:t>
+            </a:r>
+            <a:r>
+              <a:rPr lang="en-GB" dirty="0" smtClean="0"/>
+              <a:t>(radius: Double): Double = </a:t>
+            </a:r>
+          </a:p>
+          <a:p>
+            <a:r>
+              <a:rPr lang="en-GB" dirty="0"/>
+              <a:t>	</a:t>
+            </a:r>
+            <a:r>
+              <a:rPr lang="en-GB" dirty="0" smtClean="0"/>
+              <a:t>Pi * pow(radius, 2.0)</a:t>
+            </a:r>
+            <a:endParaRPr lang="en-GB" dirty="0"/>
+          </a:p>
+          <a:p>
+            <a:r>
+              <a:rPr lang="en-GB" dirty="0" smtClean="0"/>
+              <a:t>}</a:t>
+            </a:r>
+          </a:p>
+          <a:p>
+            <a:endParaRPr lang="en-GB" dirty="0"/>
+          </a:p>
+          <a:p>
+            <a:r>
+              <a:rPr lang="en-GB" dirty="0" err="1"/>
+              <a:t>v</a:t>
+            </a:r>
+            <a:r>
+              <a:rPr lang="en-GB" dirty="0" err="1" smtClean="0"/>
+              <a:t>al</a:t>
+            </a:r>
+            <a:r>
+              <a:rPr lang="en-GB" dirty="0" smtClean="0"/>
+              <a:t> circle = new Circle(5.0)</a:t>
+            </a:r>
+          </a:p>
+          <a:p>
+            <a:r>
+              <a:rPr lang="en-GB" dirty="0" err="1"/>
+              <a:t>p</a:t>
+            </a:r>
+            <a:r>
+              <a:rPr lang="en-GB" dirty="0" err="1" smtClean="0"/>
+              <a:t>rintln</a:t>
+            </a:r>
+            <a:r>
+              <a:rPr lang="en-GB" dirty="0" smtClean="0"/>
+              <a:t>(</a:t>
+            </a:r>
+            <a:r>
+              <a:rPr lang="en-GB" dirty="0" err="1" smtClean="0"/>
+              <a:t>circle.area</a:t>
+            </a:r>
+            <a:r>
+              <a:rPr lang="en-GB" dirty="0" smtClean="0"/>
+              <a:t>)</a:t>
+            </a:r>
+            <a:endParaRPr lang="en-GB" dirty="0"/>
+          </a:p>
+        </p:txBody>
+      </p:sp>
+    </p:spTree>
+    <p:extLst>
+      <p:ext uri="{BB962C8B-B14F-4D97-AF65-F5344CB8AC3E}">
+        <p14:creationId xmlns:p14="http://schemas.microsoft.com/office/powerpoint/2010/main" val="2431934062"/>
+      </p:ext>
+    </p:extLst>
+  </p:cSld>
+  <p:clrMapOvr>
+    <a:masterClrMapping/>
+  </p:clrMapOvr>
+</p:sld>
+</file>
+
+<file path=ppt/slides/slide11.xml><?xml version="1.0" encoding="utf-8"?>
 <p:sld xmlns:a="http://schemas.openxmlformats.org/drawingml/2006/main" xmlns:r="http://schemas.openxmlformats.org/officeDocument/2006/relationships" xmlns:p="http://schemas.openxmlformats.org/presentationml/2006/main">
   <p:cSld>
     <p:spTree>
@@ -3341,7 +3803,7 @@
 </p:sld>
 </file>
 
-<file path=ppt/slides/slide11.xml><?xml version="1.0" encoding="utf-8"?>
+<file path=ppt/slides/slide12.xml><?xml version="1.0" encoding="utf-8"?>
 <p:sld xmlns:a="http://schemas.openxmlformats.org/drawingml/2006/main" xmlns:r="http://schemas.openxmlformats.org/officeDocument/2006/relationships" xmlns:p="http://schemas.openxmlformats.org/presentationml/2006/main">
   <p:cSld>
     <p:spTree>
@@ -3858,7 +4320,7 @@
 </p:sld>
 </file>
 
-<file path=ppt/slides/slide12.xml><?xml version="1.0" encoding="utf-8"?>
+<file path=ppt/slides/slide13.xml><?xml version="1.0" encoding="utf-8"?>
 <p:sld xmlns:a="http://schemas.openxmlformats.org/drawingml/2006/main" xmlns:r="http://schemas.openxmlformats.org/officeDocument/2006/relationships" xmlns:p="http://schemas.openxmlformats.org/presentationml/2006/main">
   <p:cSld>
     <p:spTree>
@@ -3945,248 +4407,6 @@
 </p:sld>
 </file>
 
-<file path=ppt/slides/slide13.xml><?xml version="1.0" encoding="utf-8"?>
-<p:sld xmlns:a="http://schemas.openxmlformats.org/drawingml/2006/main" xmlns:r="http://schemas.openxmlformats.org/officeDocument/2006/relationships" xmlns:p="http://schemas.openxmlformats.org/presentationml/2006/main">
-  <p:cSld>
-    <p:spTree>
-      <p:nvGrpSpPr>
-        <p:cNvPr id="1" name=""/>
-        <p:cNvGrpSpPr/>
-        <p:nvPr/>
-      </p:nvGrpSpPr>
-      <p:grpSpPr>
-        <a:xfrm>
-          <a:off x="0" y="0"/>
-          <a:ext cx="0" cy="0"/>
-          <a:chOff x="0" y="0"/>
-          <a:chExt cx="0" cy="0"/>
-        </a:xfrm>
-      </p:grpSpPr>
-      <p:sp>
-        <p:nvSpPr>
-          <p:cNvPr id="2" name="Title 1"/>
-          <p:cNvSpPr>
-            <a:spLocks noGrp="1"/>
-          </p:cNvSpPr>
-          <p:nvPr>
-            <p:ph type="title"/>
-          </p:nvPr>
-        </p:nvSpPr>
-        <p:spPr/>
-        <p:txBody>
-          <a:bodyPr/>
-          <a:lstStyle/>
-          <a:p>
-            <a:r>
-              <a:rPr lang="en-GB" dirty="0" smtClean="0"/>
-              <a:t>Everything is an Object</a:t>
-            </a:r>
-            <a:endParaRPr lang="en-GB" dirty="0"/>
-          </a:p>
-        </p:txBody>
-      </p:sp>
-      <p:sp>
-        <p:nvSpPr>
-          <p:cNvPr id="3" name="Content Placeholder 2"/>
-          <p:cNvSpPr>
-            <a:spLocks noGrp="1"/>
-          </p:cNvSpPr>
-          <p:nvPr>
-            <p:ph idx="1"/>
-          </p:nvPr>
-        </p:nvSpPr>
-        <p:spPr/>
-        <p:txBody>
-          <a:bodyPr>
-            <a:normAutofit fontScale="85000" lnSpcReduction="20000"/>
-          </a:bodyPr>
-          <a:lstStyle/>
-          <a:p>
-            <a:r>
-              <a:rPr lang="en-GB" dirty="0" smtClean="0"/>
-              <a:t>Java</a:t>
-            </a:r>
-          </a:p>
-          <a:p>
-            <a:pPr lvl="1"/>
-            <a:r>
-              <a:rPr lang="en-GB" dirty="0" smtClean="0"/>
-              <a:t>Primitive types: </a:t>
-            </a:r>
-            <a:r>
-              <a:rPr lang="en-GB" dirty="0" err="1" smtClean="0"/>
-              <a:t>boolean</a:t>
-            </a:r>
-            <a:r>
-              <a:rPr lang="en-GB" dirty="0" smtClean="0"/>
-              <a:t>, char, </a:t>
-            </a:r>
-            <a:r>
-              <a:rPr lang="en-GB" dirty="0" err="1" smtClean="0"/>
-              <a:t>int</a:t>
-            </a:r>
-            <a:r>
-              <a:rPr lang="en-GB" dirty="0" smtClean="0"/>
-              <a:t>, double, float</a:t>
-            </a:r>
-          </a:p>
-          <a:p>
-            <a:pPr lvl="1"/>
-            <a:r>
-              <a:rPr lang="en-GB" dirty="0" smtClean="0"/>
-              <a:t>Functions</a:t>
-            </a:r>
-          </a:p>
-          <a:p>
-            <a:pPr lvl="1"/>
-            <a:endParaRPr lang="en-GB" dirty="0" smtClean="0"/>
-          </a:p>
-          <a:p>
-            <a:r>
-              <a:rPr lang="en-GB" dirty="0" smtClean="0"/>
-              <a:t>Scala</a:t>
-            </a:r>
-          </a:p>
-          <a:p>
-            <a:pPr lvl="1"/>
-            <a:r>
-              <a:rPr lang="en-GB" dirty="0" smtClean="0"/>
-              <a:t>Numbers are objects</a:t>
-            </a:r>
-          </a:p>
-          <a:p>
-            <a:pPr lvl="1"/>
-            <a:endParaRPr lang="en-GB" dirty="0" smtClean="0"/>
-          </a:p>
-          <a:p>
-            <a:pPr marL="457200" lvl="1" indent="0">
-              <a:buNone/>
-            </a:pPr>
-            <a:r>
-              <a:rPr lang="en-GB" dirty="0"/>
-              <a:t>	</a:t>
-            </a:r>
-            <a:r>
-              <a:rPr lang="en-GB" dirty="0" smtClean="0"/>
-              <a:t>1 + 2 * 3 / x	-&gt;	1.+(2.*(3)./(x))</a:t>
-            </a:r>
-          </a:p>
-          <a:p>
-            <a:pPr marL="457200" lvl="1" indent="0">
-              <a:buNone/>
-            </a:pPr>
-            <a:endParaRPr lang="en-GB" dirty="0" smtClean="0"/>
-          </a:p>
-          <a:p>
-            <a:pPr lvl="1"/>
-            <a:r>
-              <a:rPr lang="en-GB" dirty="0" smtClean="0"/>
-              <a:t>Functions are objects – you can pass </a:t>
-            </a:r>
-            <a:r>
-              <a:rPr lang="en-GB" dirty="0"/>
-              <a:t>functions as arguments, </a:t>
-            </a:r>
-            <a:r>
-              <a:rPr lang="en-GB" dirty="0" smtClean="0"/>
-              <a:t>store </a:t>
-            </a:r>
-            <a:r>
-              <a:rPr lang="en-GB" dirty="0"/>
-              <a:t>them in </a:t>
-            </a:r>
-            <a:r>
-              <a:rPr lang="en-GB" dirty="0" smtClean="0"/>
-              <a:t>variables or return </a:t>
-            </a:r>
-            <a:r>
-              <a:rPr lang="en-GB" dirty="0"/>
-              <a:t>them from other </a:t>
-            </a:r>
-            <a:r>
-              <a:rPr lang="en-GB" dirty="0" smtClean="0"/>
-              <a:t>functions</a:t>
-            </a:r>
-          </a:p>
-          <a:p>
-            <a:pPr lvl="1"/>
-            <a:endParaRPr lang="en-GB" dirty="0"/>
-          </a:p>
-          <a:p>
-            <a:pPr marL="914400" lvl="2" indent="0">
-              <a:buNone/>
-            </a:pPr>
-            <a:r>
-              <a:rPr lang="en-GB" dirty="0" err="1" smtClean="0"/>
-              <a:t>def</a:t>
-            </a:r>
-            <a:r>
-              <a:rPr lang="en-GB" dirty="0" smtClean="0"/>
-              <a:t> </a:t>
-            </a:r>
-            <a:r>
-              <a:rPr lang="en-GB" dirty="0" err="1" smtClean="0"/>
-              <a:t>oncePerSecond</a:t>
-            </a:r>
-            <a:r>
-              <a:rPr lang="en-GB" dirty="0" smtClean="0"/>
-              <a:t>(</a:t>
-            </a:r>
-            <a:r>
-              <a:rPr lang="en-GB" dirty="0" err="1" smtClean="0"/>
-              <a:t>callback</a:t>
-            </a:r>
-            <a:r>
-              <a:rPr lang="en-GB" dirty="0" smtClean="0"/>
-              <a:t>: () =&gt; Unit): Unit = {</a:t>
-            </a:r>
-          </a:p>
-          <a:p>
-            <a:pPr marL="914400" lvl="2" indent="0">
-              <a:buNone/>
-            </a:pPr>
-            <a:r>
-              <a:rPr lang="en-GB" dirty="0" smtClean="0"/>
-              <a:t>	while (true) { </a:t>
-            </a:r>
-            <a:r>
-              <a:rPr lang="en-GB" dirty="0" err="1" smtClean="0"/>
-              <a:t>callback</a:t>
-            </a:r>
-            <a:r>
-              <a:rPr lang="en-GB" dirty="0" smtClean="0"/>
-              <a:t>(); Thread sleep 1000 }</a:t>
-            </a:r>
-            <a:endParaRPr lang="en-GB" dirty="0"/>
-          </a:p>
-          <a:p>
-            <a:pPr marL="914400" lvl="2" indent="0">
-              <a:buNone/>
-            </a:pPr>
-            <a:r>
-              <a:rPr lang="en-GB" dirty="0" smtClean="0"/>
-              <a:t>}</a:t>
-            </a:r>
-          </a:p>
-          <a:p>
-            <a:pPr lvl="1"/>
-            <a:endParaRPr lang="en-GB" dirty="0"/>
-          </a:p>
-        </p:txBody>
-      </p:sp>
-    </p:spTree>
-    <p:extLst>
-      <p:ext uri="{BB962C8B-B14F-4D97-AF65-F5344CB8AC3E}">
-        <p14:creationId xmlns:p14="http://schemas.microsoft.com/office/powerpoint/2010/main" val="3089315729"/>
-      </p:ext>
-    </p:extLst>
-  </p:cSld>
-  <p:clrMapOvr>
-    <a:masterClrMapping/>
-  </p:clrMapOvr>
-</p:sld>
-</file>
-
 <file path=ppt/slides/slide14.xml><?xml version="1.0" encoding="utf-8"?>
 <p:sld xmlns:a="http://schemas.openxmlformats.org/drawingml/2006/main" xmlns:r="http://schemas.openxmlformats.org/officeDocument/2006/relationships" xmlns:p="http://schemas.openxmlformats.org/presentationml/2006/main">
   <p:cSld>
@@ -4221,7 +4441,7 @@
           <a:p>
             <a:r>
               <a:rPr lang="en-GB" dirty="0" smtClean="0"/>
-              <a:t>Pattern matching</a:t>
+              <a:t>Everything is an Object</a:t>
             </a:r>
             <a:endParaRPr lang="en-GB" dirty="0"/>
           </a:p>
@@ -4239,49 +4459,66 @@
         </p:nvSpPr>
         <p:spPr/>
         <p:txBody>
-          <a:bodyPr/>
+          <a:bodyPr>
+            <a:normAutofit fontScale="85000" lnSpcReduction="20000"/>
+          </a:bodyPr>
           <a:lstStyle/>
           <a:p>
-            <a:pPr marL="0" indent="0">
-              <a:buNone/>
-            </a:pPr>
-            <a:r>
-              <a:rPr lang="en-GB" dirty="0" smtClean="0"/>
-              <a:t>Syntax</a:t>
-            </a:r>
-          </a:p>
-          <a:p>
-            <a:pPr marL="0" indent="0">
-              <a:buNone/>
-            </a:pPr>
+            <a:r>
+              <a:rPr lang="en-GB" dirty="0" smtClean="0"/>
+              <a:t>Java</a:t>
+            </a:r>
+          </a:p>
+          <a:p>
+            <a:pPr lvl="1"/>
+            <a:r>
+              <a:rPr lang="en-GB" dirty="0" smtClean="0"/>
+              <a:t>Primitive types: </a:t>
+            </a:r>
+            <a:r>
+              <a:rPr lang="en-GB" dirty="0" err="1" smtClean="0"/>
+              <a:t>boolean</a:t>
+            </a:r>
+            <a:r>
+              <a:rPr lang="en-GB" dirty="0" smtClean="0"/>
+              <a:t>, char, </a:t>
+            </a:r>
+            <a:r>
+              <a:rPr lang="en-GB" dirty="0" err="1" smtClean="0"/>
+              <a:t>int</a:t>
+            </a:r>
+            <a:r>
+              <a:rPr lang="en-GB" dirty="0" smtClean="0"/>
+              <a:t>, double, float</a:t>
+            </a:r>
+          </a:p>
+          <a:p>
+            <a:pPr lvl="1"/>
+            <a:r>
+              <a:rPr lang="en-GB" dirty="0" smtClean="0"/>
+              <a:t>Functions</a:t>
+            </a:r>
+          </a:p>
+          <a:p>
+            <a:pPr lvl="1"/>
             <a:endParaRPr lang="en-GB" dirty="0" smtClean="0"/>
           </a:p>
           <a:p>
-            <a:pPr marL="457200" lvl="1" indent="0">
-              <a:buNone/>
-            </a:pPr>
-            <a:r>
-              <a:rPr lang="en-GB" dirty="0" smtClean="0"/>
-              <a:t>expr match {</a:t>
-            </a:r>
-          </a:p>
-          <a:p>
-            <a:pPr marL="457200" lvl="1" indent="0">
-              <a:buNone/>
-            </a:pPr>
-            <a:r>
-              <a:rPr lang="en-GB" dirty="0" smtClean="0"/>
-              <a:t>	case pattern1 =&gt; expr1</a:t>
-            </a:r>
-          </a:p>
-          <a:p>
-            <a:pPr marL="457200" lvl="1" indent="0">
-              <a:buNone/>
-            </a:pPr>
-            <a:r>
-              <a:rPr lang="en-GB" dirty="0" smtClean="0"/>
-              <a:t>	case pattern2 =&gt; expr2</a:t>
-            </a:r>
+            <a:r>
+              <a:rPr lang="en-GB" dirty="0" smtClean="0"/>
+              <a:t>Scala</a:t>
+            </a:r>
+          </a:p>
+          <a:p>
+            <a:pPr lvl="1"/>
+            <a:r>
+              <a:rPr lang="en-GB" dirty="0" smtClean="0"/>
+              <a:t>Numbers are objects</a:t>
+            </a:r>
+          </a:p>
+          <a:p>
+            <a:pPr lvl="1"/>
+            <a:endParaRPr lang="en-GB" dirty="0" smtClean="0"/>
           </a:p>
           <a:p>
             <a:pPr marL="457200" lvl="1" indent="0">
@@ -4293,68 +4530,108 @@
             </a:r>
             <a:r>
               <a:rPr lang="en-GB" dirty="0" smtClean="0"/>
-              <a:t>…</a:t>
+              <a:t>1 + 2 * 3 / x	-&gt;	1.+(2.*(3)./(x))</a:t>
             </a:r>
           </a:p>
           <a:p>
             <a:pPr marL="457200" lvl="1" indent="0">
               <a:buNone/>
             </a:pPr>
+            <a:endParaRPr lang="en-GB" dirty="0" smtClean="0"/>
+          </a:p>
+          <a:p>
+            <a:pPr lvl="1"/>
+            <a:r>
+              <a:rPr lang="en-GB" dirty="0" smtClean="0"/>
+              <a:t>Functions are objects – you can pass </a:t>
+            </a:r>
             <a:r>
               <a:rPr lang="en-GB" dirty="0"/>
-              <a:t>	</a:t>
-            </a:r>
-            <a:r>
-              <a:rPr lang="en-GB" dirty="0" smtClean="0"/>
-              <a:t>case </a:t>
-            </a:r>
-            <a:r>
-              <a:rPr lang="en-GB" dirty="0" err="1" smtClean="0"/>
-              <a:t>patternN</a:t>
-            </a:r>
-            <a:r>
-              <a:rPr lang="en-GB" dirty="0" smtClean="0"/>
-              <a:t> =&gt; </a:t>
-            </a:r>
-            <a:r>
-              <a:rPr lang="en-GB" dirty="0" err="1" smtClean="0"/>
-              <a:t>exprN</a:t>
-            </a:r>
+              <a:t>functions as arguments, </a:t>
+            </a:r>
+            <a:r>
+              <a:rPr lang="en-GB" dirty="0" smtClean="0"/>
+              <a:t>store </a:t>
+            </a:r>
+            <a:r>
+              <a:rPr lang="en-GB" dirty="0"/>
+              <a:t>them in </a:t>
+            </a:r>
+            <a:r>
+              <a:rPr lang="en-GB" dirty="0" smtClean="0"/>
+              <a:t>variables or return </a:t>
+            </a:r>
+            <a:r>
+              <a:rPr lang="en-GB" dirty="0"/>
+              <a:t>them from other </a:t>
+            </a:r>
+            <a:r>
+              <a:rPr lang="en-GB" dirty="0" smtClean="0"/>
+              <a:t>functions</a:t>
+            </a:r>
+          </a:p>
+          <a:p>
+            <a:pPr lvl="1"/>
             <a:endParaRPr lang="en-GB" dirty="0"/>
           </a:p>
           <a:p>
-            <a:pPr marL="457200" lvl="1" indent="0">
+            <a:pPr marL="914400" lvl="2" indent="0">
+              <a:buNone/>
+            </a:pPr>
+            <a:r>
+              <a:rPr lang="en-GB" dirty="0" err="1" smtClean="0"/>
+              <a:t>def</a:t>
+            </a:r>
+            <a:r>
+              <a:rPr lang="en-GB" dirty="0" smtClean="0"/>
+              <a:t> </a:t>
+            </a:r>
+            <a:r>
+              <a:rPr lang="en-GB" dirty="0" err="1" smtClean="0"/>
+              <a:t>oncePerSecond</a:t>
+            </a:r>
+            <a:r>
+              <a:rPr lang="en-GB" dirty="0" smtClean="0"/>
+              <a:t>(</a:t>
+            </a:r>
+            <a:r>
+              <a:rPr lang="en-GB" dirty="0" err="1" smtClean="0"/>
+              <a:t>callback</a:t>
+            </a:r>
+            <a:r>
+              <a:rPr lang="en-GB" dirty="0" smtClean="0"/>
+              <a:t>: () =&gt; Unit): Unit = {</a:t>
+            </a:r>
+          </a:p>
+          <a:p>
+            <a:pPr marL="914400" lvl="2" indent="0">
+              <a:buNone/>
+            </a:pPr>
+            <a:r>
+              <a:rPr lang="en-GB" dirty="0" smtClean="0"/>
+              <a:t>	while (true) { </a:t>
+            </a:r>
+            <a:r>
+              <a:rPr lang="en-GB" dirty="0" err="1" smtClean="0"/>
+              <a:t>callback</a:t>
+            </a:r>
+            <a:r>
+              <a:rPr lang="en-GB" dirty="0" smtClean="0"/>
+              <a:t>(); Thread sleep 1000 }</a:t>
+            </a:r>
+            <a:endParaRPr lang="en-GB" dirty="0"/>
+          </a:p>
+          <a:p>
+            <a:pPr marL="914400" lvl="2" indent="0">
               <a:buNone/>
             </a:pPr>
             <a:r>
               <a:rPr lang="en-GB" dirty="0" smtClean="0"/>
               <a:t>}</a:t>
             </a:r>
-            <a:endParaRPr lang="en-GB" dirty="0"/>
           </a:p>
           <a:p>
             <a:pPr lvl="1"/>
-            <a:endParaRPr lang="en-GB" dirty="0" smtClean="0"/>
-          </a:p>
-          <a:p>
-            <a:pPr marL="0" indent="0">
-              <a:buNone/>
-            </a:pPr>
-            <a:r>
-              <a:rPr lang="en-GB" dirty="0" smtClean="0"/>
-              <a:t>Note: a </a:t>
-            </a:r>
-            <a:r>
-              <a:rPr lang="en-GB" i="1" dirty="0" err="1" smtClean="0"/>
-              <a:t>MatchError</a:t>
-            </a:r>
-            <a:r>
-              <a:rPr lang="en-GB" dirty="0" smtClean="0"/>
-              <a:t> exception is thrown if there is no matching!</a:t>
-            </a:r>
-            <a:endParaRPr lang="en-GB" dirty="0" smtClean="0"/>
-          </a:p>
-          <a:p>
             <a:endParaRPr lang="en-GB" dirty="0"/>
           </a:p>
         </p:txBody>
@@ -4362,7 +4639,7 @@
     </p:spTree>
     <p:extLst>
       <p:ext uri="{BB962C8B-B14F-4D97-AF65-F5344CB8AC3E}">
-        <p14:creationId xmlns:p14="http://schemas.microsoft.com/office/powerpoint/2010/main" val="176017126"/>
+        <p14:creationId xmlns:p14="http://schemas.microsoft.com/office/powerpoint/2010/main" val="3089315729"/>
       </p:ext>
     </p:extLst>
   </p:cSld>
@@ -4391,30 +4668,48 @@
       </p:grpSpPr>
       <p:sp>
         <p:nvSpPr>
-          <p:cNvPr id="3" name="Content Placeholder 2"/>
-          <p:cNvSpPr>
-            <a:spLocks noGrp="1"/>
-          </p:cNvSpPr>
-          <p:nvPr>
-            <p:ph idx="1"/>
-          </p:nvPr>
-        </p:nvSpPr>
-        <p:spPr>
-          <a:xfrm>
-            <a:off x="838200" y="1052713"/>
-            <a:ext cx="10515600" cy="5124250"/>
-          </a:xfrm>
-        </p:spPr>
+          <p:cNvPr id="2" name="Title 1"/>
+          <p:cNvSpPr>
+            <a:spLocks noGrp="1"/>
+          </p:cNvSpPr>
+          <p:nvPr>
+            <p:ph type="title"/>
+          </p:nvPr>
+        </p:nvSpPr>
+        <p:spPr/>
         <p:txBody>
           <a:bodyPr/>
           <a:lstStyle/>
           <a:p>
-            <a:pPr marL="0" indent="0">
-              <a:buNone/>
-            </a:pPr>
-            <a:r>
-              <a:rPr lang="en-GB" dirty="0" smtClean="0"/>
-              <a:t>Forms of patterns</a:t>
+            <a:r>
+              <a:rPr lang="en-GB" dirty="0" smtClean="0"/>
+              <a:t>Pattern matching</a:t>
+            </a:r>
+            <a:endParaRPr lang="en-GB" dirty="0"/>
+          </a:p>
+        </p:txBody>
+      </p:sp>
+      <p:sp>
+        <p:nvSpPr>
+          <p:cNvPr id="3" name="Content Placeholder 2"/>
+          <p:cNvSpPr>
+            <a:spLocks noGrp="1"/>
+          </p:cNvSpPr>
+          <p:nvPr>
+            <p:ph idx="1"/>
+          </p:nvPr>
+        </p:nvSpPr>
+        <p:spPr/>
+        <p:txBody>
+          <a:bodyPr/>
+          <a:lstStyle/>
+          <a:p>
+            <a:pPr marL="0" indent="0">
+              <a:buNone/>
+            </a:pPr>
+            <a:r>
+              <a:rPr lang="en-GB" dirty="0" smtClean="0"/>
+              <a:t>Syntax</a:t>
             </a:r>
           </a:p>
           <a:p>
@@ -4424,79 +4719,103 @@
             <a:endParaRPr lang="en-GB" dirty="0" smtClean="0"/>
           </a:p>
           <a:p>
-            <a:r>
-              <a:rPr lang="en-GB" i="1" dirty="0" smtClean="0"/>
-              <a:t>constructors</a:t>
-            </a:r>
-            <a:r>
-              <a:rPr lang="en-GB" dirty="0" smtClean="0"/>
-              <a:t> – </a:t>
-            </a:r>
-            <a:r>
-              <a:rPr lang="en-GB" i="1" dirty="0" smtClean="0"/>
-              <a:t>i.e. Number, Sum</a:t>
-            </a:r>
-          </a:p>
-          <a:p>
-            <a:r>
-              <a:rPr lang="en-GB" i="1" dirty="0"/>
-              <a:t>v</a:t>
-            </a:r>
-            <a:r>
-              <a:rPr lang="en-GB" i="1" dirty="0" smtClean="0"/>
-              <a:t>ariables – i.e. n, e1, e2</a:t>
-            </a:r>
-          </a:p>
-          <a:p>
-            <a:r>
-              <a:rPr lang="en-GB" i="1" dirty="0"/>
-              <a:t>w</a:t>
-            </a:r>
-            <a:r>
-              <a:rPr lang="en-GB" i="1" dirty="0" smtClean="0"/>
-              <a:t>ildcard patterns – i.e. _</a:t>
-            </a:r>
-          </a:p>
-          <a:p>
-            <a:r>
-              <a:rPr lang="en-GB" i="1" dirty="0"/>
-              <a:t>c</a:t>
-            </a:r>
-            <a:r>
-              <a:rPr lang="en-GB" i="1" dirty="0" smtClean="0"/>
-              <a:t>onstants – i.e. 1, true</a:t>
-            </a:r>
-          </a:p>
-          <a:p>
-            <a:pPr marL="0" indent="0">
-              <a:buNone/>
-            </a:pPr>
-            <a:endParaRPr lang="en-GB" i="1" dirty="0"/>
-          </a:p>
-          <a:p>
-            <a:pPr marL="0" indent="0">
-              <a:buNone/>
-            </a:pPr>
-            <a:r>
-              <a:rPr lang="en-GB" dirty="0" smtClean="0"/>
-              <a:t>Note: The name of a variable can only appear once in a pattern. So, </a:t>
-            </a:r>
-            <a:r>
-              <a:rPr lang="en-GB" i="1" dirty="0" smtClean="0"/>
-              <a:t>Sum(x, </a:t>
-            </a:r>
-            <a:r>
-              <a:rPr lang="en-GB" i="1" dirty="0"/>
-              <a:t>x</a:t>
-            </a:r>
-            <a:r>
-              <a:rPr lang="en-GB" i="1" dirty="0" smtClean="0"/>
-              <a:t>) </a:t>
-            </a:r>
-            <a:r>
-              <a:rPr lang="en-GB" dirty="0" smtClean="0"/>
-              <a:t>is not a legal pattern!</a:t>
-            </a:r>
+            <a:pPr marL="457200" lvl="1" indent="0">
+              <a:buNone/>
+            </a:pPr>
+            <a:r>
+              <a:rPr lang="en-GB" dirty="0" smtClean="0"/>
+              <a:t>expr match {</a:t>
+            </a:r>
+          </a:p>
+          <a:p>
+            <a:pPr marL="457200" lvl="1" indent="0">
+              <a:buNone/>
+            </a:pPr>
+            <a:r>
+              <a:rPr lang="en-GB" dirty="0" smtClean="0"/>
+              <a:t>	case pattern1 =&gt; expr1</a:t>
+            </a:r>
+          </a:p>
+          <a:p>
+            <a:pPr marL="457200" lvl="1" indent="0">
+              <a:buNone/>
+            </a:pPr>
+            <a:r>
+              <a:rPr lang="en-GB" dirty="0" smtClean="0"/>
+              <a:t>	case pattern2 =&gt; expr2</a:t>
+            </a:r>
+          </a:p>
+          <a:p>
+            <a:pPr marL="457200" lvl="1" indent="0">
+              <a:buNone/>
+            </a:pPr>
+            <a:r>
+              <a:rPr lang="en-GB" dirty="0"/>
+              <a:t>	</a:t>
+            </a:r>
+            <a:r>
+              <a:rPr lang="en-GB" dirty="0" smtClean="0"/>
+              <a:t>…</a:t>
+            </a:r>
+          </a:p>
+          <a:p>
+            <a:pPr marL="457200" lvl="1" indent="0">
+              <a:buNone/>
+            </a:pPr>
+            <a:r>
+              <a:rPr lang="en-GB" dirty="0"/>
+              <a:t>	</a:t>
+            </a:r>
+            <a:r>
+              <a:rPr lang="en-GB" dirty="0" smtClean="0"/>
+              <a:t>case </a:t>
+            </a:r>
+            <a:r>
+              <a:rPr lang="en-GB" dirty="0" err="1" smtClean="0"/>
+              <a:t>patternN</a:t>
+            </a:r>
+            <a:r>
+              <a:rPr lang="en-GB" dirty="0" smtClean="0"/>
+              <a:t> =&gt; </a:t>
+            </a:r>
+            <a:r>
+              <a:rPr lang="en-GB" dirty="0" err="1" smtClean="0"/>
+              <a:t>exprN</a:t>
+            </a:r>
+            <a:endParaRPr lang="en-GB" dirty="0"/>
+          </a:p>
+          <a:p>
+            <a:pPr marL="457200" lvl="1" indent="0">
+              <a:buNone/>
+            </a:pPr>
+            <a:r>
+              <a:rPr lang="en-GB" dirty="0" smtClean="0"/>
+              <a:t>}</a:t>
+            </a:r>
+            <a:endParaRPr lang="en-GB" dirty="0"/>
+          </a:p>
+          <a:p>
+            <a:pPr lvl="1"/>
+            <a:endParaRPr lang="en-GB" dirty="0" smtClean="0"/>
+          </a:p>
+          <a:p>
+            <a:pPr marL="0" indent="0">
+              <a:buNone/>
+            </a:pPr>
+            <a:r>
+              <a:rPr lang="en-GB" dirty="0" smtClean="0"/>
+              <a:t>Note: a </a:t>
+            </a:r>
+            <a:r>
+              <a:rPr lang="en-GB" i="1" dirty="0" err="1" smtClean="0"/>
+              <a:t>MatchError</a:t>
+            </a:r>
+            <a:r>
+              <a:rPr lang="en-GB" dirty="0" smtClean="0"/>
+              <a:t> exception is thrown if there is no matching!</a:t>
+            </a:r>
+          </a:p>
+          <a:p>
             <a:endParaRPr lang="en-GB" dirty="0"/>
           </a:p>
         </p:txBody>
@@ -4504,7 +4823,7 @@
     </p:spTree>
     <p:extLst>
       <p:ext uri="{BB962C8B-B14F-4D97-AF65-F5344CB8AC3E}">
-        <p14:creationId xmlns:p14="http://schemas.microsoft.com/office/powerpoint/2010/main" val="506310539"/>
+        <p14:creationId xmlns:p14="http://schemas.microsoft.com/office/powerpoint/2010/main" val="176017126"/>
       </p:ext>
     </p:extLst>
   </p:cSld>
@@ -4543,6 +4862,148 @@
         </p:nvSpPr>
         <p:spPr>
           <a:xfrm>
+            <a:off x="838200" y="1052713"/>
+            <a:ext cx="10515600" cy="5124250"/>
+          </a:xfrm>
+        </p:spPr>
+        <p:txBody>
+          <a:bodyPr/>
+          <a:lstStyle/>
+          <a:p>
+            <a:pPr marL="0" indent="0">
+              <a:buNone/>
+            </a:pPr>
+            <a:r>
+              <a:rPr lang="en-GB" dirty="0" smtClean="0"/>
+              <a:t>Forms of patterns</a:t>
+            </a:r>
+          </a:p>
+          <a:p>
+            <a:pPr marL="0" indent="0">
+              <a:buNone/>
+            </a:pPr>
+            <a:endParaRPr lang="en-GB" dirty="0" smtClean="0"/>
+          </a:p>
+          <a:p>
+            <a:r>
+              <a:rPr lang="en-GB" i="1" dirty="0" smtClean="0"/>
+              <a:t>constructors</a:t>
+            </a:r>
+            <a:r>
+              <a:rPr lang="en-GB" dirty="0" smtClean="0"/>
+              <a:t> – </a:t>
+            </a:r>
+            <a:r>
+              <a:rPr lang="en-GB" i="1" dirty="0" smtClean="0"/>
+              <a:t>i.e. Number, Sum</a:t>
+            </a:r>
+          </a:p>
+          <a:p>
+            <a:r>
+              <a:rPr lang="en-GB" i="1" dirty="0"/>
+              <a:t>v</a:t>
+            </a:r>
+            <a:r>
+              <a:rPr lang="en-GB" i="1" dirty="0" smtClean="0"/>
+              <a:t>ariables – i.e. n, e1, e2</a:t>
+            </a:r>
+          </a:p>
+          <a:p>
+            <a:r>
+              <a:rPr lang="en-GB" i="1" dirty="0"/>
+              <a:t>w</a:t>
+            </a:r>
+            <a:r>
+              <a:rPr lang="en-GB" i="1" dirty="0" smtClean="0"/>
+              <a:t>ildcard patterns – i.e. _</a:t>
+            </a:r>
+          </a:p>
+          <a:p>
+            <a:r>
+              <a:rPr lang="en-GB" i="1" dirty="0"/>
+              <a:t>c</a:t>
+            </a:r>
+            <a:r>
+              <a:rPr lang="en-GB" i="1" dirty="0" smtClean="0"/>
+              <a:t>onstants – i.e. 1, true</a:t>
+            </a:r>
+          </a:p>
+          <a:p>
+            <a:pPr marL="0" indent="0">
+              <a:buNone/>
+            </a:pPr>
+            <a:endParaRPr lang="en-GB" i="1" dirty="0"/>
+          </a:p>
+          <a:p>
+            <a:pPr marL="0" indent="0">
+              <a:buNone/>
+            </a:pPr>
+            <a:r>
+              <a:rPr lang="en-GB" dirty="0" smtClean="0"/>
+              <a:t>Note: The name of a variable can only appear once in a pattern. So, </a:t>
+            </a:r>
+            <a:r>
+              <a:rPr lang="en-GB" i="1" dirty="0" smtClean="0"/>
+              <a:t>Sum(x, </a:t>
+            </a:r>
+            <a:r>
+              <a:rPr lang="en-GB" i="1" dirty="0"/>
+              <a:t>x</a:t>
+            </a:r>
+            <a:r>
+              <a:rPr lang="en-GB" i="1" dirty="0" smtClean="0"/>
+              <a:t>) </a:t>
+            </a:r>
+            <a:r>
+              <a:rPr lang="en-GB" dirty="0" smtClean="0"/>
+              <a:t>is not a legal pattern!</a:t>
+            </a:r>
+            <a:endParaRPr lang="en-GB" dirty="0"/>
+          </a:p>
+        </p:txBody>
+      </p:sp>
+    </p:spTree>
+    <p:extLst>
+      <p:ext uri="{BB962C8B-B14F-4D97-AF65-F5344CB8AC3E}">
+        <p14:creationId xmlns:p14="http://schemas.microsoft.com/office/powerpoint/2010/main" val="506310539"/>
+      </p:ext>
+    </p:extLst>
+  </p:cSld>
+  <p:clrMapOvr>
+    <a:masterClrMapping/>
+  </p:clrMapOvr>
+</p:sld>
+</file>
+
+<file path=ppt/slides/slide17.xml><?xml version="1.0" encoding="utf-8"?>
+<p:sld xmlns:a="http://schemas.openxmlformats.org/drawingml/2006/main" xmlns:r="http://schemas.openxmlformats.org/officeDocument/2006/relationships" xmlns:p="http://schemas.openxmlformats.org/presentationml/2006/main">
+  <p:cSld>
+    <p:spTree>
+      <p:nvGrpSpPr>
+        <p:cNvPr id="1" name=""/>
+        <p:cNvGrpSpPr/>
+        <p:nvPr/>
+      </p:nvGrpSpPr>
+      <p:grpSpPr>
+        <a:xfrm>
+          <a:off x="0" y="0"/>
+          <a:ext cx="0" cy="0"/>
+          <a:chOff x="0" y="0"/>
+          <a:chExt cx="0" cy="0"/>
+        </a:xfrm>
+      </p:grpSpPr>
+      <p:sp>
+        <p:nvSpPr>
+          <p:cNvPr id="3" name="Content Placeholder 2"/>
+          <p:cNvSpPr>
+            <a:spLocks noGrp="1"/>
+          </p:cNvSpPr>
+          <p:nvPr>
+            <p:ph idx="1"/>
+          </p:nvPr>
+        </p:nvSpPr>
+        <p:spPr>
+          <a:xfrm>
             <a:off x="838200" y="622408"/>
             <a:ext cx="10515600" cy="5554556"/>
           </a:xfrm>
@@ -4819,7 +5280,7 @@
 </p:sld>
 </file>
 
-<file path=ppt/slides/slide17.xml><?xml version="1.0" encoding="utf-8"?>
+<file path=ppt/slides/slide18.xml><?xml version="1.0" encoding="utf-8"?>
 <p:sld xmlns:a="http://schemas.openxmlformats.org/drawingml/2006/main" xmlns:r="http://schemas.openxmlformats.org/officeDocument/2006/relationships" xmlns:p="http://schemas.openxmlformats.org/presentationml/2006/main">
   <p:cSld>
     <p:spTree>
@@ -5042,6 +5503,13 @@
   <p:clrMapOvr>
     <a:masterClrMapping/>
   </p:clrMapOvr>
+  <p:timing>
+    <p:tnLst>
+      <p:par>
+        <p:cTn id="1" dur="indefinite" restart="never" nodeType="tmRoot"/>
+      </p:par>
+    </p:tnLst>
+  </p:timing>
 </p:sld>
 </file>
 
@@ -5653,6 +6121,249 @@
           <a:p>
             <a:r>
               <a:rPr lang="en-GB" dirty="0" smtClean="0"/>
+              <a:t>Higher-order functions</a:t>
+            </a:r>
+            <a:endParaRPr lang="en-GB" dirty="0"/>
+          </a:p>
+        </p:txBody>
+      </p:sp>
+      <p:sp>
+        <p:nvSpPr>
+          <p:cNvPr id="3" name="Content Placeholder 2"/>
+          <p:cNvSpPr>
+            <a:spLocks noGrp="1"/>
+          </p:cNvSpPr>
+          <p:nvPr>
+            <p:ph idx="1"/>
+          </p:nvPr>
+        </p:nvSpPr>
+        <p:spPr/>
+        <p:txBody>
+          <a:bodyPr>
+            <a:normAutofit lnSpcReduction="10000"/>
+          </a:bodyPr>
+          <a:lstStyle/>
+          <a:p>
+            <a:r>
+              <a:rPr lang="en-GB" dirty="0"/>
+              <a:t>f</a:t>
+            </a:r>
+            <a:r>
+              <a:rPr lang="en-GB" dirty="0" smtClean="0"/>
+              <a:t>unctions that take other functions as </a:t>
+            </a:r>
+            <a:r>
+              <a:rPr lang="en-GB" i="1" dirty="0" smtClean="0"/>
+              <a:t>parameters</a:t>
+            </a:r>
+            <a:r>
+              <a:rPr lang="en-GB" dirty="0" smtClean="0"/>
+              <a:t> or </a:t>
+            </a:r>
+            <a:r>
+              <a:rPr lang="en-GB" i="1" dirty="0" smtClean="0"/>
+              <a:t>return</a:t>
+            </a:r>
+            <a:r>
+              <a:rPr lang="en-GB" dirty="0" smtClean="0"/>
+              <a:t> a function as a result</a:t>
+            </a:r>
+          </a:p>
+          <a:p>
+            <a:r>
+              <a:rPr lang="en-GB" dirty="0" smtClean="0"/>
+              <a:t>most common example if the </a:t>
+            </a:r>
+            <a:r>
+              <a:rPr lang="en-GB" b="1" i="1" dirty="0" smtClean="0"/>
+              <a:t>map</a:t>
+            </a:r>
+            <a:r>
+              <a:rPr lang="en-GB" dirty="0" smtClean="0"/>
+              <a:t> function:</a:t>
+            </a:r>
+          </a:p>
+          <a:p>
+            <a:pPr marL="0" indent="0">
+              <a:buNone/>
+            </a:pPr>
+            <a:endParaRPr lang="en-GB" dirty="0" smtClean="0"/>
+          </a:p>
+          <a:p>
+            <a:pPr marL="0" indent="0">
+              <a:buNone/>
+            </a:pPr>
+            <a:r>
+              <a:rPr lang="en-GB" dirty="0"/>
+              <a:t>	</a:t>
+            </a:r>
+            <a:r>
+              <a:rPr lang="en-GB" dirty="0" err="1" smtClean="0"/>
+              <a:t>val</a:t>
+            </a:r>
+            <a:r>
+              <a:rPr lang="en-GB" dirty="0" smtClean="0"/>
+              <a:t> salaries = </a:t>
+            </a:r>
+            <a:r>
+              <a:rPr lang="en-GB" dirty="0" err="1" smtClean="0"/>
+              <a:t>Seq</a:t>
+            </a:r>
+            <a:r>
+              <a:rPr lang="en-GB" dirty="0" smtClean="0"/>
+              <a:t>(20000, 60000, 40000)</a:t>
+            </a:r>
+          </a:p>
+          <a:p>
+            <a:pPr marL="0" indent="0">
+              <a:buNone/>
+            </a:pPr>
+            <a:r>
+              <a:rPr lang="en-GB" dirty="0"/>
+              <a:t>	</a:t>
+            </a:r>
+            <a:r>
+              <a:rPr lang="en-GB" dirty="0" err="1" smtClean="0"/>
+              <a:t>val</a:t>
+            </a:r>
+            <a:r>
+              <a:rPr lang="en-GB" dirty="0" smtClean="0"/>
+              <a:t> </a:t>
+            </a:r>
+            <a:r>
+              <a:rPr lang="en-GB" dirty="0" err="1" smtClean="0"/>
+              <a:t>doubleSalary</a:t>
+            </a:r>
+            <a:r>
+              <a:rPr lang="en-GB" dirty="0" smtClean="0"/>
+              <a:t> = (x: </a:t>
+            </a:r>
+            <a:r>
+              <a:rPr lang="en-GB" dirty="0" err="1" smtClean="0"/>
+              <a:t>Int</a:t>
+            </a:r>
+            <a:r>
+              <a:rPr lang="en-GB" dirty="0" smtClean="0"/>
+              <a:t>) =&gt; x * 2</a:t>
+            </a:r>
+          </a:p>
+          <a:p>
+            <a:pPr marL="0" indent="0">
+              <a:buNone/>
+            </a:pPr>
+            <a:r>
+              <a:rPr lang="en-GB" dirty="0"/>
+              <a:t>	</a:t>
+            </a:r>
+            <a:r>
+              <a:rPr lang="en-GB" dirty="0" err="1" smtClean="0"/>
+              <a:t>val</a:t>
+            </a:r>
+            <a:r>
+              <a:rPr lang="en-GB" dirty="0" smtClean="0"/>
+              <a:t> </a:t>
+            </a:r>
+            <a:r>
+              <a:rPr lang="en-GB" dirty="0" err="1" smtClean="0"/>
+              <a:t>newSalaries</a:t>
+            </a:r>
+            <a:r>
+              <a:rPr lang="en-GB" dirty="0" smtClean="0"/>
+              <a:t> = </a:t>
+            </a:r>
+            <a:r>
+              <a:rPr lang="en-GB" dirty="0" err="1" smtClean="0"/>
+              <a:t>salaries.map</a:t>
+            </a:r>
+            <a:r>
+              <a:rPr lang="en-GB" dirty="0" smtClean="0"/>
+              <a:t>(</a:t>
+            </a:r>
+            <a:r>
+              <a:rPr lang="en-GB" dirty="0" err="1" smtClean="0"/>
+              <a:t>doubleSalary</a:t>
+            </a:r>
+            <a:r>
+              <a:rPr lang="en-GB" dirty="0" smtClean="0"/>
+              <a:t>)</a:t>
+            </a:r>
+          </a:p>
+          <a:p>
+            <a:pPr marL="0" indent="0">
+              <a:buNone/>
+            </a:pPr>
+            <a:r>
+              <a:rPr lang="en-GB" dirty="0" smtClean="0"/>
+              <a:t>-&gt;</a:t>
+            </a:r>
+          </a:p>
+          <a:p>
+            <a:pPr marL="0" indent="0">
+              <a:buNone/>
+            </a:pPr>
+            <a:r>
+              <a:rPr lang="en-GB" dirty="0"/>
+              <a:t>	</a:t>
+            </a:r>
+            <a:r>
+              <a:rPr lang="en-GB" i="1" dirty="0" err="1" smtClean="0"/>
+              <a:t>Seq</a:t>
+            </a:r>
+            <a:r>
+              <a:rPr lang="en-GB" i="1" dirty="0" smtClean="0"/>
+              <a:t>(40000, 120000, 80000)</a:t>
+            </a:r>
+            <a:endParaRPr lang="en-GB" i="1" dirty="0"/>
+          </a:p>
+        </p:txBody>
+      </p:sp>
+    </p:spTree>
+    <p:extLst>
+      <p:ext uri="{BB962C8B-B14F-4D97-AF65-F5344CB8AC3E}">
+        <p14:creationId xmlns:p14="http://schemas.microsoft.com/office/powerpoint/2010/main" val="794216411"/>
+      </p:ext>
+    </p:extLst>
+  </p:cSld>
+  <p:clrMapOvr>
+    <a:masterClrMapping/>
+  </p:clrMapOvr>
+</p:sld>
+</file>
+
+<file path=ppt/slides/slide7.xml><?xml version="1.0" encoding="utf-8"?>
+<p:sld xmlns:a="http://schemas.openxmlformats.org/drawingml/2006/main" xmlns:r="http://schemas.openxmlformats.org/officeDocument/2006/relationships" xmlns:p="http://schemas.openxmlformats.org/presentationml/2006/main">
+  <p:cSld>
+    <p:spTree>
+      <p:nvGrpSpPr>
+        <p:cNvPr id="1" name=""/>
+        <p:cNvGrpSpPr/>
+        <p:nvPr/>
+      </p:nvGrpSpPr>
+      <p:grpSpPr>
+        <a:xfrm>
+          <a:off x="0" y="0"/>
+          <a:ext cx="0" cy="0"/>
+          <a:chOff x="0" y="0"/>
+          <a:chExt cx="0" cy="0"/>
+        </a:xfrm>
+      </p:grpSpPr>
+      <p:sp>
+        <p:nvSpPr>
+          <p:cNvPr id="2" name="Title 1"/>
+          <p:cNvSpPr>
+            <a:spLocks noGrp="1"/>
+          </p:cNvSpPr>
+          <p:nvPr>
+            <p:ph type="title"/>
+          </p:nvPr>
+        </p:nvSpPr>
+        <p:spPr/>
+        <p:txBody>
+          <a:bodyPr/>
+          <a:lstStyle/>
+          <a:p>
+            <a:r>
+              <a:rPr lang="en-GB" dirty="0" smtClean="0"/>
               <a:t>Currying</a:t>
             </a:r>
             <a:endParaRPr lang="en-GB" dirty="0"/>
@@ -5737,8 +6448,33 @@
             </a:r>
             <a:r>
               <a:rPr lang="en-GB" dirty="0" smtClean="0"/>
-              <a:t>, drink)</a:t>
-            </a:r>
+              <a:t>, drink</a:t>
+            </a:r>
+            <a:r>
+              <a:rPr lang="en-GB" dirty="0" smtClean="0"/>
+              <a:t>) = f: (</a:t>
+            </a:r>
+            <a:r>
+              <a:rPr lang="en-GB" dirty="0" err="1" smtClean="0"/>
+              <a:t>Int</a:t>
+            </a:r>
+            <a:r>
+              <a:rPr lang="en-GB" dirty="0" smtClean="0"/>
+              <a:t>, </a:t>
+            </a:r>
+            <a:r>
+              <a:rPr lang="en-GB" dirty="0" err="1" smtClean="0"/>
+              <a:t>Int</a:t>
+            </a:r>
+            <a:r>
+              <a:rPr lang="en-GB" dirty="0" smtClean="0"/>
+              <a:t>, String) =&gt; </a:t>
+            </a:r>
+            <a:r>
+              <a:rPr lang="en-GB" dirty="0" err="1" smtClean="0"/>
+              <a:t>Int</a:t>
+            </a:r>
+            <a:endParaRPr lang="en-GB" dirty="0" smtClean="0"/>
           </a:p>
           <a:p>
             <a:pPr marL="0" indent="0">
@@ -5787,8 +6523,53 @@
             </a:r>
             <a:r>
               <a:rPr lang="en-GB" dirty="0" smtClean="0"/>
-              <a:t>)(drink)</a:t>
-            </a:r>
+              <a:t>)(drink</a:t>
+            </a:r>
+            <a:r>
+              <a:rPr lang="en-GB" dirty="0" smtClean="0"/>
+              <a:t>) = f: (</a:t>
+            </a:r>
+            <a:r>
+              <a:rPr lang="en-GB" dirty="0" err="1" smtClean="0"/>
+              <a:t>Int</a:t>
+            </a:r>
+            <a:r>
+              <a:rPr lang="en-GB" dirty="0" smtClean="0"/>
+              <a:t>) =&gt; </a:t>
+            </a:r>
+            <a:r>
+              <a:rPr lang="en-GB" b="1" dirty="0" smtClean="0"/>
+              <a:t>(</a:t>
+            </a:r>
+            <a:r>
+              <a:rPr lang="en-GB" dirty="0" smtClean="0"/>
+              <a:t>(</a:t>
+            </a:r>
+            <a:r>
+              <a:rPr lang="en-GB" dirty="0" err="1" smtClean="0"/>
+              <a:t>Int</a:t>
+            </a:r>
+            <a:r>
+              <a:rPr lang="en-GB" dirty="0" smtClean="0"/>
+              <a:t>) =&gt; </a:t>
+            </a:r>
+            <a:r>
+              <a:rPr lang="en-GB" b="1" dirty="0" smtClean="0"/>
+              <a:t>(</a:t>
+            </a:r>
+            <a:r>
+              <a:rPr lang="en-GB" dirty="0" smtClean="0"/>
+              <a:t>(String) =&gt; </a:t>
+            </a:r>
+            <a:r>
+              <a:rPr lang="en-GB" dirty="0" err="1" smtClean="0"/>
+              <a:t>Int</a:t>
+            </a:r>
+            <a:r>
+              <a:rPr lang="en-GB" b="1" dirty="0" smtClean="0"/>
+              <a:t>))</a:t>
+            </a:r>
+            <a:endParaRPr lang="en-GB" b="1" dirty="0" smtClean="0"/>
           </a:p>
           <a:p>
             <a:pPr marL="0" indent="0">
@@ -5869,7 +6650,7 @@
 </p:sld>
 </file>
 
-<file path=ppt/slides/slide7.xml><?xml version="1.0" encoding="utf-8"?>
+<file path=ppt/slides/slide8.xml><?xml version="1.0" encoding="utf-8"?>
 <p:sld xmlns:a="http://schemas.openxmlformats.org/drawingml/2006/main" xmlns:r="http://schemas.openxmlformats.org/officeDocument/2006/relationships" xmlns:p="http://schemas.openxmlformats.org/presentationml/2006/main">
   <p:cSld>
     <p:spTree>
@@ -6641,7 +7422,7 @@
 </p:sld>
 </file>
 
-<file path=ppt/slides/slide8.xml><?xml version="1.0" encoding="utf-8"?>
+<file path=ppt/slides/slide9.xml><?xml version="1.0" encoding="utf-8"?>
 <p:sld xmlns:a="http://schemas.openxmlformats.org/drawingml/2006/main" xmlns:r="http://schemas.openxmlformats.org/officeDocument/2006/relationships" xmlns:p="http://schemas.openxmlformats.org/presentationml/2006/main">
   <p:cSld>
     <p:spTree>
@@ -7336,460 +8117,6 @@
     <p:extLst>
       <p:ext uri="{BB962C8B-B14F-4D97-AF65-F5344CB8AC3E}">
         <p14:creationId xmlns:p14="http://schemas.microsoft.com/office/powerpoint/2010/main" val="1156144831"/>
-      </p:ext>
-    </p:extLst>
-  </p:cSld>
-  <p:clrMapOvr>
-    <a:masterClrMapping/>
-  </p:clrMapOvr>
-</p:sld>
-</file>
-
-<file path=ppt/slides/slide9.xml><?xml version="1.0" encoding="utf-8"?>
-<p:sld xmlns:a="http://schemas.openxmlformats.org/drawingml/2006/main" xmlns:r="http://schemas.openxmlformats.org/officeDocument/2006/relationships" xmlns:p="http://schemas.openxmlformats.org/presentationml/2006/main">
-  <p:cSld>
-    <p:spTree>
-      <p:nvGrpSpPr>
-        <p:cNvPr id="1" name=""/>
-        <p:cNvGrpSpPr/>
-        <p:nvPr/>
-      </p:nvGrpSpPr>
-      <p:grpSpPr>
-        <a:xfrm>
-          <a:off x="0" y="0"/>
-          <a:ext cx="0" cy="0"/>
-          <a:chOff x="0" y="0"/>
-          <a:chExt cx="0" cy="0"/>
-        </a:xfrm>
-      </p:grpSpPr>
-      <p:sp>
-        <p:nvSpPr>
-          <p:cNvPr id="2" name="Title 1"/>
-          <p:cNvSpPr>
-            <a:spLocks noGrp="1"/>
-          </p:cNvSpPr>
-          <p:nvPr>
-            <p:ph type="title"/>
-          </p:nvPr>
-        </p:nvSpPr>
-        <p:spPr/>
-        <p:txBody>
-          <a:bodyPr/>
-          <a:lstStyle/>
-          <a:p>
-            <a:r>
-              <a:rPr lang="en-GB" dirty="0" smtClean="0"/>
-              <a:t>Objects</a:t>
-            </a:r>
-            <a:endParaRPr lang="en-GB" dirty="0"/>
-          </a:p>
-        </p:txBody>
-      </p:sp>
-      <p:sp>
-        <p:nvSpPr>
-          <p:cNvPr id="3" name="Content Placeholder 2"/>
-          <p:cNvSpPr>
-            <a:spLocks noGrp="1"/>
-          </p:cNvSpPr>
-          <p:nvPr>
-            <p:ph idx="1"/>
-          </p:nvPr>
-        </p:nvSpPr>
-        <p:spPr>
-          <a:xfrm>
-            <a:off x="838200" y="1825625"/>
-            <a:ext cx="5478076" cy="4351338"/>
-          </a:xfrm>
-        </p:spPr>
-        <p:txBody>
-          <a:bodyPr>
-            <a:normAutofit fontScale="55000" lnSpcReduction="20000"/>
-          </a:bodyPr>
-          <a:lstStyle/>
-          <a:p>
-            <a:r>
-              <a:rPr lang="en-GB" dirty="0"/>
-              <a:t>a</a:t>
-            </a:r>
-            <a:r>
-              <a:rPr lang="en-GB" dirty="0" smtClean="0"/>
-              <a:t> class that has </a:t>
-            </a:r>
-            <a:r>
-              <a:rPr lang="en-GB" i="1" dirty="0" smtClean="0"/>
-              <a:t>exactly one </a:t>
-            </a:r>
-            <a:r>
-              <a:rPr lang="en-GB" dirty="0" smtClean="0"/>
-              <a:t>instance</a:t>
-            </a:r>
-          </a:p>
-          <a:p>
-            <a:r>
-              <a:rPr lang="en-GB" dirty="0"/>
-              <a:t>i</a:t>
-            </a:r>
-            <a:r>
-              <a:rPr lang="en-GB" dirty="0" smtClean="0"/>
-              <a:t>s created </a:t>
-            </a:r>
-            <a:r>
-              <a:rPr lang="en-GB" i="1" dirty="0" smtClean="0"/>
-              <a:t>lazily</a:t>
-            </a:r>
-            <a:r>
-              <a:rPr lang="en-GB" dirty="0" smtClean="0"/>
-              <a:t> when it is referenced</a:t>
-            </a:r>
-          </a:p>
-          <a:p>
-            <a:r>
-              <a:rPr lang="en-GB" dirty="0"/>
-              <a:t>i</a:t>
-            </a:r>
-            <a:r>
-              <a:rPr lang="en-GB" dirty="0" smtClean="0"/>
-              <a:t>s treated as a value</a:t>
-            </a:r>
-          </a:p>
-          <a:p>
-            <a:pPr marL="0" indent="0">
-              <a:buNone/>
-            </a:pPr>
-            <a:endParaRPr lang="en-GB" dirty="0"/>
-          </a:p>
-          <a:p>
-            <a:pPr marL="0" indent="0">
-              <a:buNone/>
-            </a:pPr>
-            <a:r>
-              <a:rPr lang="en-GB" sz="2900" dirty="0"/>
-              <a:t>o</a:t>
-            </a:r>
-            <a:r>
-              <a:rPr lang="en-GB" sz="2900" dirty="0" smtClean="0"/>
-              <a:t>bject Logger {</a:t>
-            </a:r>
-          </a:p>
-          <a:p>
-            <a:pPr marL="0" indent="0">
-              <a:buNone/>
-            </a:pPr>
-            <a:r>
-              <a:rPr lang="en-GB" sz="2900" dirty="0"/>
-              <a:t> </a:t>
-            </a:r>
-            <a:r>
-              <a:rPr lang="en-GB" sz="2900" dirty="0" smtClean="0"/>
-              <a:t>       </a:t>
-            </a:r>
-            <a:r>
-              <a:rPr lang="en-GB" sz="2900" dirty="0" err="1" smtClean="0"/>
-              <a:t>def</a:t>
-            </a:r>
-            <a:r>
-              <a:rPr lang="en-GB" sz="2900" dirty="0" smtClean="0"/>
-              <a:t> info(message: String): Unit = </a:t>
-            </a:r>
-          </a:p>
-          <a:p>
-            <a:pPr marL="0" indent="0">
-              <a:buNone/>
-            </a:pPr>
-            <a:r>
-              <a:rPr lang="en-GB" sz="2900" dirty="0" smtClean="0"/>
-              <a:t>	</a:t>
-            </a:r>
-            <a:r>
-              <a:rPr lang="en-GB" sz="2900" dirty="0" err="1" smtClean="0"/>
-              <a:t>println</a:t>
-            </a:r>
-            <a:r>
-              <a:rPr lang="en-GB" sz="2900" dirty="0" smtClean="0"/>
-              <a:t>(</a:t>
-            </a:r>
-            <a:r>
-              <a:rPr lang="en-GB" sz="2900" dirty="0" err="1" smtClean="0"/>
-              <a:t>s”INFO</a:t>
-            </a:r>
-            <a:r>
-              <a:rPr lang="en-GB" sz="2900" dirty="0" smtClean="0"/>
-              <a:t>: $message”)</a:t>
-            </a:r>
-            <a:endParaRPr lang="en-GB" sz="2900" dirty="0"/>
-          </a:p>
-          <a:p>
-            <a:pPr marL="0" indent="0">
-              <a:buNone/>
-            </a:pPr>
-            <a:r>
-              <a:rPr lang="en-GB" sz="2900" dirty="0" smtClean="0"/>
-              <a:t>}</a:t>
-            </a:r>
-          </a:p>
-          <a:p>
-            <a:pPr marL="0" indent="0">
-              <a:buNone/>
-            </a:pPr>
-            <a:endParaRPr lang="en-GB" dirty="0"/>
-          </a:p>
-          <a:p>
-            <a:r>
-              <a:rPr lang="en-GB" dirty="0"/>
-              <a:t>a</a:t>
-            </a:r>
-            <a:r>
-              <a:rPr lang="en-GB" dirty="0" smtClean="0"/>
-              <a:t>n object with the same name as a class is called a </a:t>
-            </a:r>
-            <a:r>
-              <a:rPr lang="en-GB" i="1" dirty="0" smtClean="0"/>
-              <a:t>companion object</a:t>
-            </a:r>
-          </a:p>
-          <a:p>
-            <a:r>
-              <a:rPr lang="en-GB" dirty="0"/>
-              <a:t>t</a:t>
-            </a:r>
-            <a:r>
-              <a:rPr lang="en-GB" dirty="0" smtClean="0"/>
-              <a:t>he companion object can access the </a:t>
-            </a:r>
-            <a:r>
-              <a:rPr lang="en-GB" i="1" dirty="0" smtClean="0"/>
-              <a:t>private</a:t>
-            </a:r>
-            <a:r>
-              <a:rPr lang="en-GB" dirty="0" smtClean="0"/>
-              <a:t> members of its class</a:t>
-            </a:r>
-          </a:p>
-          <a:p>
-            <a:r>
-              <a:rPr lang="en-GB" dirty="0"/>
-              <a:t>c</a:t>
-            </a:r>
-            <a:r>
-              <a:rPr lang="en-GB" dirty="0" smtClean="0"/>
-              <a:t>ompanion objects can be used to model the </a:t>
-            </a:r>
-            <a:r>
-              <a:rPr lang="en-GB" i="1" dirty="0" smtClean="0"/>
-              <a:t>static</a:t>
-            </a:r>
-            <a:r>
-              <a:rPr lang="en-GB" dirty="0" smtClean="0"/>
-              <a:t> members from Java</a:t>
-            </a:r>
-          </a:p>
-          <a:p>
-            <a:endParaRPr lang="en-GB" dirty="0"/>
-          </a:p>
-          <a:p>
-            <a:pPr marL="0" indent="0">
-              <a:buNone/>
-            </a:pPr>
-            <a:endParaRPr lang="en-GB" dirty="0"/>
-          </a:p>
-          <a:p>
-            <a:pPr marL="0" indent="0">
-              <a:buNone/>
-            </a:pPr>
-            <a:endParaRPr lang="en-GB" dirty="0" smtClean="0"/>
-          </a:p>
-          <a:p>
-            <a:pPr marL="0" indent="0">
-              <a:buNone/>
-            </a:pPr>
-            <a:endParaRPr lang="en-GB" dirty="0" smtClean="0"/>
-          </a:p>
-        </p:txBody>
-      </p:sp>
-      <p:sp>
-        <p:nvSpPr>
-          <p:cNvPr id="6" name="Rectangle 5"/>
-          <p:cNvSpPr/>
-          <p:nvPr/>
-        </p:nvSpPr>
-        <p:spPr>
-          <a:xfrm>
-            <a:off x="6513499" y="1690688"/>
-            <a:ext cx="5678501" cy="3693319"/>
-          </a:xfrm>
-          <a:prstGeom prst="rect">
-            <a:avLst/>
-          </a:prstGeom>
-        </p:spPr>
-        <p:txBody>
-          <a:bodyPr wrap="square">
-            <a:spAutoFit/>
-          </a:bodyPr>
-          <a:lstStyle/>
-          <a:p>
-            <a:r>
-              <a:rPr lang="en-GB" dirty="0" smtClean="0"/>
-              <a:t>class </a:t>
-            </a:r>
-            <a:r>
-              <a:rPr lang="en-GB" dirty="0"/>
-              <a:t>Circle(radius: Double) {</a:t>
-            </a:r>
-          </a:p>
-          <a:p>
-            <a:r>
-              <a:rPr lang="en-GB" dirty="0" smtClean="0"/>
-              <a:t>        import </a:t>
-            </a:r>
-            <a:r>
-              <a:rPr lang="en-GB" dirty="0"/>
-              <a:t>Circle._</a:t>
-            </a:r>
-          </a:p>
-          <a:p>
-            <a:r>
-              <a:rPr lang="en-GB" dirty="0" smtClean="0"/>
-              <a:t>        </a:t>
-            </a:r>
-            <a:r>
-              <a:rPr lang="en-GB" dirty="0" err="1" smtClean="0"/>
-              <a:t>def</a:t>
-            </a:r>
-            <a:r>
-              <a:rPr lang="en-GB" dirty="0" smtClean="0"/>
-              <a:t> </a:t>
-            </a:r>
-            <a:r>
-              <a:rPr lang="en-GB" dirty="0"/>
-              <a:t>area: Double = </a:t>
-            </a:r>
-            <a:r>
-              <a:rPr lang="en-GB" dirty="0" err="1"/>
-              <a:t>calculateArea</a:t>
-            </a:r>
-            <a:r>
-              <a:rPr lang="en-GB" dirty="0"/>
-              <a:t>(radius)</a:t>
-            </a:r>
-          </a:p>
-          <a:p>
-            <a:r>
-              <a:rPr lang="en-GB" dirty="0" smtClean="0"/>
-              <a:t>}</a:t>
-            </a:r>
-          </a:p>
-          <a:p>
-            <a:endParaRPr lang="en-GB" dirty="0"/>
-          </a:p>
-          <a:p>
-            <a:r>
-              <a:rPr lang="en-GB" dirty="0"/>
-              <a:t>o</a:t>
-            </a:r>
-            <a:r>
-              <a:rPr lang="en-GB" dirty="0" smtClean="0"/>
-              <a:t>bject Circle {</a:t>
-            </a:r>
-          </a:p>
-          <a:p>
-            <a:r>
-              <a:rPr lang="en-GB" dirty="0" smtClean="0"/>
-              <a:t>        import </a:t>
-            </a:r>
-            <a:r>
-              <a:rPr lang="en-GB" dirty="0" err="1" smtClean="0"/>
-              <a:t>scala.math</a:t>
-            </a:r>
-            <a:r>
-              <a:rPr lang="en-GB" dirty="0" smtClean="0"/>
-              <a:t>._</a:t>
-            </a:r>
-          </a:p>
-          <a:p>
-            <a:r>
-              <a:rPr lang="en-GB" dirty="0" smtClean="0"/>
-              <a:t>        private </a:t>
-            </a:r>
-            <a:r>
-              <a:rPr lang="en-GB" dirty="0" err="1" smtClean="0"/>
-              <a:t>def</a:t>
-            </a:r>
-            <a:r>
-              <a:rPr lang="en-GB" dirty="0" smtClean="0"/>
-              <a:t> </a:t>
-            </a:r>
-            <a:r>
-              <a:rPr lang="en-GB" dirty="0" err="1" smtClean="0"/>
-              <a:t>calculateArea</a:t>
-            </a:r>
-            <a:r>
-              <a:rPr lang="en-GB" dirty="0" smtClean="0"/>
-              <a:t>(radius: Double): Double = </a:t>
-            </a:r>
-          </a:p>
-          <a:p>
-            <a:r>
-              <a:rPr lang="en-GB" dirty="0"/>
-              <a:t>	</a:t>
-            </a:r>
-            <a:r>
-              <a:rPr lang="en-GB" dirty="0" smtClean="0"/>
-              <a:t>Pi * pow(radius, 2.0)</a:t>
-            </a:r>
-            <a:endParaRPr lang="en-GB" dirty="0"/>
-          </a:p>
-          <a:p>
-            <a:r>
-              <a:rPr lang="en-GB" dirty="0" smtClean="0"/>
-              <a:t>}</a:t>
-            </a:r>
-          </a:p>
-          <a:p>
-            <a:endParaRPr lang="en-GB" dirty="0"/>
-          </a:p>
-          <a:p>
-            <a:r>
-              <a:rPr lang="en-GB" dirty="0" err="1"/>
-              <a:t>v</a:t>
-            </a:r>
-            <a:r>
-              <a:rPr lang="en-GB" dirty="0" err="1" smtClean="0"/>
-              <a:t>al</a:t>
-            </a:r>
-            <a:r>
-              <a:rPr lang="en-GB" dirty="0" smtClean="0"/>
-              <a:t> circle = new Circle(5.0)</a:t>
-            </a:r>
-          </a:p>
-          <a:p>
-            <a:r>
-              <a:rPr lang="en-GB" dirty="0" err="1"/>
-              <a:t>p</a:t>
-            </a:r>
-            <a:r>
-              <a:rPr lang="en-GB" dirty="0" err="1" smtClean="0"/>
-              <a:t>rintln</a:t>
-            </a:r>
-            <a:r>
-              <a:rPr lang="en-GB" dirty="0" smtClean="0"/>
-              <a:t>(</a:t>
-            </a:r>
-            <a:r>
-              <a:rPr lang="en-GB" dirty="0" err="1" smtClean="0"/>
-              <a:t>circle.area</a:t>
-            </a:r>
-            <a:r>
-              <a:rPr lang="en-GB" dirty="0" smtClean="0"/>
-              <a:t>)</a:t>
-            </a:r>
-            <a:endParaRPr lang="en-GB" dirty="0"/>
-          </a:p>
-        </p:txBody>
-      </p:sp>
-    </p:spTree>
-    <p:extLst>
-      <p:ext uri="{BB962C8B-B14F-4D97-AF65-F5344CB8AC3E}">
-        <p14:creationId xmlns:p14="http://schemas.microsoft.com/office/powerpoint/2010/main" val="2431934062"/>
       </p:ext>
     </p:extLst>
   </p:cSld>

--- a/IntroScala.pptx
+++ b/IntroScala.pptx
@@ -6,23 +6,24 @@
   </p:sldMasterIdLst>
   <p:sldIdLst>
     <p:sldId id="256" r:id="rId2"/>
-    <p:sldId id="257" r:id="rId3"/>
-    <p:sldId id="261" r:id="rId4"/>
-    <p:sldId id="259" r:id="rId5"/>
-    <p:sldId id="260" r:id="rId6"/>
-    <p:sldId id="274" r:id="rId7"/>
-    <p:sldId id="267" r:id="rId8"/>
-    <p:sldId id="268" r:id="rId9"/>
-    <p:sldId id="269" r:id="rId10"/>
-    <p:sldId id="270" r:id="rId11"/>
-    <p:sldId id="271" r:id="rId12"/>
-    <p:sldId id="272" r:id="rId13"/>
-    <p:sldId id="258" r:id="rId14"/>
-    <p:sldId id="273" r:id="rId15"/>
-    <p:sldId id="262" r:id="rId16"/>
-    <p:sldId id="263" r:id="rId17"/>
-    <p:sldId id="264" r:id="rId18"/>
-    <p:sldId id="265" r:id="rId19"/>
+    <p:sldId id="275" r:id="rId3"/>
+    <p:sldId id="257" r:id="rId4"/>
+    <p:sldId id="261" r:id="rId5"/>
+    <p:sldId id="259" r:id="rId6"/>
+    <p:sldId id="260" r:id="rId7"/>
+    <p:sldId id="274" r:id="rId8"/>
+    <p:sldId id="267" r:id="rId9"/>
+    <p:sldId id="268" r:id="rId10"/>
+    <p:sldId id="269" r:id="rId11"/>
+    <p:sldId id="270" r:id="rId12"/>
+    <p:sldId id="271" r:id="rId13"/>
+    <p:sldId id="272" r:id="rId14"/>
+    <p:sldId id="258" r:id="rId15"/>
+    <p:sldId id="273" r:id="rId16"/>
+    <p:sldId id="262" r:id="rId17"/>
+    <p:sldId id="263" r:id="rId18"/>
+    <p:sldId id="264" r:id="rId19"/>
+    <p:sldId id="265" r:id="rId20"/>
   </p:sldIdLst>
   <p:sldSz cx="12192000" cy="6858000"/>
   <p:notesSz cx="6858000" cy="9144000"/>
@@ -3063,6 +3064,710 @@
           <a:p>
             <a:r>
               <a:rPr lang="en-GB" dirty="0" smtClean="0"/>
+              <a:t>Traits</a:t>
+            </a:r>
+            <a:endParaRPr lang="en-GB" dirty="0"/>
+          </a:p>
+        </p:txBody>
+      </p:sp>
+      <p:sp>
+        <p:nvSpPr>
+          <p:cNvPr id="3" name="Content Placeholder 2"/>
+          <p:cNvSpPr>
+            <a:spLocks noGrp="1"/>
+          </p:cNvSpPr>
+          <p:nvPr>
+            <p:ph idx="1"/>
+          </p:nvPr>
+        </p:nvSpPr>
+        <p:spPr>
+          <a:xfrm>
+            <a:off x="838200" y="1690688"/>
+            <a:ext cx="4602096" cy="4486275"/>
+          </a:xfrm>
+        </p:spPr>
+        <p:txBody>
+          <a:bodyPr>
+            <a:normAutofit fontScale="62500" lnSpcReduction="20000"/>
+          </a:bodyPr>
+          <a:lstStyle/>
+          <a:p>
+            <a:r>
+              <a:rPr lang="en-GB" dirty="0"/>
+              <a:t>s</a:t>
+            </a:r>
+            <a:r>
+              <a:rPr lang="en-GB" dirty="0" smtClean="0"/>
+              <a:t>imilar to the Java 8 </a:t>
+            </a:r>
+            <a:r>
+              <a:rPr lang="en-GB" i="1" dirty="0" smtClean="0"/>
+              <a:t>interfaces</a:t>
+            </a:r>
+          </a:p>
+          <a:p>
+            <a:r>
+              <a:rPr lang="en-GB" dirty="0"/>
+              <a:t>c</a:t>
+            </a:r>
+            <a:r>
+              <a:rPr lang="en-GB" dirty="0" smtClean="0"/>
+              <a:t>lasses and objects can extend traits</a:t>
+            </a:r>
+          </a:p>
+          <a:p>
+            <a:r>
+              <a:rPr lang="en-GB" dirty="0"/>
+              <a:t>t</a:t>
+            </a:r>
+            <a:r>
+              <a:rPr lang="en-GB" dirty="0" smtClean="0"/>
+              <a:t>raits cannot be instantiated</a:t>
+            </a:r>
+          </a:p>
+          <a:p>
+            <a:r>
+              <a:rPr lang="en-GB" dirty="0"/>
+              <a:t>t</a:t>
+            </a:r>
+            <a:r>
+              <a:rPr lang="en-GB" dirty="0" smtClean="0"/>
+              <a:t>raits cannot have parameters</a:t>
+            </a:r>
+          </a:p>
+          <a:p>
+            <a:pPr marL="0" indent="0">
+              <a:buNone/>
+            </a:pPr>
+            <a:endParaRPr lang="en-GB" dirty="0" smtClean="0"/>
+          </a:p>
+          <a:p>
+            <a:pPr marL="0" indent="0">
+              <a:buNone/>
+            </a:pPr>
+            <a:r>
+              <a:rPr lang="en-GB" dirty="0"/>
+              <a:t>t</a:t>
+            </a:r>
+            <a:r>
+              <a:rPr lang="en-GB" dirty="0" smtClean="0"/>
+              <a:t>rait Iterator[A] {</a:t>
+            </a:r>
+          </a:p>
+          <a:p>
+            <a:pPr marL="0" indent="0">
+              <a:buNone/>
+            </a:pPr>
+            <a:r>
+              <a:rPr lang="en-GB" dirty="0" smtClean="0"/>
+              <a:t>	</a:t>
+            </a:r>
+            <a:r>
+              <a:rPr lang="en-GB" dirty="0" err="1" smtClean="0"/>
+              <a:t>def</a:t>
+            </a:r>
+            <a:r>
+              <a:rPr lang="en-GB" dirty="0" smtClean="0"/>
+              <a:t> </a:t>
+            </a:r>
+            <a:r>
+              <a:rPr lang="en-GB" dirty="0" err="1" smtClean="0"/>
+              <a:t>hasNext</a:t>
+            </a:r>
+            <a:r>
+              <a:rPr lang="en-GB" dirty="0" smtClean="0"/>
+              <a:t>: Boolean</a:t>
+            </a:r>
+          </a:p>
+          <a:p>
+            <a:pPr marL="0" indent="0">
+              <a:buNone/>
+            </a:pPr>
+            <a:r>
+              <a:rPr lang="en-GB" dirty="0"/>
+              <a:t>	</a:t>
+            </a:r>
+            <a:r>
+              <a:rPr lang="en-GB" dirty="0" err="1" smtClean="0"/>
+              <a:t>def</a:t>
+            </a:r>
+            <a:r>
+              <a:rPr lang="en-GB" dirty="0" smtClean="0"/>
+              <a:t> next: A</a:t>
+            </a:r>
+            <a:endParaRPr lang="en-GB" dirty="0"/>
+          </a:p>
+          <a:p>
+            <a:pPr marL="0" indent="0">
+              <a:buNone/>
+            </a:pPr>
+            <a:r>
+              <a:rPr lang="en-GB" dirty="0" smtClean="0"/>
+              <a:t>}</a:t>
+            </a:r>
+          </a:p>
+          <a:p>
+            <a:pPr marL="0" indent="0">
+              <a:buNone/>
+            </a:pPr>
+            <a:r>
+              <a:rPr lang="en-GB" dirty="0"/>
+              <a:t>c</a:t>
+            </a:r>
+            <a:r>
+              <a:rPr lang="en-GB" dirty="0" smtClean="0"/>
+              <a:t>lass </a:t>
+            </a:r>
+            <a:r>
+              <a:rPr lang="en-GB" dirty="0" err="1" smtClean="0"/>
+              <a:t>IntIterator</a:t>
+            </a:r>
+            <a:r>
+              <a:rPr lang="en-GB" dirty="0" smtClean="0"/>
+              <a:t>(to: </a:t>
+            </a:r>
+            <a:r>
+              <a:rPr lang="en-GB" dirty="0" err="1" smtClean="0"/>
+              <a:t>Int</a:t>
+            </a:r>
+            <a:r>
+              <a:rPr lang="en-GB" dirty="0" smtClean="0"/>
+              <a:t>) extends Iterator[</a:t>
+            </a:r>
+            <a:r>
+              <a:rPr lang="en-GB" dirty="0" err="1" smtClean="0"/>
+              <a:t>Int</a:t>
+            </a:r>
+            <a:r>
+              <a:rPr lang="en-GB" dirty="0" smtClean="0"/>
+              <a:t>] {</a:t>
+            </a:r>
+          </a:p>
+          <a:p>
+            <a:pPr marL="0" indent="0">
+              <a:buNone/>
+            </a:pPr>
+            <a:r>
+              <a:rPr lang="en-GB" dirty="0" smtClean="0"/>
+              <a:t>	override </a:t>
+            </a:r>
+            <a:r>
+              <a:rPr lang="en-GB" dirty="0" err="1" smtClean="0"/>
+              <a:t>def</a:t>
+            </a:r>
+            <a:r>
+              <a:rPr lang="en-GB" dirty="0" smtClean="0"/>
+              <a:t> </a:t>
+            </a:r>
+            <a:r>
+              <a:rPr lang="en-GB" dirty="0" err="1" smtClean="0"/>
+              <a:t>hasNext</a:t>
+            </a:r>
+            <a:r>
+              <a:rPr lang="en-GB" dirty="0" smtClean="0"/>
+              <a:t>: Boolean = ???</a:t>
+            </a:r>
+          </a:p>
+          <a:p>
+            <a:pPr marL="0" indent="0">
+              <a:buNone/>
+            </a:pPr>
+            <a:r>
+              <a:rPr lang="en-GB" dirty="0"/>
+              <a:t>	</a:t>
+            </a:r>
+            <a:r>
+              <a:rPr lang="en-GB" dirty="0" smtClean="0"/>
+              <a:t>override </a:t>
+            </a:r>
+            <a:r>
+              <a:rPr lang="en-GB" dirty="0" err="1" smtClean="0"/>
+              <a:t>def</a:t>
+            </a:r>
+            <a:r>
+              <a:rPr lang="en-GB" dirty="0" smtClean="0"/>
+              <a:t> next: </a:t>
+            </a:r>
+            <a:r>
+              <a:rPr lang="en-GB" dirty="0" err="1" smtClean="0"/>
+              <a:t>Int</a:t>
+            </a:r>
+            <a:r>
+              <a:rPr lang="en-GB" dirty="0" smtClean="0"/>
+              <a:t> = ???</a:t>
+            </a:r>
+            <a:endParaRPr lang="en-GB" dirty="0"/>
+          </a:p>
+          <a:p>
+            <a:pPr marL="0" indent="0">
+              <a:buNone/>
+            </a:pPr>
+            <a:r>
+              <a:rPr lang="en-GB" dirty="0" smtClean="0"/>
+              <a:t>}</a:t>
+            </a:r>
+            <a:endParaRPr lang="en-GB" dirty="0"/>
+          </a:p>
+        </p:txBody>
+      </p:sp>
+      <p:sp>
+        <p:nvSpPr>
+          <p:cNvPr id="4" name="Content Placeholder 2"/>
+          <p:cNvSpPr txBox="1">
+            <a:spLocks/>
+          </p:cNvSpPr>
+          <p:nvPr/>
+        </p:nvSpPr>
+        <p:spPr>
+          <a:xfrm>
+            <a:off x="6415528" y="1690688"/>
+            <a:ext cx="4602096" cy="4486275"/>
+          </a:xfrm>
+          <a:prstGeom prst="rect">
+            <a:avLst/>
+          </a:prstGeom>
+        </p:spPr>
+        <p:txBody>
+          <a:bodyPr vert="horz" lIns="91440" tIns="45720" rIns="91440" bIns="45720" rtlCol="0">
+            <a:normAutofit fontScale="62500" lnSpcReduction="20000"/>
+          </a:bodyPr>
+          <a:lstStyle>
+            <a:lvl1pPr marL="228600" indent="-228600" algn="l" defTabSz="914400" rtl="0" eaLnBrk="1" latinLnBrk="0" hangingPunct="1">
+              <a:lnSpc>
+                <a:spcPct val="90000"/>
+              </a:lnSpc>
+              <a:spcBef>
+                <a:spcPts val="1000"/>
+              </a:spcBef>
+              <a:buFont typeface="Arial" panose="020B0604020202020204" pitchFamily="34" charset="0"/>
+              <a:buChar char="•"/>
+              <a:defRPr sz="2800" kern="1200">
+                <a:solidFill>
+                  <a:schemeClr val="tx1"/>
+                </a:solidFill>
+                <a:latin typeface="+mn-lt"/>
+                <a:ea typeface="+mn-ea"/>
+                <a:cs typeface="+mn-cs"/>
+              </a:defRPr>
+            </a:lvl1pPr>
+            <a:lvl2pPr marL="685800" indent="-228600" algn="l" defTabSz="914400" rtl="0" eaLnBrk="1" latinLnBrk="0" hangingPunct="1">
+              <a:lnSpc>
+                <a:spcPct val="90000"/>
+              </a:lnSpc>
+              <a:spcBef>
+                <a:spcPts val="500"/>
+              </a:spcBef>
+              <a:buFont typeface="Arial" panose="020B0604020202020204" pitchFamily="34" charset="0"/>
+              <a:buChar char="•"/>
+              <a:defRPr sz="2400" kern="1200">
+                <a:solidFill>
+                  <a:schemeClr val="tx1"/>
+                </a:solidFill>
+                <a:latin typeface="+mn-lt"/>
+                <a:ea typeface="+mn-ea"/>
+                <a:cs typeface="+mn-cs"/>
+              </a:defRPr>
+            </a:lvl2pPr>
+            <a:lvl3pPr marL="1143000" indent="-228600" algn="l" defTabSz="914400" rtl="0" eaLnBrk="1" latinLnBrk="0" hangingPunct="1">
+              <a:lnSpc>
+                <a:spcPct val="90000"/>
+              </a:lnSpc>
+              <a:spcBef>
+                <a:spcPts val="500"/>
+              </a:spcBef>
+              <a:buFont typeface="Arial" panose="020B0604020202020204" pitchFamily="34" charset="0"/>
+              <a:buChar char="•"/>
+              <a:defRPr sz="2000" kern="1200">
+                <a:solidFill>
+                  <a:schemeClr val="tx1"/>
+                </a:solidFill>
+                <a:latin typeface="+mn-lt"/>
+                <a:ea typeface="+mn-ea"/>
+                <a:cs typeface="+mn-cs"/>
+              </a:defRPr>
+            </a:lvl3pPr>
+            <a:lvl4pPr marL="1600200" indent="-228600" algn="l" defTabSz="914400" rtl="0" eaLnBrk="1" latinLnBrk="0" hangingPunct="1">
+              <a:lnSpc>
+                <a:spcPct val="90000"/>
+              </a:lnSpc>
+              <a:spcBef>
+                <a:spcPts val="500"/>
+              </a:spcBef>
+              <a:buFont typeface="Arial" panose="020B0604020202020204" pitchFamily="34" charset="0"/>
+              <a:buChar char="•"/>
+              <a:defRPr sz="1800" kern="1200">
+                <a:solidFill>
+                  <a:schemeClr val="tx1"/>
+                </a:solidFill>
+                <a:latin typeface="+mn-lt"/>
+                <a:ea typeface="+mn-ea"/>
+                <a:cs typeface="+mn-cs"/>
+              </a:defRPr>
+            </a:lvl4pPr>
+            <a:lvl5pPr marL="2057400" indent="-228600" algn="l" defTabSz="914400" rtl="0" eaLnBrk="1" latinLnBrk="0" hangingPunct="1">
+              <a:lnSpc>
+                <a:spcPct val="90000"/>
+              </a:lnSpc>
+              <a:spcBef>
+                <a:spcPts val="500"/>
+              </a:spcBef>
+              <a:buFont typeface="Arial" panose="020B0604020202020204" pitchFamily="34" charset="0"/>
+              <a:buChar char="•"/>
+              <a:defRPr sz="1800" kern="1200">
+                <a:solidFill>
+                  <a:schemeClr val="tx1"/>
+                </a:solidFill>
+                <a:latin typeface="+mn-lt"/>
+                <a:ea typeface="+mn-ea"/>
+                <a:cs typeface="+mn-cs"/>
+              </a:defRPr>
+            </a:lvl5pPr>
+            <a:lvl6pPr marL="2514600" indent="-228600" algn="l" defTabSz="914400" rtl="0" eaLnBrk="1" latinLnBrk="0" hangingPunct="1">
+              <a:lnSpc>
+                <a:spcPct val="90000"/>
+              </a:lnSpc>
+              <a:spcBef>
+                <a:spcPts val="500"/>
+              </a:spcBef>
+              <a:buFont typeface="Arial" panose="020B0604020202020204" pitchFamily="34" charset="0"/>
+              <a:buChar char="•"/>
+              <a:defRPr sz="1800" kern="1200">
+                <a:solidFill>
+                  <a:schemeClr val="tx1"/>
+                </a:solidFill>
+                <a:latin typeface="+mn-lt"/>
+                <a:ea typeface="+mn-ea"/>
+                <a:cs typeface="+mn-cs"/>
+              </a:defRPr>
+            </a:lvl6pPr>
+            <a:lvl7pPr marL="2971800" indent="-228600" algn="l" defTabSz="914400" rtl="0" eaLnBrk="1" latinLnBrk="0" hangingPunct="1">
+              <a:lnSpc>
+                <a:spcPct val="90000"/>
+              </a:lnSpc>
+              <a:spcBef>
+                <a:spcPts val="500"/>
+              </a:spcBef>
+              <a:buFont typeface="Arial" panose="020B0604020202020204" pitchFamily="34" charset="0"/>
+              <a:buChar char="•"/>
+              <a:defRPr sz="1800" kern="1200">
+                <a:solidFill>
+                  <a:schemeClr val="tx1"/>
+                </a:solidFill>
+                <a:latin typeface="+mn-lt"/>
+                <a:ea typeface="+mn-ea"/>
+                <a:cs typeface="+mn-cs"/>
+              </a:defRPr>
+            </a:lvl7pPr>
+            <a:lvl8pPr marL="3429000" indent="-228600" algn="l" defTabSz="914400" rtl="0" eaLnBrk="1" latinLnBrk="0" hangingPunct="1">
+              <a:lnSpc>
+                <a:spcPct val="90000"/>
+              </a:lnSpc>
+              <a:spcBef>
+                <a:spcPts val="500"/>
+              </a:spcBef>
+              <a:buFont typeface="Arial" panose="020B0604020202020204" pitchFamily="34" charset="0"/>
+              <a:buChar char="•"/>
+              <a:defRPr sz="1800" kern="1200">
+                <a:solidFill>
+                  <a:schemeClr val="tx1"/>
+                </a:solidFill>
+                <a:latin typeface="+mn-lt"/>
+                <a:ea typeface="+mn-ea"/>
+                <a:cs typeface="+mn-cs"/>
+              </a:defRPr>
+            </a:lvl8pPr>
+            <a:lvl9pPr marL="3886200" indent="-228600" algn="l" defTabSz="914400" rtl="0" eaLnBrk="1" latinLnBrk="0" hangingPunct="1">
+              <a:lnSpc>
+                <a:spcPct val="90000"/>
+              </a:lnSpc>
+              <a:spcBef>
+                <a:spcPts val="500"/>
+              </a:spcBef>
+              <a:buFont typeface="Arial" panose="020B0604020202020204" pitchFamily="34" charset="0"/>
+              <a:buChar char="•"/>
+              <a:defRPr sz="1800" kern="1200">
+                <a:solidFill>
+                  <a:schemeClr val="tx1"/>
+                </a:solidFill>
+                <a:latin typeface="+mn-lt"/>
+                <a:ea typeface="+mn-ea"/>
+                <a:cs typeface="+mn-cs"/>
+              </a:defRPr>
+            </a:lvl9pPr>
+          </a:lstStyle>
+          <a:p>
+            <a:pPr marL="0" indent="0">
+              <a:buFont typeface="Arial" panose="020B0604020202020204" pitchFamily="34" charset="0"/>
+              <a:buNone/>
+            </a:pPr>
+            <a:r>
+              <a:rPr lang="en-GB" dirty="0" smtClean="0"/>
+              <a:t>trait Pet {</a:t>
+            </a:r>
+          </a:p>
+          <a:p>
+            <a:pPr marL="0" indent="0">
+              <a:buFont typeface="Arial" panose="020B0604020202020204" pitchFamily="34" charset="0"/>
+              <a:buNone/>
+            </a:pPr>
+            <a:r>
+              <a:rPr lang="en-GB" dirty="0" smtClean="0"/>
+              <a:t>	</a:t>
+            </a:r>
+            <a:r>
+              <a:rPr lang="en-GB" dirty="0" err="1" smtClean="0"/>
+              <a:t>val</a:t>
+            </a:r>
+            <a:r>
+              <a:rPr lang="en-GB" dirty="0" smtClean="0"/>
+              <a:t> name: String</a:t>
+            </a:r>
+          </a:p>
+          <a:p>
+            <a:pPr marL="0" indent="0">
+              <a:buFont typeface="Arial" panose="020B0604020202020204" pitchFamily="34" charset="0"/>
+              <a:buNone/>
+            </a:pPr>
+            <a:r>
+              <a:rPr lang="en-GB" dirty="0" smtClean="0"/>
+              <a:t>}</a:t>
+            </a:r>
+          </a:p>
+          <a:p>
+            <a:pPr marL="0" indent="0">
+              <a:buFont typeface="Arial" panose="020B0604020202020204" pitchFamily="34" charset="0"/>
+              <a:buNone/>
+            </a:pPr>
+            <a:endParaRPr lang="en-GB" dirty="0" smtClean="0"/>
+          </a:p>
+          <a:p>
+            <a:pPr marL="0" indent="0">
+              <a:buFont typeface="Arial" panose="020B0604020202020204" pitchFamily="34" charset="0"/>
+              <a:buNone/>
+            </a:pPr>
+            <a:r>
+              <a:rPr lang="en-GB" dirty="0" smtClean="0"/>
+              <a:t>class Cat(</a:t>
+            </a:r>
+            <a:r>
+              <a:rPr lang="en-GB" dirty="0" err="1" smtClean="0"/>
+              <a:t>val</a:t>
+            </a:r>
+            <a:r>
+              <a:rPr lang="en-GB" dirty="0" smtClean="0"/>
+              <a:t> name: String) extends Pet</a:t>
+            </a:r>
+          </a:p>
+          <a:p>
+            <a:pPr marL="0" indent="0">
+              <a:buFont typeface="Arial" panose="020B0604020202020204" pitchFamily="34" charset="0"/>
+              <a:buNone/>
+            </a:pPr>
+            <a:r>
+              <a:rPr lang="en-GB" dirty="0"/>
+              <a:t>c</a:t>
+            </a:r>
+            <a:r>
+              <a:rPr lang="en-GB" dirty="0" smtClean="0"/>
+              <a:t>lass Dog(</a:t>
+            </a:r>
+            <a:r>
+              <a:rPr lang="en-GB" dirty="0" err="1" smtClean="0"/>
+              <a:t>val</a:t>
+            </a:r>
+            <a:r>
+              <a:rPr lang="en-GB" dirty="0" smtClean="0"/>
+              <a:t> name: String) extends Pet</a:t>
+            </a:r>
+          </a:p>
+          <a:p>
+            <a:pPr marL="0" indent="0">
+              <a:buFont typeface="Arial" panose="020B0604020202020204" pitchFamily="34" charset="0"/>
+              <a:buNone/>
+            </a:pPr>
+            <a:endParaRPr lang="en-GB" dirty="0" smtClean="0"/>
+          </a:p>
+          <a:p>
+            <a:pPr marL="0" indent="0">
+              <a:buFont typeface="Arial" panose="020B0604020202020204" pitchFamily="34" charset="0"/>
+              <a:buNone/>
+            </a:pPr>
+            <a:r>
+              <a:rPr lang="en-GB" dirty="0" err="1"/>
+              <a:t>v</a:t>
+            </a:r>
+            <a:r>
+              <a:rPr lang="en-GB" dirty="0" err="1" smtClean="0"/>
+              <a:t>al</a:t>
+            </a:r>
+            <a:r>
+              <a:rPr lang="en-GB" dirty="0" smtClean="0"/>
+              <a:t> cat = new Cat(“Sally”)</a:t>
+            </a:r>
+          </a:p>
+          <a:p>
+            <a:pPr marL="0" indent="0">
+              <a:buFont typeface="Arial" panose="020B0604020202020204" pitchFamily="34" charset="0"/>
+              <a:buNone/>
+            </a:pPr>
+            <a:r>
+              <a:rPr lang="en-GB" dirty="0" err="1"/>
+              <a:t>v</a:t>
+            </a:r>
+            <a:r>
+              <a:rPr lang="en-GB" dirty="0" err="1" smtClean="0"/>
+              <a:t>al</a:t>
+            </a:r>
+            <a:r>
+              <a:rPr lang="en-GB" dirty="0" smtClean="0"/>
+              <a:t> dog = new Dog(“Harry”)</a:t>
+            </a:r>
+          </a:p>
+          <a:p>
+            <a:pPr marL="0" indent="0">
+              <a:buFont typeface="Arial" panose="020B0604020202020204" pitchFamily="34" charset="0"/>
+              <a:buNone/>
+            </a:pPr>
+            <a:endParaRPr lang="en-GB" dirty="0"/>
+          </a:p>
+          <a:p>
+            <a:pPr marL="0" indent="0">
+              <a:buFont typeface="Arial" panose="020B0604020202020204" pitchFamily="34" charset="0"/>
+              <a:buNone/>
+            </a:pPr>
+            <a:r>
+              <a:rPr lang="en-GB" dirty="0" err="1"/>
+              <a:t>v</a:t>
+            </a:r>
+            <a:r>
+              <a:rPr lang="en-GB" dirty="0" err="1" smtClean="0"/>
+              <a:t>al</a:t>
+            </a:r>
+            <a:r>
+              <a:rPr lang="en-GB" dirty="0" smtClean="0"/>
+              <a:t> animals = </a:t>
+            </a:r>
+            <a:r>
+              <a:rPr lang="en-GB" dirty="0" err="1" smtClean="0"/>
+              <a:t>ArrayBuffer.empty</a:t>
+            </a:r>
+            <a:r>
+              <a:rPr lang="en-GB" dirty="0" smtClean="0"/>
+              <a:t>[Pet]</a:t>
+            </a:r>
+          </a:p>
+          <a:p>
+            <a:pPr marL="0" indent="0">
+              <a:buFont typeface="Arial" panose="020B0604020202020204" pitchFamily="34" charset="0"/>
+              <a:buNone/>
+            </a:pPr>
+            <a:r>
+              <a:rPr lang="en-GB" dirty="0" err="1"/>
+              <a:t>a</a:t>
+            </a:r>
+            <a:r>
+              <a:rPr lang="en-GB" dirty="0" err="1" smtClean="0"/>
+              <a:t>nimals.append</a:t>
+            </a:r>
+            <a:r>
+              <a:rPr lang="en-GB" dirty="0" smtClean="0"/>
+              <a:t>(dog)</a:t>
+            </a:r>
+          </a:p>
+          <a:p>
+            <a:pPr marL="0" indent="0">
+              <a:buFont typeface="Arial" panose="020B0604020202020204" pitchFamily="34" charset="0"/>
+              <a:buNone/>
+            </a:pPr>
+            <a:r>
+              <a:rPr lang="en-GB" dirty="0" err="1"/>
+              <a:t>a</a:t>
+            </a:r>
+            <a:r>
+              <a:rPr lang="en-GB" dirty="0" err="1" smtClean="0"/>
+              <a:t>nimals.append</a:t>
+            </a:r>
+            <a:r>
+              <a:rPr lang="en-GB" dirty="0" smtClean="0"/>
+              <a:t>(cat)</a:t>
+            </a:r>
+          </a:p>
+          <a:p>
+            <a:pPr marL="0" indent="0">
+              <a:buFont typeface="Arial" panose="020B0604020202020204" pitchFamily="34" charset="0"/>
+              <a:buNone/>
+            </a:pPr>
+            <a:r>
+              <a:rPr lang="en-GB" dirty="0" err="1"/>
+              <a:t>a</a:t>
+            </a:r>
+            <a:r>
+              <a:rPr lang="en-GB" dirty="0" err="1" smtClean="0"/>
+              <a:t>nimals.foreach</a:t>
+            </a:r>
+            <a:r>
+              <a:rPr lang="en-GB" dirty="0" smtClean="0"/>
+              <a:t>(pet =&gt; </a:t>
+            </a:r>
+            <a:r>
+              <a:rPr lang="en-GB" dirty="0" err="1" smtClean="0"/>
+              <a:t>println</a:t>
+            </a:r>
+            <a:r>
+              <a:rPr lang="en-GB" dirty="0" smtClean="0"/>
+              <a:t>(pet.name))</a:t>
+            </a:r>
+            <a:endParaRPr lang="en-GB" dirty="0"/>
+          </a:p>
+        </p:txBody>
+      </p:sp>
+    </p:spTree>
+    <p:extLst>
+      <p:ext uri="{BB962C8B-B14F-4D97-AF65-F5344CB8AC3E}">
+        <p14:creationId xmlns:p14="http://schemas.microsoft.com/office/powerpoint/2010/main" val="1156144831"/>
+      </p:ext>
+    </p:extLst>
+  </p:cSld>
+  <p:clrMapOvr>
+    <a:masterClrMapping/>
+  </p:clrMapOvr>
+</p:sld>
+</file>
+
+<file path=ppt/slides/slide11.xml><?xml version="1.0" encoding="utf-8"?>
+<p:sld xmlns:a="http://schemas.openxmlformats.org/drawingml/2006/main" xmlns:r="http://schemas.openxmlformats.org/officeDocument/2006/relationships" xmlns:p="http://schemas.openxmlformats.org/presentationml/2006/main">
+  <p:cSld>
+    <p:spTree>
+      <p:nvGrpSpPr>
+        <p:cNvPr id="1" name=""/>
+        <p:cNvGrpSpPr/>
+        <p:nvPr/>
+      </p:nvGrpSpPr>
+      <p:grpSpPr>
+        <a:xfrm>
+          <a:off x="0" y="0"/>
+          <a:ext cx="0" cy="0"/>
+          <a:chOff x="0" y="0"/>
+          <a:chExt cx="0" cy="0"/>
+        </a:xfrm>
+      </p:grpSpPr>
+      <p:sp>
+        <p:nvSpPr>
+          <p:cNvPr id="2" name="Title 1"/>
+          <p:cNvSpPr>
+            <a:spLocks noGrp="1"/>
+          </p:cNvSpPr>
+          <p:nvPr>
+            <p:ph type="title"/>
+          </p:nvPr>
+        </p:nvSpPr>
+        <p:spPr/>
+        <p:txBody>
+          <a:bodyPr/>
+          <a:lstStyle/>
+          <a:p>
+            <a:r>
+              <a:rPr lang="en-GB" dirty="0" smtClean="0"/>
               <a:t>Objects</a:t>
             </a:r>
             <a:endParaRPr lang="en-GB" dirty="0"/>
@@ -3483,7 +4188,7 @@
 </p:sld>
 </file>
 
-<file path=ppt/slides/slide11.xml><?xml version="1.0" encoding="utf-8"?>
+<file path=ppt/slides/slide12.xml><?xml version="1.0" encoding="utf-8"?>
 <p:sld xmlns:a="http://schemas.openxmlformats.org/drawingml/2006/main" xmlns:r="http://schemas.openxmlformats.org/officeDocument/2006/relationships" xmlns:p="http://schemas.openxmlformats.org/presentationml/2006/main">
   <p:cSld>
     <p:spTree>
@@ -3803,7 +4508,7 @@
 </p:sld>
 </file>
 
-<file path=ppt/slides/slide12.xml><?xml version="1.0" encoding="utf-8"?>
+<file path=ppt/slides/slide13.xml><?xml version="1.0" encoding="utf-8"?>
 <p:sld xmlns:a="http://schemas.openxmlformats.org/drawingml/2006/main" xmlns:r="http://schemas.openxmlformats.org/officeDocument/2006/relationships" xmlns:p="http://schemas.openxmlformats.org/presentationml/2006/main">
   <p:cSld>
     <p:spTree>
@@ -4320,7 +5025,7 @@
 </p:sld>
 </file>
 
-<file path=ppt/slides/slide13.xml><?xml version="1.0" encoding="utf-8"?>
+<file path=ppt/slides/slide14.xml><?xml version="1.0" encoding="utf-8"?>
 <p:sld xmlns:a="http://schemas.openxmlformats.org/drawingml/2006/main" xmlns:r="http://schemas.openxmlformats.org/officeDocument/2006/relationships" xmlns:p="http://schemas.openxmlformats.org/presentationml/2006/main">
   <p:cSld>
     <p:spTree>
@@ -4407,248 +5112,6 @@
 </p:sld>
 </file>
 
-<file path=ppt/slides/slide14.xml><?xml version="1.0" encoding="utf-8"?>
-<p:sld xmlns:a="http://schemas.openxmlformats.org/drawingml/2006/main" xmlns:r="http://schemas.openxmlformats.org/officeDocument/2006/relationships" xmlns:p="http://schemas.openxmlformats.org/presentationml/2006/main">
-  <p:cSld>
-    <p:spTree>
-      <p:nvGrpSpPr>
-        <p:cNvPr id="1" name=""/>
-        <p:cNvGrpSpPr/>
-        <p:nvPr/>
-      </p:nvGrpSpPr>
-      <p:grpSpPr>
-        <a:xfrm>
-          <a:off x="0" y="0"/>
-          <a:ext cx="0" cy="0"/>
-          <a:chOff x="0" y="0"/>
-          <a:chExt cx="0" cy="0"/>
-        </a:xfrm>
-      </p:grpSpPr>
-      <p:sp>
-        <p:nvSpPr>
-          <p:cNvPr id="2" name="Title 1"/>
-          <p:cNvSpPr>
-            <a:spLocks noGrp="1"/>
-          </p:cNvSpPr>
-          <p:nvPr>
-            <p:ph type="title"/>
-          </p:nvPr>
-        </p:nvSpPr>
-        <p:spPr/>
-        <p:txBody>
-          <a:bodyPr/>
-          <a:lstStyle/>
-          <a:p>
-            <a:r>
-              <a:rPr lang="en-GB" dirty="0" smtClean="0"/>
-              <a:t>Everything is an Object</a:t>
-            </a:r>
-            <a:endParaRPr lang="en-GB" dirty="0"/>
-          </a:p>
-        </p:txBody>
-      </p:sp>
-      <p:sp>
-        <p:nvSpPr>
-          <p:cNvPr id="3" name="Content Placeholder 2"/>
-          <p:cNvSpPr>
-            <a:spLocks noGrp="1"/>
-          </p:cNvSpPr>
-          <p:nvPr>
-            <p:ph idx="1"/>
-          </p:nvPr>
-        </p:nvSpPr>
-        <p:spPr/>
-        <p:txBody>
-          <a:bodyPr>
-            <a:normAutofit fontScale="85000" lnSpcReduction="20000"/>
-          </a:bodyPr>
-          <a:lstStyle/>
-          <a:p>
-            <a:r>
-              <a:rPr lang="en-GB" dirty="0" smtClean="0"/>
-              <a:t>Java</a:t>
-            </a:r>
-          </a:p>
-          <a:p>
-            <a:pPr lvl="1"/>
-            <a:r>
-              <a:rPr lang="en-GB" dirty="0" smtClean="0"/>
-              <a:t>Primitive types: </a:t>
-            </a:r>
-            <a:r>
-              <a:rPr lang="en-GB" dirty="0" err="1" smtClean="0"/>
-              <a:t>boolean</a:t>
-            </a:r>
-            <a:r>
-              <a:rPr lang="en-GB" dirty="0" smtClean="0"/>
-              <a:t>, char, </a:t>
-            </a:r>
-            <a:r>
-              <a:rPr lang="en-GB" dirty="0" err="1" smtClean="0"/>
-              <a:t>int</a:t>
-            </a:r>
-            <a:r>
-              <a:rPr lang="en-GB" dirty="0" smtClean="0"/>
-              <a:t>, double, float</a:t>
-            </a:r>
-          </a:p>
-          <a:p>
-            <a:pPr lvl="1"/>
-            <a:r>
-              <a:rPr lang="en-GB" dirty="0" smtClean="0"/>
-              <a:t>Functions</a:t>
-            </a:r>
-          </a:p>
-          <a:p>
-            <a:pPr lvl="1"/>
-            <a:endParaRPr lang="en-GB" dirty="0" smtClean="0"/>
-          </a:p>
-          <a:p>
-            <a:r>
-              <a:rPr lang="en-GB" dirty="0" smtClean="0"/>
-              <a:t>Scala</a:t>
-            </a:r>
-          </a:p>
-          <a:p>
-            <a:pPr lvl="1"/>
-            <a:r>
-              <a:rPr lang="en-GB" dirty="0" smtClean="0"/>
-              <a:t>Numbers are objects</a:t>
-            </a:r>
-          </a:p>
-          <a:p>
-            <a:pPr lvl="1"/>
-            <a:endParaRPr lang="en-GB" dirty="0" smtClean="0"/>
-          </a:p>
-          <a:p>
-            <a:pPr marL="457200" lvl="1" indent="0">
-              <a:buNone/>
-            </a:pPr>
-            <a:r>
-              <a:rPr lang="en-GB" dirty="0"/>
-              <a:t>	</a:t>
-            </a:r>
-            <a:r>
-              <a:rPr lang="en-GB" dirty="0" smtClean="0"/>
-              <a:t>1 + 2 * 3 / x	-&gt;	1.+(2.*(3)./(x))</a:t>
-            </a:r>
-          </a:p>
-          <a:p>
-            <a:pPr marL="457200" lvl="1" indent="0">
-              <a:buNone/>
-            </a:pPr>
-            <a:endParaRPr lang="en-GB" dirty="0" smtClean="0"/>
-          </a:p>
-          <a:p>
-            <a:pPr lvl="1"/>
-            <a:r>
-              <a:rPr lang="en-GB" dirty="0" smtClean="0"/>
-              <a:t>Functions are objects – you can pass </a:t>
-            </a:r>
-            <a:r>
-              <a:rPr lang="en-GB" dirty="0"/>
-              <a:t>functions as arguments, </a:t>
-            </a:r>
-            <a:r>
-              <a:rPr lang="en-GB" dirty="0" smtClean="0"/>
-              <a:t>store </a:t>
-            </a:r>
-            <a:r>
-              <a:rPr lang="en-GB" dirty="0"/>
-              <a:t>them in </a:t>
-            </a:r>
-            <a:r>
-              <a:rPr lang="en-GB" dirty="0" smtClean="0"/>
-              <a:t>variables or return </a:t>
-            </a:r>
-            <a:r>
-              <a:rPr lang="en-GB" dirty="0"/>
-              <a:t>them from other </a:t>
-            </a:r>
-            <a:r>
-              <a:rPr lang="en-GB" dirty="0" smtClean="0"/>
-              <a:t>functions</a:t>
-            </a:r>
-          </a:p>
-          <a:p>
-            <a:pPr lvl="1"/>
-            <a:endParaRPr lang="en-GB" dirty="0"/>
-          </a:p>
-          <a:p>
-            <a:pPr marL="914400" lvl="2" indent="0">
-              <a:buNone/>
-            </a:pPr>
-            <a:r>
-              <a:rPr lang="en-GB" dirty="0" err="1" smtClean="0"/>
-              <a:t>def</a:t>
-            </a:r>
-            <a:r>
-              <a:rPr lang="en-GB" dirty="0" smtClean="0"/>
-              <a:t> </a:t>
-            </a:r>
-            <a:r>
-              <a:rPr lang="en-GB" dirty="0" err="1" smtClean="0"/>
-              <a:t>oncePerSecond</a:t>
-            </a:r>
-            <a:r>
-              <a:rPr lang="en-GB" dirty="0" smtClean="0"/>
-              <a:t>(</a:t>
-            </a:r>
-            <a:r>
-              <a:rPr lang="en-GB" dirty="0" err="1" smtClean="0"/>
-              <a:t>callback</a:t>
-            </a:r>
-            <a:r>
-              <a:rPr lang="en-GB" dirty="0" smtClean="0"/>
-              <a:t>: () =&gt; Unit): Unit = {</a:t>
-            </a:r>
-          </a:p>
-          <a:p>
-            <a:pPr marL="914400" lvl="2" indent="0">
-              <a:buNone/>
-            </a:pPr>
-            <a:r>
-              <a:rPr lang="en-GB" dirty="0" smtClean="0"/>
-              <a:t>	while (true) { </a:t>
-            </a:r>
-            <a:r>
-              <a:rPr lang="en-GB" dirty="0" err="1" smtClean="0"/>
-              <a:t>callback</a:t>
-            </a:r>
-            <a:r>
-              <a:rPr lang="en-GB" dirty="0" smtClean="0"/>
-              <a:t>(); Thread sleep 1000 }</a:t>
-            </a:r>
-            <a:endParaRPr lang="en-GB" dirty="0"/>
-          </a:p>
-          <a:p>
-            <a:pPr marL="914400" lvl="2" indent="0">
-              <a:buNone/>
-            </a:pPr>
-            <a:r>
-              <a:rPr lang="en-GB" dirty="0" smtClean="0"/>
-              <a:t>}</a:t>
-            </a:r>
-          </a:p>
-          <a:p>
-            <a:pPr lvl="1"/>
-            <a:endParaRPr lang="en-GB" dirty="0"/>
-          </a:p>
-        </p:txBody>
-      </p:sp>
-    </p:spTree>
-    <p:extLst>
-      <p:ext uri="{BB962C8B-B14F-4D97-AF65-F5344CB8AC3E}">
-        <p14:creationId xmlns:p14="http://schemas.microsoft.com/office/powerpoint/2010/main" val="3089315729"/>
-      </p:ext>
-    </p:extLst>
-  </p:cSld>
-  <p:clrMapOvr>
-    <a:masterClrMapping/>
-  </p:clrMapOvr>
-</p:sld>
-</file>
-
 <file path=ppt/slides/slide15.xml><?xml version="1.0" encoding="utf-8"?>
 <p:sld xmlns:a="http://schemas.openxmlformats.org/drawingml/2006/main" xmlns:r="http://schemas.openxmlformats.org/officeDocument/2006/relationships" xmlns:p="http://schemas.openxmlformats.org/presentationml/2006/main">
   <p:cSld>
@@ -4683,7 +5146,7 @@
           <a:p>
             <a:r>
               <a:rPr lang="en-GB" dirty="0" smtClean="0"/>
-              <a:t>Pattern matching</a:t>
+              <a:t>Everything is an Object</a:t>
             </a:r>
             <a:endParaRPr lang="en-GB" dirty="0"/>
           </a:p>
@@ -4701,49 +5164,66 @@
         </p:nvSpPr>
         <p:spPr/>
         <p:txBody>
-          <a:bodyPr/>
+          <a:bodyPr>
+            <a:normAutofit fontScale="85000" lnSpcReduction="20000"/>
+          </a:bodyPr>
           <a:lstStyle/>
           <a:p>
-            <a:pPr marL="0" indent="0">
-              <a:buNone/>
-            </a:pPr>
-            <a:r>
-              <a:rPr lang="en-GB" dirty="0" smtClean="0"/>
-              <a:t>Syntax</a:t>
-            </a:r>
-          </a:p>
-          <a:p>
-            <a:pPr marL="0" indent="0">
-              <a:buNone/>
-            </a:pPr>
+            <a:r>
+              <a:rPr lang="en-GB" dirty="0" smtClean="0"/>
+              <a:t>Java</a:t>
+            </a:r>
+          </a:p>
+          <a:p>
+            <a:pPr lvl="1"/>
+            <a:r>
+              <a:rPr lang="en-GB" dirty="0" smtClean="0"/>
+              <a:t>Primitive types: </a:t>
+            </a:r>
+            <a:r>
+              <a:rPr lang="en-GB" dirty="0" err="1" smtClean="0"/>
+              <a:t>boolean</a:t>
+            </a:r>
+            <a:r>
+              <a:rPr lang="en-GB" dirty="0" smtClean="0"/>
+              <a:t>, char, </a:t>
+            </a:r>
+            <a:r>
+              <a:rPr lang="en-GB" dirty="0" err="1" smtClean="0"/>
+              <a:t>int</a:t>
+            </a:r>
+            <a:r>
+              <a:rPr lang="en-GB" dirty="0" smtClean="0"/>
+              <a:t>, double, float</a:t>
+            </a:r>
+          </a:p>
+          <a:p>
+            <a:pPr lvl="1"/>
+            <a:r>
+              <a:rPr lang="en-GB" dirty="0" smtClean="0"/>
+              <a:t>Functions</a:t>
+            </a:r>
+          </a:p>
+          <a:p>
+            <a:pPr lvl="1"/>
             <a:endParaRPr lang="en-GB" dirty="0" smtClean="0"/>
           </a:p>
           <a:p>
-            <a:pPr marL="457200" lvl="1" indent="0">
-              <a:buNone/>
-            </a:pPr>
-            <a:r>
-              <a:rPr lang="en-GB" dirty="0" smtClean="0"/>
-              <a:t>expr match {</a:t>
-            </a:r>
-          </a:p>
-          <a:p>
-            <a:pPr marL="457200" lvl="1" indent="0">
-              <a:buNone/>
-            </a:pPr>
-            <a:r>
-              <a:rPr lang="en-GB" dirty="0" smtClean="0"/>
-              <a:t>	case pattern1 =&gt; expr1</a:t>
-            </a:r>
-          </a:p>
-          <a:p>
-            <a:pPr marL="457200" lvl="1" indent="0">
-              <a:buNone/>
-            </a:pPr>
-            <a:r>
-              <a:rPr lang="en-GB" dirty="0" smtClean="0"/>
-              <a:t>	case pattern2 =&gt; expr2</a:t>
-            </a:r>
+            <a:r>
+              <a:rPr lang="en-GB" dirty="0" smtClean="0"/>
+              <a:t>Scala</a:t>
+            </a:r>
+          </a:p>
+          <a:p>
+            <a:pPr lvl="1"/>
+            <a:r>
+              <a:rPr lang="en-GB" dirty="0" smtClean="0"/>
+              <a:t>Numbers are objects</a:t>
+            </a:r>
+          </a:p>
+          <a:p>
+            <a:pPr lvl="1"/>
+            <a:endParaRPr lang="en-GB" dirty="0" smtClean="0"/>
           </a:p>
           <a:p>
             <a:pPr marL="457200" lvl="1" indent="0">
@@ -4755,67 +5235,108 @@
             </a:r>
             <a:r>
               <a:rPr lang="en-GB" dirty="0" smtClean="0"/>
-              <a:t>…</a:t>
+              <a:t>1 + 2 * 3 / x	-&gt;	1.+(2.*(3)./(x))</a:t>
             </a:r>
           </a:p>
           <a:p>
             <a:pPr marL="457200" lvl="1" indent="0">
               <a:buNone/>
             </a:pPr>
+            <a:endParaRPr lang="en-GB" dirty="0" smtClean="0"/>
+          </a:p>
+          <a:p>
+            <a:pPr lvl="1"/>
+            <a:r>
+              <a:rPr lang="en-GB" dirty="0" smtClean="0"/>
+              <a:t>Functions are objects – you can pass </a:t>
+            </a:r>
             <a:r>
               <a:rPr lang="en-GB" dirty="0"/>
-              <a:t>	</a:t>
-            </a:r>
-            <a:r>
-              <a:rPr lang="en-GB" dirty="0" smtClean="0"/>
-              <a:t>case </a:t>
-            </a:r>
-            <a:r>
-              <a:rPr lang="en-GB" dirty="0" err="1" smtClean="0"/>
-              <a:t>patternN</a:t>
-            </a:r>
-            <a:r>
-              <a:rPr lang="en-GB" dirty="0" smtClean="0"/>
-              <a:t> =&gt; </a:t>
-            </a:r>
-            <a:r>
-              <a:rPr lang="en-GB" dirty="0" err="1" smtClean="0"/>
-              <a:t>exprN</a:t>
-            </a:r>
+              <a:t>functions as arguments, </a:t>
+            </a:r>
+            <a:r>
+              <a:rPr lang="en-GB" dirty="0" smtClean="0"/>
+              <a:t>store </a:t>
+            </a:r>
+            <a:r>
+              <a:rPr lang="en-GB" dirty="0"/>
+              <a:t>them in </a:t>
+            </a:r>
+            <a:r>
+              <a:rPr lang="en-GB" dirty="0" smtClean="0"/>
+              <a:t>variables or return </a:t>
+            </a:r>
+            <a:r>
+              <a:rPr lang="en-GB" dirty="0"/>
+              <a:t>them from other </a:t>
+            </a:r>
+            <a:r>
+              <a:rPr lang="en-GB" dirty="0" smtClean="0"/>
+              <a:t>functions</a:t>
+            </a:r>
+          </a:p>
+          <a:p>
+            <a:pPr lvl="1"/>
             <a:endParaRPr lang="en-GB" dirty="0"/>
           </a:p>
           <a:p>
-            <a:pPr marL="457200" lvl="1" indent="0">
+            <a:pPr marL="914400" lvl="2" indent="0">
+              <a:buNone/>
+            </a:pPr>
+            <a:r>
+              <a:rPr lang="en-GB" dirty="0" err="1" smtClean="0"/>
+              <a:t>def</a:t>
+            </a:r>
+            <a:r>
+              <a:rPr lang="en-GB" dirty="0" smtClean="0"/>
+              <a:t> </a:t>
+            </a:r>
+            <a:r>
+              <a:rPr lang="en-GB" dirty="0" err="1" smtClean="0"/>
+              <a:t>oncePerSecond</a:t>
+            </a:r>
+            <a:r>
+              <a:rPr lang="en-GB" dirty="0" smtClean="0"/>
+              <a:t>(</a:t>
+            </a:r>
+            <a:r>
+              <a:rPr lang="en-GB" dirty="0" err="1" smtClean="0"/>
+              <a:t>callback</a:t>
+            </a:r>
+            <a:r>
+              <a:rPr lang="en-GB" dirty="0" smtClean="0"/>
+              <a:t>: () =&gt; Unit): Unit = {</a:t>
+            </a:r>
+          </a:p>
+          <a:p>
+            <a:pPr marL="914400" lvl="2" indent="0">
+              <a:buNone/>
+            </a:pPr>
+            <a:r>
+              <a:rPr lang="en-GB" dirty="0" smtClean="0"/>
+              <a:t>	while (true) { </a:t>
+            </a:r>
+            <a:r>
+              <a:rPr lang="en-GB" dirty="0" err="1" smtClean="0"/>
+              <a:t>callback</a:t>
+            </a:r>
+            <a:r>
+              <a:rPr lang="en-GB" dirty="0" smtClean="0"/>
+              <a:t>(); Thread sleep 1000 }</a:t>
+            </a:r>
+            <a:endParaRPr lang="en-GB" dirty="0"/>
+          </a:p>
+          <a:p>
+            <a:pPr marL="914400" lvl="2" indent="0">
               <a:buNone/>
             </a:pPr>
             <a:r>
               <a:rPr lang="en-GB" dirty="0" smtClean="0"/>
               <a:t>}</a:t>
             </a:r>
-            <a:endParaRPr lang="en-GB" dirty="0"/>
           </a:p>
           <a:p>
             <a:pPr lvl="1"/>
-            <a:endParaRPr lang="en-GB" dirty="0" smtClean="0"/>
-          </a:p>
-          <a:p>
-            <a:pPr marL="0" indent="0">
-              <a:buNone/>
-            </a:pPr>
-            <a:r>
-              <a:rPr lang="en-GB" dirty="0" smtClean="0"/>
-              <a:t>Note: a </a:t>
-            </a:r>
-            <a:r>
-              <a:rPr lang="en-GB" i="1" dirty="0" err="1" smtClean="0"/>
-              <a:t>MatchError</a:t>
-            </a:r>
-            <a:r>
-              <a:rPr lang="en-GB" dirty="0" smtClean="0"/>
-              <a:t> exception is thrown if there is no matching!</a:t>
-            </a:r>
-          </a:p>
-          <a:p>
             <a:endParaRPr lang="en-GB" dirty="0"/>
           </a:p>
         </p:txBody>
@@ -4823,7 +5344,7 @@
     </p:spTree>
     <p:extLst>
       <p:ext uri="{BB962C8B-B14F-4D97-AF65-F5344CB8AC3E}">
-        <p14:creationId xmlns:p14="http://schemas.microsoft.com/office/powerpoint/2010/main" val="176017126"/>
+        <p14:creationId xmlns:p14="http://schemas.microsoft.com/office/powerpoint/2010/main" val="3089315729"/>
       </p:ext>
     </p:extLst>
   </p:cSld>
@@ -4852,30 +5373,48 @@
       </p:grpSpPr>
       <p:sp>
         <p:nvSpPr>
-          <p:cNvPr id="3" name="Content Placeholder 2"/>
-          <p:cNvSpPr>
-            <a:spLocks noGrp="1"/>
-          </p:cNvSpPr>
-          <p:nvPr>
-            <p:ph idx="1"/>
-          </p:nvPr>
-        </p:nvSpPr>
-        <p:spPr>
-          <a:xfrm>
-            <a:off x="838200" y="1052713"/>
-            <a:ext cx="10515600" cy="5124250"/>
-          </a:xfrm>
-        </p:spPr>
+          <p:cNvPr id="2" name="Title 1"/>
+          <p:cNvSpPr>
+            <a:spLocks noGrp="1"/>
+          </p:cNvSpPr>
+          <p:nvPr>
+            <p:ph type="title"/>
+          </p:nvPr>
+        </p:nvSpPr>
+        <p:spPr/>
         <p:txBody>
           <a:bodyPr/>
           <a:lstStyle/>
           <a:p>
-            <a:pPr marL="0" indent="0">
-              <a:buNone/>
-            </a:pPr>
-            <a:r>
-              <a:rPr lang="en-GB" dirty="0" smtClean="0"/>
-              <a:t>Forms of patterns</a:t>
+            <a:r>
+              <a:rPr lang="en-GB" dirty="0" smtClean="0"/>
+              <a:t>Pattern matching</a:t>
+            </a:r>
+            <a:endParaRPr lang="en-GB" dirty="0"/>
+          </a:p>
+        </p:txBody>
+      </p:sp>
+      <p:sp>
+        <p:nvSpPr>
+          <p:cNvPr id="3" name="Content Placeholder 2"/>
+          <p:cNvSpPr>
+            <a:spLocks noGrp="1"/>
+          </p:cNvSpPr>
+          <p:nvPr>
+            <p:ph idx="1"/>
+          </p:nvPr>
+        </p:nvSpPr>
+        <p:spPr/>
+        <p:txBody>
+          <a:bodyPr/>
+          <a:lstStyle/>
+          <a:p>
+            <a:pPr marL="0" indent="0">
+              <a:buNone/>
+            </a:pPr>
+            <a:r>
+              <a:rPr lang="en-GB" dirty="0" smtClean="0"/>
+              <a:t>Syntax</a:t>
             </a:r>
           </a:p>
           <a:p>
@@ -4885,79 +5424,103 @@
             <a:endParaRPr lang="en-GB" dirty="0" smtClean="0"/>
           </a:p>
           <a:p>
-            <a:r>
-              <a:rPr lang="en-GB" i="1" dirty="0" smtClean="0"/>
-              <a:t>constructors</a:t>
-            </a:r>
-            <a:r>
-              <a:rPr lang="en-GB" dirty="0" smtClean="0"/>
-              <a:t> – </a:t>
-            </a:r>
-            <a:r>
-              <a:rPr lang="en-GB" i="1" dirty="0" smtClean="0"/>
-              <a:t>i.e. Number, Sum</a:t>
-            </a:r>
-          </a:p>
-          <a:p>
-            <a:r>
-              <a:rPr lang="en-GB" i="1" dirty="0"/>
-              <a:t>v</a:t>
-            </a:r>
-            <a:r>
-              <a:rPr lang="en-GB" i="1" dirty="0" smtClean="0"/>
-              <a:t>ariables – i.e. n, e1, e2</a:t>
-            </a:r>
-          </a:p>
-          <a:p>
-            <a:r>
-              <a:rPr lang="en-GB" i="1" dirty="0"/>
-              <a:t>w</a:t>
-            </a:r>
-            <a:r>
-              <a:rPr lang="en-GB" i="1" dirty="0" smtClean="0"/>
-              <a:t>ildcard patterns – i.e. _</a:t>
-            </a:r>
-          </a:p>
-          <a:p>
-            <a:r>
-              <a:rPr lang="en-GB" i="1" dirty="0"/>
-              <a:t>c</a:t>
-            </a:r>
-            <a:r>
-              <a:rPr lang="en-GB" i="1" dirty="0" smtClean="0"/>
-              <a:t>onstants – i.e. 1, true</a:t>
-            </a:r>
-          </a:p>
-          <a:p>
-            <a:pPr marL="0" indent="0">
-              <a:buNone/>
-            </a:pPr>
-            <a:endParaRPr lang="en-GB" i="1" dirty="0"/>
-          </a:p>
-          <a:p>
-            <a:pPr marL="0" indent="0">
-              <a:buNone/>
-            </a:pPr>
-            <a:r>
-              <a:rPr lang="en-GB" dirty="0" smtClean="0"/>
-              <a:t>Note: The name of a variable can only appear once in a pattern. So, </a:t>
-            </a:r>
-            <a:r>
-              <a:rPr lang="en-GB" i="1" dirty="0" smtClean="0"/>
-              <a:t>Sum(x, </a:t>
-            </a:r>
-            <a:r>
-              <a:rPr lang="en-GB" i="1" dirty="0"/>
-              <a:t>x</a:t>
-            </a:r>
-            <a:r>
-              <a:rPr lang="en-GB" i="1" dirty="0" smtClean="0"/>
-              <a:t>) </a:t>
-            </a:r>
-            <a:r>
-              <a:rPr lang="en-GB" dirty="0" smtClean="0"/>
-              <a:t>is not a legal pattern!</a:t>
-            </a:r>
+            <a:pPr marL="457200" lvl="1" indent="0">
+              <a:buNone/>
+            </a:pPr>
+            <a:r>
+              <a:rPr lang="en-GB" dirty="0" smtClean="0"/>
+              <a:t>expr match {</a:t>
+            </a:r>
+          </a:p>
+          <a:p>
+            <a:pPr marL="457200" lvl="1" indent="0">
+              <a:buNone/>
+            </a:pPr>
+            <a:r>
+              <a:rPr lang="en-GB" dirty="0" smtClean="0"/>
+              <a:t>	case pattern1 =&gt; expr1</a:t>
+            </a:r>
+          </a:p>
+          <a:p>
+            <a:pPr marL="457200" lvl="1" indent="0">
+              <a:buNone/>
+            </a:pPr>
+            <a:r>
+              <a:rPr lang="en-GB" dirty="0" smtClean="0"/>
+              <a:t>	case pattern2 =&gt; expr2</a:t>
+            </a:r>
+          </a:p>
+          <a:p>
+            <a:pPr marL="457200" lvl="1" indent="0">
+              <a:buNone/>
+            </a:pPr>
+            <a:r>
+              <a:rPr lang="en-GB" dirty="0"/>
+              <a:t>	</a:t>
+            </a:r>
+            <a:r>
+              <a:rPr lang="en-GB" dirty="0" smtClean="0"/>
+              <a:t>…</a:t>
+            </a:r>
+          </a:p>
+          <a:p>
+            <a:pPr marL="457200" lvl="1" indent="0">
+              <a:buNone/>
+            </a:pPr>
+            <a:r>
+              <a:rPr lang="en-GB" dirty="0"/>
+              <a:t>	</a:t>
+            </a:r>
+            <a:r>
+              <a:rPr lang="en-GB" dirty="0" smtClean="0"/>
+              <a:t>case </a:t>
+            </a:r>
+            <a:r>
+              <a:rPr lang="en-GB" dirty="0" err="1" smtClean="0"/>
+              <a:t>patternN</a:t>
+            </a:r>
+            <a:r>
+              <a:rPr lang="en-GB" dirty="0" smtClean="0"/>
+              <a:t> =&gt; </a:t>
+            </a:r>
+            <a:r>
+              <a:rPr lang="en-GB" dirty="0" err="1" smtClean="0"/>
+              <a:t>exprN</a:t>
+            </a:r>
+            <a:endParaRPr lang="en-GB" dirty="0"/>
+          </a:p>
+          <a:p>
+            <a:pPr marL="457200" lvl="1" indent="0">
+              <a:buNone/>
+            </a:pPr>
+            <a:r>
+              <a:rPr lang="en-GB" dirty="0" smtClean="0"/>
+              <a:t>}</a:t>
+            </a:r>
+            <a:endParaRPr lang="en-GB" dirty="0"/>
+          </a:p>
+          <a:p>
+            <a:pPr lvl="1"/>
+            <a:endParaRPr lang="en-GB" dirty="0" smtClean="0"/>
+          </a:p>
+          <a:p>
+            <a:pPr marL="0" indent="0">
+              <a:buNone/>
+            </a:pPr>
+            <a:r>
+              <a:rPr lang="en-GB" dirty="0" smtClean="0"/>
+              <a:t>Note: a </a:t>
+            </a:r>
+            <a:r>
+              <a:rPr lang="en-GB" i="1" dirty="0" err="1" smtClean="0"/>
+              <a:t>MatchError</a:t>
+            </a:r>
+            <a:r>
+              <a:rPr lang="en-GB" dirty="0" smtClean="0"/>
+              <a:t> exception is thrown if there is no matching!</a:t>
+            </a:r>
+          </a:p>
+          <a:p>
             <a:endParaRPr lang="en-GB" dirty="0"/>
           </a:p>
         </p:txBody>
@@ -4965,7 +5528,7 @@
     </p:spTree>
     <p:extLst>
       <p:ext uri="{BB962C8B-B14F-4D97-AF65-F5344CB8AC3E}">
-        <p14:creationId xmlns:p14="http://schemas.microsoft.com/office/powerpoint/2010/main" val="506310539"/>
+        <p14:creationId xmlns:p14="http://schemas.microsoft.com/office/powerpoint/2010/main" val="176017126"/>
       </p:ext>
     </p:extLst>
   </p:cSld>
@@ -5004,6 +5567,148 @@
         </p:nvSpPr>
         <p:spPr>
           <a:xfrm>
+            <a:off x="838200" y="1052713"/>
+            <a:ext cx="10515600" cy="5124250"/>
+          </a:xfrm>
+        </p:spPr>
+        <p:txBody>
+          <a:bodyPr/>
+          <a:lstStyle/>
+          <a:p>
+            <a:pPr marL="0" indent="0">
+              <a:buNone/>
+            </a:pPr>
+            <a:r>
+              <a:rPr lang="en-GB" dirty="0" smtClean="0"/>
+              <a:t>Forms of patterns</a:t>
+            </a:r>
+          </a:p>
+          <a:p>
+            <a:pPr marL="0" indent="0">
+              <a:buNone/>
+            </a:pPr>
+            <a:endParaRPr lang="en-GB" dirty="0" smtClean="0"/>
+          </a:p>
+          <a:p>
+            <a:r>
+              <a:rPr lang="en-GB" i="1" dirty="0" smtClean="0"/>
+              <a:t>constructors</a:t>
+            </a:r>
+            <a:r>
+              <a:rPr lang="en-GB" dirty="0" smtClean="0"/>
+              <a:t> – </a:t>
+            </a:r>
+            <a:r>
+              <a:rPr lang="en-GB" i="1" dirty="0" smtClean="0"/>
+              <a:t>i.e. Number, Sum</a:t>
+            </a:r>
+          </a:p>
+          <a:p>
+            <a:r>
+              <a:rPr lang="en-GB" i="1" dirty="0"/>
+              <a:t>v</a:t>
+            </a:r>
+            <a:r>
+              <a:rPr lang="en-GB" i="1" dirty="0" smtClean="0"/>
+              <a:t>ariables – i.e. n, e1, e2</a:t>
+            </a:r>
+          </a:p>
+          <a:p>
+            <a:r>
+              <a:rPr lang="en-GB" i="1" dirty="0"/>
+              <a:t>w</a:t>
+            </a:r>
+            <a:r>
+              <a:rPr lang="en-GB" i="1" dirty="0" smtClean="0"/>
+              <a:t>ildcard patterns – i.e. _</a:t>
+            </a:r>
+          </a:p>
+          <a:p>
+            <a:r>
+              <a:rPr lang="en-GB" i="1" dirty="0"/>
+              <a:t>c</a:t>
+            </a:r>
+            <a:r>
+              <a:rPr lang="en-GB" i="1" dirty="0" smtClean="0"/>
+              <a:t>onstants – i.e. 1, true</a:t>
+            </a:r>
+          </a:p>
+          <a:p>
+            <a:pPr marL="0" indent="0">
+              <a:buNone/>
+            </a:pPr>
+            <a:endParaRPr lang="en-GB" i="1" dirty="0"/>
+          </a:p>
+          <a:p>
+            <a:pPr marL="0" indent="0">
+              <a:buNone/>
+            </a:pPr>
+            <a:r>
+              <a:rPr lang="en-GB" dirty="0" smtClean="0"/>
+              <a:t>Note: The name of a variable can only appear once in a pattern. So, </a:t>
+            </a:r>
+            <a:r>
+              <a:rPr lang="en-GB" i="1" dirty="0" smtClean="0"/>
+              <a:t>Sum(x, </a:t>
+            </a:r>
+            <a:r>
+              <a:rPr lang="en-GB" i="1" dirty="0"/>
+              <a:t>x</a:t>
+            </a:r>
+            <a:r>
+              <a:rPr lang="en-GB" i="1" dirty="0" smtClean="0"/>
+              <a:t>) </a:t>
+            </a:r>
+            <a:r>
+              <a:rPr lang="en-GB" dirty="0" smtClean="0"/>
+              <a:t>is not a legal pattern!</a:t>
+            </a:r>
+            <a:endParaRPr lang="en-GB" dirty="0"/>
+          </a:p>
+        </p:txBody>
+      </p:sp>
+    </p:spTree>
+    <p:extLst>
+      <p:ext uri="{BB962C8B-B14F-4D97-AF65-F5344CB8AC3E}">
+        <p14:creationId xmlns:p14="http://schemas.microsoft.com/office/powerpoint/2010/main" val="506310539"/>
+      </p:ext>
+    </p:extLst>
+  </p:cSld>
+  <p:clrMapOvr>
+    <a:masterClrMapping/>
+  </p:clrMapOvr>
+</p:sld>
+</file>
+
+<file path=ppt/slides/slide18.xml><?xml version="1.0" encoding="utf-8"?>
+<p:sld xmlns:a="http://schemas.openxmlformats.org/drawingml/2006/main" xmlns:r="http://schemas.openxmlformats.org/officeDocument/2006/relationships" xmlns:p="http://schemas.openxmlformats.org/presentationml/2006/main">
+  <p:cSld>
+    <p:spTree>
+      <p:nvGrpSpPr>
+        <p:cNvPr id="1" name=""/>
+        <p:cNvGrpSpPr/>
+        <p:nvPr/>
+      </p:nvGrpSpPr>
+      <p:grpSpPr>
+        <a:xfrm>
+          <a:off x="0" y="0"/>
+          <a:ext cx="0" cy="0"/>
+          <a:chOff x="0" y="0"/>
+          <a:chExt cx="0" cy="0"/>
+        </a:xfrm>
+      </p:grpSpPr>
+      <p:sp>
+        <p:nvSpPr>
+          <p:cNvPr id="3" name="Content Placeholder 2"/>
+          <p:cNvSpPr>
+            <a:spLocks noGrp="1"/>
+          </p:cNvSpPr>
+          <p:nvPr>
+            <p:ph idx="1"/>
+          </p:nvPr>
+        </p:nvSpPr>
+        <p:spPr>
+          <a:xfrm>
             <a:off x="838200" y="622408"/>
             <a:ext cx="10515600" cy="5554556"/>
           </a:xfrm>
@@ -5280,7 +5985,7 @@
 </p:sld>
 </file>
 
-<file path=ppt/slides/slide18.xml><?xml version="1.0" encoding="utf-8"?>
+<file path=ppt/slides/slide19.xml><?xml version="1.0" encoding="utf-8"?>
 <p:sld xmlns:a="http://schemas.openxmlformats.org/drawingml/2006/main" xmlns:r="http://schemas.openxmlformats.org/officeDocument/2006/relationships" xmlns:p="http://schemas.openxmlformats.org/presentationml/2006/main">
   <p:cSld>
     <p:spTree>
@@ -5382,6 +6087,205 @@
           <a:p>
             <a:r>
               <a:rPr lang="en-GB" dirty="0" smtClean="0"/>
+              <a:t>Setup</a:t>
+            </a:r>
+            <a:endParaRPr lang="en-GB" dirty="0"/>
+          </a:p>
+        </p:txBody>
+      </p:sp>
+      <p:sp>
+        <p:nvSpPr>
+          <p:cNvPr id="3" name="Content Placeholder 2"/>
+          <p:cNvSpPr>
+            <a:spLocks noGrp="1"/>
+          </p:cNvSpPr>
+          <p:nvPr>
+            <p:ph idx="1"/>
+          </p:nvPr>
+        </p:nvSpPr>
+        <p:spPr/>
+        <p:txBody>
+          <a:bodyPr>
+            <a:normAutofit fontScale="92500" lnSpcReduction="20000"/>
+          </a:bodyPr>
+          <a:lstStyle/>
+          <a:p>
+            <a:r>
+              <a:rPr lang="en-GB" dirty="0" smtClean="0"/>
+              <a:t>Install </a:t>
+            </a:r>
+            <a:r>
+              <a:rPr lang="en-GB" dirty="0"/>
+              <a:t>JDK 1.8 - </a:t>
+            </a:r>
+            <a:r>
+              <a:rPr lang="en-GB" dirty="0">
+                <a:hlinkClick r:id="rId2"/>
+              </a:rPr>
+              <a:t>https://</a:t>
+            </a:r>
+            <a:r>
+              <a:rPr lang="en-GB" dirty="0" smtClean="0">
+                <a:hlinkClick r:id="rId2"/>
+              </a:rPr>
+              <a:t>www.oracle.com/technetwork/java/javase/downloads/jdk8-downloads-2133151.html</a:t>
+            </a:r>
+            <a:endParaRPr lang="en-GB" dirty="0" smtClean="0"/>
+          </a:p>
+          <a:p>
+            <a:endParaRPr lang="en-GB" dirty="0" smtClean="0"/>
+          </a:p>
+          <a:p>
+            <a:r>
+              <a:rPr lang="en-GB" dirty="0" smtClean="0"/>
+              <a:t>Install </a:t>
+            </a:r>
+            <a:r>
+              <a:rPr lang="en-GB" dirty="0"/>
+              <a:t>SBT - </a:t>
+            </a:r>
+            <a:r>
+              <a:rPr lang="en-GB" dirty="0">
+                <a:hlinkClick r:id="rId3"/>
+              </a:rPr>
+              <a:t>https://</a:t>
+            </a:r>
+            <a:r>
+              <a:rPr lang="en-GB" dirty="0" smtClean="0">
+                <a:hlinkClick r:id="rId3"/>
+              </a:rPr>
+              <a:t>www.scala-sbt.org/1.x/docs/Installing-sbt-on-Windows.html</a:t>
+            </a:r>
+            <a:endParaRPr lang="en-GB" dirty="0" smtClean="0"/>
+          </a:p>
+          <a:p>
+            <a:endParaRPr lang="en-GB" dirty="0" smtClean="0"/>
+          </a:p>
+          <a:p>
+            <a:r>
+              <a:rPr lang="en-GB" dirty="0" smtClean="0"/>
+              <a:t>Install </a:t>
+            </a:r>
+            <a:r>
+              <a:rPr lang="en-GB" dirty="0"/>
+              <a:t>IDE of your choice - </a:t>
+            </a:r>
+            <a:r>
+              <a:rPr lang="en-GB" dirty="0">
+                <a:hlinkClick r:id="rId4"/>
+              </a:rPr>
+              <a:t>https://www.jetbrains.com/idea/download/#</a:t>
+            </a:r>
+            <a:r>
+              <a:rPr lang="en-GB" dirty="0" smtClean="0">
+                <a:hlinkClick r:id="rId4"/>
+              </a:rPr>
+              <a:t>section=windows</a:t>
+            </a:r>
+            <a:endParaRPr lang="en-GB" dirty="0" smtClean="0"/>
+          </a:p>
+          <a:p>
+            <a:pPr marL="0" indent="0">
+              <a:buNone/>
+            </a:pPr>
+            <a:r>
+              <a:rPr lang="en-GB" dirty="0"/>
+              <a:t> </a:t>
+            </a:r>
+            <a:r>
+              <a:rPr lang="en-GB" dirty="0" smtClean="0"/>
+              <a:t>  Note</a:t>
+            </a:r>
+            <a:r>
+              <a:rPr lang="en-GB" dirty="0"/>
+              <a:t>: add the </a:t>
+            </a:r>
+            <a:r>
+              <a:rPr lang="en-GB" dirty="0" err="1"/>
+              <a:t>scala</a:t>
+            </a:r>
+            <a:r>
+              <a:rPr lang="en-GB" dirty="0"/>
+              <a:t> </a:t>
+            </a:r>
+            <a:r>
+              <a:rPr lang="en-GB" dirty="0" smtClean="0"/>
+              <a:t>plugin</a:t>
+            </a:r>
+          </a:p>
+          <a:p>
+            <a:pPr marL="0" indent="0">
+              <a:buNone/>
+            </a:pPr>
+            <a:endParaRPr lang="en-GB" dirty="0" smtClean="0"/>
+          </a:p>
+          <a:p>
+            <a:r>
+              <a:rPr lang="en-GB" dirty="0" smtClean="0"/>
+              <a:t>Create </a:t>
+            </a:r>
+            <a:r>
+              <a:rPr lang="en-GB" dirty="0"/>
+              <a:t>New Project -&gt; Scala </a:t>
+            </a:r>
+            <a:r>
+              <a:rPr lang="en-GB" dirty="0" err="1"/>
+              <a:t>sbt</a:t>
+            </a:r>
+            <a:r>
+              <a:rPr lang="en-GB" dirty="0"/>
+              <a:t> -&gt; HelloWorld</a:t>
+            </a:r>
+          </a:p>
+        </p:txBody>
+      </p:sp>
+    </p:spTree>
+    <p:extLst>
+      <p:ext uri="{BB962C8B-B14F-4D97-AF65-F5344CB8AC3E}">
+        <p14:creationId xmlns:p14="http://schemas.microsoft.com/office/powerpoint/2010/main" val="4234229147"/>
+      </p:ext>
+    </p:extLst>
+  </p:cSld>
+  <p:clrMapOvr>
+    <a:masterClrMapping/>
+  </p:clrMapOvr>
+</p:sld>
+</file>
+
+<file path=ppt/slides/slide3.xml><?xml version="1.0" encoding="utf-8"?>
+<p:sld xmlns:a="http://schemas.openxmlformats.org/drawingml/2006/main" xmlns:r="http://schemas.openxmlformats.org/officeDocument/2006/relationships" xmlns:p="http://schemas.openxmlformats.org/presentationml/2006/main">
+  <p:cSld>
+    <p:spTree>
+      <p:nvGrpSpPr>
+        <p:cNvPr id="1" name=""/>
+        <p:cNvGrpSpPr/>
+        <p:nvPr/>
+      </p:nvGrpSpPr>
+      <p:grpSpPr>
+        <a:xfrm>
+          <a:off x="0" y="0"/>
+          <a:ext cx="0" cy="0"/>
+          <a:chOff x="0" y="0"/>
+          <a:chExt cx="0" cy="0"/>
+        </a:xfrm>
+      </p:grpSpPr>
+      <p:sp>
+        <p:nvSpPr>
+          <p:cNvPr id="2" name="Title 1"/>
+          <p:cNvSpPr>
+            <a:spLocks noGrp="1"/>
+          </p:cNvSpPr>
+          <p:nvPr>
+            <p:ph type="title"/>
+          </p:nvPr>
+        </p:nvSpPr>
+        <p:spPr/>
+        <p:txBody>
+          <a:bodyPr/>
+          <a:lstStyle/>
+          <a:p>
+            <a:r>
+              <a:rPr lang="en-GB" dirty="0" smtClean="0"/>
               <a:t>Programming paradigms</a:t>
             </a:r>
             <a:endParaRPr lang="en-GB" dirty="0"/>
@@ -5513,281 +6417,6 @@
 </p:sld>
 </file>
 
-<file path=ppt/slides/slide3.xml><?xml version="1.0" encoding="utf-8"?>
-<p:sld xmlns:a="http://schemas.openxmlformats.org/drawingml/2006/main" xmlns:r="http://schemas.openxmlformats.org/officeDocument/2006/relationships" xmlns:p="http://schemas.openxmlformats.org/presentationml/2006/main">
-  <p:cSld>
-    <p:spTree>
-      <p:nvGrpSpPr>
-        <p:cNvPr id="1" name=""/>
-        <p:cNvGrpSpPr/>
-        <p:nvPr/>
-      </p:nvGrpSpPr>
-      <p:grpSpPr>
-        <a:xfrm>
-          <a:off x="0" y="0"/>
-          <a:ext cx="0" cy="0"/>
-          <a:chOff x="0" y="0"/>
-          <a:chExt cx="0" cy="0"/>
-        </a:xfrm>
-      </p:grpSpPr>
-      <p:sp>
-        <p:nvSpPr>
-          <p:cNvPr id="3" name="Content Placeholder 2"/>
-          <p:cNvSpPr>
-            <a:spLocks noGrp="1"/>
-          </p:cNvSpPr>
-          <p:nvPr>
-            <p:ph idx="1"/>
-          </p:nvPr>
-        </p:nvSpPr>
-        <p:spPr>
-          <a:xfrm>
-            <a:off x="838200" y="711200"/>
-            <a:ext cx="10515600" cy="5465763"/>
-          </a:xfrm>
-        </p:spPr>
-        <p:txBody>
-          <a:bodyPr>
-            <a:normAutofit lnSpcReduction="10000"/>
-          </a:bodyPr>
-          <a:lstStyle/>
-          <a:p>
-            <a:r>
-              <a:rPr lang="en-GB" dirty="0" smtClean="0"/>
-              <a:t>Declarative</a:t>
-            </a:r>
-          </a:p>
-          <a:p>
-            <a:endParaRPr lang="en-GB" sz="1100" dirty="0" smtClean="0"/>
-          </a:p>
-          <a:p>
-            <a:pPr lvl="1"/>
-            <a:r>
-              <a:rPr lang="en-GB" dirty="0" smtClean="0"/>
-              <a:t>The </a:t>
-            </a:r>
-            <a:r>
-              <a:rPr lang="en-GB" dirty="0"/>
-              <a:t>programmer states only </a:t>
-            </a:r>
-            <a:r>
-              <a:rPr lang="en-GB" i="1" dirty="0"/>
-              <a:t>what</a:t>
-            </a:r>
-            <a:r>
-              <a:rPr lang="en-GB" dirty="0"/>
-              <a:t> the result should look like</a:t>
-            </a:r>
-            <a:r>
-              <a:rPr lang="en-GB" dirty="0" smtClean="0"/>
-              <a:t>, </a:t>
-            </a:r>
-            <a:r>
-              <a:rPr lang="en-GB" b="1" dirty="0" smtClean="0"/>
-              <a:t>NOT</a:t>
-            </a:r>
-            <a:r>
-              <a:rPr lang="en-GB" dirty="0"/>
-              <a:t> </a:t>
-            </a:r>
-            <a:r>
-              <a:rPr lang="en-GB" i="1" dirty="0"/>
-              <a:t>how</a:t>
-            </a:r>
-            <a:r>
-              <a:rPr lang="en-GB" dirty="0"/>
-              <a:t> to obtain </a:t>
-            </a:r>
-            <a:r>
-              <a:rPr lang="en-GB" dirty="0" smtClean="0"/>
-              <a:t>it</a:t>
-            </a:r>
-          </a:p>
-          <a:p>
-            <a:pPr lvl="1"/>
-            <a:endParaRPr lang="en-GB" sz="1100" dirty="0" smtClean="0"/>
-          </a:p>
-          <a:p>
-            <a:pPr lvl="1"/>
-            <a:r>
-              <a:rPr lang="en-GB" dirty="0" smtClean="0"/>
-              <a:t>Subcategories:</a:t>
-            </a:r>
-          </a:p>
-          <a:p>
-            <a:pPr lvl="2"/>
-            <a:r>
-              <a:rPr lang="en-GB" dirty="0" smtClean="0"/>
-              <a:t>Functional</a:t>
-            </a:r>
-          </a:p>
-          <a:p>
-            <a:pPr lvl="3"/>
-            <a:r>
-              <a:rPr lang="en-GB" dirty="0" smtClean="0"/>
-              <a:t>The control </a:t>
-            </a:r>
-            <a:r>
-              <a:rPr lang="en-GB" dirty="0"/>
-              <a:t>flow is expressed </a:t>
-            </a:r>
-            <a:r>
-              <a:rPr lang="en-GB" dirty="0" smtClean="0"/>
-              <a:t>via function </a:t>
-            </a:r>
-            <a:r>
-              <a:rPr lang="en-GB" dirty="0"/>
-              <a:t>calls, rather than by assigning values to </a:t>
-            </a:r>
-            <a:r>
-              <a:rPr lang="en-GB" dirty="0" smtClean="0"/>
-              <a:t>variables</a:t>
-            </a:r>
-          </a:p>
-          <a:p>
-            <a:pPr lvl="3"/>
-            <a:r>
-              <a:rPr lang="en-GB" dirty="0" smtClean="0"/>
-              <a:t>Advantages:</a:t>
-            </a:r>
-          </a:p>
-          <a:p>
-            <a:pPr lvl="4"/>
-            <a:r>
-              <a:rPr lang="en-GB" dirty="0" smtClean="0"/>
-              <a:t>the lack </a:t>
-            </a:r>
-            <a:r>
-              <a:rPr lang="en-GB" dirty="0"/>
-              <a:t>of dependence on assignment </a:t>
-            </a:r>
-            <a:r>
-              <a:rPr lang="en-GB" dirty="0" smtClean="0"/>
-              <a:t>operations allows </a:t>
-            </a:r>
-            <a:r>
-              <a:rPr lang="en-GB" dirty="0"/>
-              <a:t>programs to be evaluated in many different orders. </a:t>
-            </a:r>
-            <a:endParaRPr lang="en-GB" dirty="0" smtClean="0"/>
-          </a:p>
-          <a:p>
-            <a:pPr lvl="4"/>
-            <a:r>
-              <a:rPr lang="en-GB" dirty="0" smtClean="0"/>
-              <a:t>the evaluation </a:t>
-            </a:r>
-            <a:r>
-              <a:rPr lang="en-GB" dirty="0"/>
-              <a:t>order independence makes </a:t>
-            </a:r>
-            <a:r>
-              <a:rPr lang="en-GB" dirty="0" smtClean="0"/>
-              <a:t>it a good candidate </a:t>
-            </a:r>
-            <a:r>
-              <a:rPr lang="en-GB" dirty="0"/>
-              <a:t>for </a:t>
-            </a:r>
-            <a:r>
-              <a:rPr lang="en-GB" dirty="0" smtClean="0"/>
-              <a:t>parallel programming</a:t>
-            </a:r>
-          </a:p>
-          <a:p>
-            <a:pPr lvl="3"/>
-            <a:r>
-              <a:rPr lang="en-GB" dirty="0" smtClean="0"/>
-              <a:t>Examples: JavaScript, Haskell, </a:t>
-            </a:r>
-            <a:r>
-              <a:rPr lang="en-GB" dirty="0" err="1" smtClean="0"/>
-              <a:t>Erlang</a:t>
-            </a:r>
-            <a:r>
-              <a:rPr lang="en-GB" dirty="0" smtClean="0"/>
-              <a:t>, </a:t>
-            </a:r>
-            <a:r>
-              <a:rPr lang="en-GB" dirty="0" err="1" smtClean="0"/>
-              <a:t>Clojure</a:t>
-            </a:r>
-            <a:r>
-              <a:rPr lang="en-GB" dirty="0" smtClean="0"/>
-              <a:t>, Scala</a:t>
-            </a:r>
-          </a:p>
-          <a:p>
-            <a:pPr lvl="3"/>
-            <a:endParaRPr lang="en-GB" dirty="0" smtClean="0"/>
-          </a:p>
-          <a:p>
-            <a:pPr lvl="2"/>
-            <a:r>
-              <a:rPr lang="en-GB" dirty="0" smtClean="0"/>
-              <a:t>Logic</a:t>
-            </a:r>
-          </a:p>
-          <a:p>
-            <a:pPr lvl="3"/>
-            <a:r>
-              <a:rPr lang="en-GB" dirty="0"/>
-              <a:t>programs are built by setting up relations that specify </a:t>
-            </a:r>
-            <a:r>
-              <a:rPr lang="en-GB" b="1" dirty="0"/>
-              <a:t>facts</a:t>
-            </a:r>
-            <a:r>
-              <a:rPr lang="en-GB" dirty="0"/>
-              <a:t> and inference </a:t>
-            </a:r>
-            <a:r>
-              <a:rPr lang="en-GB" b="1" dirty="0"/>
-              <a:t>rules</a:t>
-            </a:r>
-            <a:r>
-              <a:rPr lang="en-GB" dirty="0"/>
-              <a:t>, and asking whether or not something is </a:t>
-            </a:r>
-            <a:r>
-              <a:rPr lang="en-GB" b="1" dirty="0" smtClean="0"/>
-              <a:t>true</a:t>
-            </a:r>
-          </a:p>
-          <a:p>
-            <a:pPr lvl="3"/>
-            <a:r>
-              <a:rPr lang="en-GB" dirty="0" smtClean="0"/>
-              <a:t>Examples: </a:t>
-            </a:r>
-            <a:r>
-              <a:rPr lang="en-GB" dirty="0" err="1" smtClean="0"/>
-              <a:t>Prolog</a:t>
-            </a:r>
-            <a:r>
-              <a:rPr lang="en-GB" dirty="0" smtClean="0"/>
-              <a:t>, Mercury</a:t>
-            </a:r>
-          </a:p>
-          <a:p>
-            <a:endParaRPr lang="en-GB" dirty="0"/>
-          </a:p>
-        </p:txBody>
-      </p:sp>
-    </p:spTree>
-    <p:extLst>
-      <p:ext uri="{BB962C8B-B14F-4D97-AF65-F5344CB8AC3E}">
-        <p14:creationId xmlns:p14="http://schemas.microsoft.com/office/powerpoint/2010/main" val="3602558339"/>
-      </p:ext>
-    </p:extLst>
-  </p:cSld>
-  <p:clrMapOvr>
-    <a:masterClrMapping/>
-  </p:clrMapOvr>
-</p:sld>
-</file>
-
 <file path=ppt/slides/slide4.xml><?xml version="1.0" encoding="utf-8"?>
 <p:sld xmlns:a="http://schemas.openxmlformats.org/drawingml/2006/main" xmlns:r="http://schemas.openxmlformats.org/officeDocument/2006/relationships" xmlns:p="http://schemas.openxmlformats.org/presentationml/2006/main">
   <p:cSld>
@@ -5807,114 +6436,245 @@
       </p:grpSpPr>
       <p:sp>
         <p:nvSpPr>
-          <p:cNvPr id="2" name="Title 1"/>
-          <p:cNvSpPr>
-            <a:spLocks noGrp="1"/>
-          </p:cNvSpPr>
-          <p:nvPr>
-            <p:ph type="title"/>
-          </p:nvPr>
-        </p:nvSpPr>
-        <p:spPr/>
-        <p:txBody>
-          <a:bodyPr/>
+          <p:cNvPr id="3" name="Content Placeholder 2"/>
+          <p:cNvSpPr>
+            <a:spLocks noGrp="1"/>
+          </p:cNvSpPr>
+          <p:nvPr>
+            <p:ph idx="1"/>
+          </p:nvPr>
+        </p:nvSpPr>
+        <p:spPr>
+          <a:xfrm>
+            <a:off x="838200" y="711200"/>
+            <a:ext cx="10515600" cy="5465763"/>
+          </a:xfrm>
+        </p:spPr>
+        <p:txBody>
+          <a:bodyPr>
+            <a:normAutofit lnSpcReduction="10000"/>
+          </a:bodyPr>
           <a:lstStyle/>
           <a:p>
             <a:r>
               <a:rPr lang="en-GB" dirty="0" smtClean="0"/>
-              <a:t>Statements vs Expressions</a:t>
-            </a:r>
-            <a:endParaRPr lang="en-GB" dirty="0"/>
-          </a:p>
-        </p:txBody>
-      </p:sp>
-      <p:sp>
-        <p:nvSpPr>
-          <p:cNvPr id="3" name="Content Placeholder 2"/>
-          <p:cNvSpPr>
-            <a:spLocks noGrp="1"/>
-          </p:cNvSpPr>
-          <p:nvPr>
-            <p:ph idx="1"/>
-          </p:nvPr>
-        </p:nvSpPr>
-        <p:spPr/>
-        <p:txBody>
-          <a:bodyPr/>
-          <a:lstStyle/>
-          <a:p>
-            <a:r>
-              <a:rPr lang="en-GB" dirty="0" smtClean="0"/>
-              <a:t>Statement</a:t>
-            </a:r>
+              <a:t>Declarative</a:t>
+            </a:r>
+          </a:p>
+          <a:p>
+            <a:endParaRPr lang="en-GB" sz="1100" dirty="0" smtClean="0"/>
           </a:p>
           <a:p>
             <a:pPr lvl="1"/>
             <a:r>
               <a:rPr lang="en-GB" dirty="0" smtClean="0"/>
-              <a:t>Piece of code that performs some action</a:t>
+              <a:t>The </a:t>
+            </a:r>
+            <a:r>
+              <a:rPr lang="en-GB" dirty="0"/>
+              <a:t>programmer states only </a:t>
+            </a:r>
+            <a:r>
+              <a:rPr lang="en-GB" i="1" dirty="0"/>
+              <a:t>what</a:t>
+            </a:r>
+            <a:r>
+              <a:rPr lang="en-GB" dirty="0"/>
+              <a:t> the result should look like</a:t>
+            </a:r>
+            <a:r>
+              <a:rPr lang="en-GB" dirty="0" smtClean="0"/>
+              <a:t>, </a:t>
+            </a:r>
+            <a:r>
+              <a:rPr lang="en-GB" b="1" dirty="0" smtClean="0"/>
+              <a:t>NOT</a:t>
+            </a:r>
+            <a:r>
+              <a:rPr lang="en-GB" dirty="0"/>
+              <a:t> </a:t>
+            </a:r>
+            <a:r>
+              <a:rPr lang="en-GB" i="1" dirty="0"/>
+              <a:t>how</a:t>
+            </a:r>
+            <a:r>
+              <a:rPr lang="en-GB" dirty="0"/>
+              <a:t> to obtain </a:t>
+            </a:r>
+            <a:r>
+              <a:rPr lang="en-GB" dirty="0" smtClean="0"/>
+              <a:t>it</a:t>
             </a:r>
           </a:p>
           <a:p>
             <a:pPr lvl="1"/>
-            <a:r>
-              <a:rPr lang="en-GB" dirty="0" smtClean="0"/>
-              <a:t>It changes program state</a:t>
-            </a:r>
+            <a:endParaRPr lang="en-GB" sz="1100" dirty="0" smtClean="0"/>
           </a:p>
           <a:p>
             <a:pPr lvl="1"/>
             <a:r>
               <a:rPr lang="en-GB" dirty="0" smtClean="0"/>
-              <a:t>Is the </a:t>
+              <a:t>Subcategories:</a:t>
+            </a:r>
+          </a:p>
+          <a:p>
+            <a:pPr lvl="2"/>
+            <a:r>
+              <a:rPr lang="en-GB" dirty="0" smtClean="0"/>
+              <a:t>Functional</a:t>
+            </a:r>
+          </a:p>
+          <a:p>
+            <a:pPr lvl="3"/>
+            <a:r>
+              <a:rPr lang="en-GB" dirty="0" smtClean="0"/>
+              <a:t>The control </a:t>
             </a:r>
             <a:r>
               <a:rPr lang="en-GB" dirty="0"/>
-              <a:t>syntactic unit of </a:t>
-            </a:r>
-            <a:r>
-              <a:rPr lang="en-GB" dirty="0" smtClean="0"/>
-              <a:t>the imperative programming language </a:t>
-            </a:r>
-          </a:p>
-          <a:p>
-            <a:pPr lvl="1"/>
+              <a:t>flow is expressed </a:t>
+            </a:r>
+            <a:r>
+              <a:rPr lang="en-GB" dirty="0" smtClean="0"/>
+              <a:t>via function </a:t>
+            </a:r>
+            <a:r>
+              <a:rPr lang="en-GB" dirty="0"/>
+              <a:t>calls, rather than by assigning values to </a:t>
+            </a:r>
+            <a:r>
+              <a:rPr lang="en-GB" dirty="0" smtClean="0"/>
+              <a:t>variables</a:t>
+            </a:r>
+          </a:p>
+          <a:p>
+            <a:pPr lvl="3"/>
+            <a:r>
+              <a:rPr lang="en-GB" dirty="0" smtClean="0"/>
+              <a:t>Advantages:</a:t>
+            </a:r>
+          </a:p>
+          <a:p>
+            <a:pPr lvl="4"/>
+            <a:r>
+              <a:rPr lang="en-GB" dirty="0" smtClean="0"/>
+              <a:t>the lack </a:t>
+            </a:r>
+            <a:r>
+              <a:rPr lang="en-GB" dirty="0"/>
+              <a:t>of dependence on assignment </a:t>
+            </a:r>
+            <a:r>
+              <a:rPr lang="en-GB" dirty="0" smtClean="0"/>
+              <a:t>operations allows </a:t>
+            </a:r>
+            <a:r>
+              <a:rPr lang="en-GB" dirty="0"/>
+              <a:t>programs to be evaluated in many different orders. </a:t>
+            </a:r>
             <a:endParaRPr lang="en-GB" dirty="0" smtClean="0"/>
           </a:p>
           <a:p>
-            <a:r>
-              <a:rPr lang="en-GB" dirty="0" smtClean="0"/>
-              <a:t>Expression</a:t>
-            </a:r>
-          </a:p>
-          <a:p>
-            <a:pPr lvl="1"/>
-            <a:r>
-              <a:rPr lang="en-GB" dirty="0" smtClean="0"/>
-              <a:t>Piece of code that evaluates to a value</a:t>
-            </a:r>
-          </a:p>
-          <a:p>
-            <a:pPr lvl="1"/>
-            <a:r>
-              <a:rPr lang="en-GB" dirty="0" smtClean="0"/>
-              <a:t>In functional programming </a:t>
-            </a:r>
-            <a:r>
-              <a:rPr lang="en-GB" i="1" dirty="0" smtClean="0"/>
-              <a:t>everything</a:t>
-            </a:r>
-            <a:r>
-              <a:rPr lang="en-GB" dirty="0" smtClean="0"/>
-              <a:t> is an expression</a:t>
-            </a:r>
-          </a:p>
-          <a:p>
-            <a:pPr lvl="1"/>
-            <a:r>
-              <a:rPr lang="en-GB" dirty="0" smtClean="0"/>
-              <a:t>Advantage: concise code, achieve immutability</a:t>
-            </a:r>
+            <a:pPr lvl="4"/>
+            <a:r>
+              <a:rPr lang="en-GB" dirty="0" smtClean="0"/>
+              <a:t>the evaluation </a:t>
+            </a:r>
+            <a:r>
+              <a:rPr lang="en-GB" dirty="0"/>
+              <a:t>order independence makes </a:t>
+            </a:r>
+            <a:r>
+              <a:rPr lang="en-GB" dirty="0" smtClean="0"/>
+              <a:t>it a good candidate </a:t>
+            </a:r>
+            <a:r>
+              <a:rPr lang="en-GB" dirty="0"/>
+              <a:t>for </a:t>
+            </a:r>
+            <a:r>
+              <a:rPr lang="en-GB" dirty="0" smtClean="0"/>
+              <a:t>parallel programming</a:t>
+            </a:r>
+          </a:p>
+          <a:p>
+            <a:pPr lvl="3"/>
+            <a:r>
+              <a:rPr lang="en-GB" dirty="0" smtClean="0"/>
+              <a:t>Examples: JavaScript, Haskell, </a:t>
+            </a:r>
+            <a:r>
+              <a:rPr lang="en-GB" dirty="0" err="1" smtClean="0"/>
+              <a:t>Erlang</a:t>
+            </a:r>
+            <a:r>
+              <a:rPr lang="en-GB" dirty="0" smtClean="0"/>
+              <a:t>, </a:t>
+            </a:r>
+            <a:r>
+              <a:rPr lang="en-GB" dirty="0" err="1" smtClean="0"/>
+              <a:t>Clojure</a:t>
+            </a:r>
+            <a:r>
+              <a:rPr lang="en-GB" dirty="0" smtClean="0"/>
+              <a:t>, Scala</a:t>
+            </a:r>
+          </a:p>
+          <a:p>
+            <a:pPr lvl="3"/>
+            <a:endParaRPr lang="en-GB" dirty="0" smtClean="0"/>
+          </a:p>
+          <a:p>
+            <a:pPr lvl="2"/>
+            <a:r>
+              <a:rPr lang="en-GB" dirty="0" smtClean="0"/>
+              <a:t>Logic</a:t>
+            </a:r>
+          </a:p>
+          <a:p>
+            <a:pPr lvl="3"/>
+            <a:r>
+              <a:rPr lang="en-GB" dirty="0"/>
+              <a:t>programs are built by setting up relations that specify </a:t>
+            </a:r>
+            <a:r>
+              <a:rPr lang="en-GB" b="1" dirty="0"/>
+              <a:t>facts</a:t>
+            </a:r>
+            <a:r>
+              <a:rPr lang="en-GB" dirty="0"/>
+              <a:t> and inference </a:t>
+            </a:r>
+            <a:r>
+              <a:rPr lang="en-GB" b="1" dirty="0"/>
+              <a:t>rules</a:t>
+            </a:r>
+            <a:r>
+              <a:rPr lang="en-GB" dirty="0"/>
+              <a:t>, and asking whether or not something is </a:t>
+            </a:r>
+            <a:r>
+              <a:rPr lang="en-GB" b="1" dirty="0" smtClean="0"/>
+              <a:t>true</a:t>
+            </a:r>
+          </a:p>
+          <a:p>
+            <a:pPr lvl="3"/>
+            <a:r>
+              <a:rPr lang="en-GB" dirty="0" smtClean="0"/>
+              <a:t>Examples: </a:t>
+            </a:r>
+            <a:r>
+              <a:rPr lang="en-GB" dirty="0" err="1" smtClean="0"/>
+              <a:t>Prolog</a:t>
+            </a:r>
+            <a:r>
+              <a:rPr lang="en-GB" dirty="0" smtClean="0"/>
+              <a:t>, Mercury</a:t>
+            </a:r>
+          </a:p>
+          <a:p>
             <a:endParaRPr lang="en-GB" dirty="0"/>
           </a:p>
         </p:txBody>
@@ -5922,7 +6682,7 @@
     </p:spTree>
     <p:extLst>
       <p:ext uri="{BB962C8B-B14F-4D97-AF65-F5344CB8AC3E}">
-        <p14:creationId xmlns:p14="http://schemas.microsoft.com/office/powerpoint/2010/main" val="1536498205"/>
+        <p14:creationId xmlns:p14="http://schemas.microsoft.com/office/powerpoint/2010/main" val="3602558339"/>
       </p:ext>
     </p:extLst>
   </p:cSld>
@@ -5966,7 +6726,7 @@
           <a:p>
             <a:r>
               <a:rPr lang="en-GB" dirty="0" smtClean="0"/>
-              <a:t>Evaluation</a:t>
+              <a:t>Statements vs Expressions</a:t>
             </a:r>
             <a:endParaRPr lang="en-GB" dirty="0"/>
           </a:p>
@@ -5989,95 +6749,84 @@
           <a:p>
             <a:r>
               <a:rPr lang="en-GB" dirty="0" smtClean="0"/>
-              <a:t>Call By Value</a:t>
+              <a:t>Statement</a:t>
             </a:r>
           </a:p>
           <a:p>
             <a:pPr lvl="1"/>
             <a:r>
               <a:rPr lang="en-GB" dirty="0" smtClean="0"/>
-              <a:t>Expressions are evaluated as soon as they are encountered</a:t>
+              <a:t>Piece of code that performs some action</a:t>
             </a:r>
           </a:p>
           <a:p>
             <a:pPr lvl="1"/>
             <a:r>
-              <a:rPr lang="en-GB" i="1" dirty="0" err="1"/>
-              <a:t>v</a:t>
-            </a:r>
-            <a:r>
-              <a:rPr lang="en-GB" i="1" dirty="0" err="1" smtClean="0"/>
-              <a:t>al</a:t>
-            </a:r>
-            <a:r>
-              <a:rPr lang="en-GB" dirty="0" smtClean="0"/>
-              <a:t> – is a form of </a:t>
+              <a:rPr lang="en-GB" dirty="0" smtClean="0"/>
+              <a:t>It changes program state</a:t>
+            </a:r>
+          </a:p>
+          <a:p>
+            <a:pPr lvl="1"/>
+            <a:r>
+              <a:rPr lang="en-GB" dirty="0" smtClean="0"/>
+              <a:t>Is the </a:t>
+            </a:r>
+            <a:r>
+              <a:rPr lang="en-GB" dirty="0"/>
+              <a:t>syntactic unit of </a:t>
+            </a:r>
+            <a:r>
+              <a:rPr lang="en-GB" dirty="0" smtClean="0"/>
+              <a:t>the imperative programming language </a:t>
+            </a:r>
+          </a:p>
+          <a:p>
+            <a:pPr lvl="1"/>
+            <a:endParaRPr lang="en-GB" dirty="0" smtClean="0"/>
+          </a:p>
+          <a:p>
+            <a:r>
+              <a:rPr lang="en-GB" dirty="0" smtClean="0"/>
+              <a:t>Expression</a:t>
+            </a:r>
+          </a:p>
+          <a:p>
+            <a:pPr lvl="1"/>
+            <a:r>
+              <a:rPr lang="en-GB" dirty="0" smtClean="0"/>
+              <a:t>Piece of code that evaluates to a value</a:t>
+            </a:r>
+          </a:p>
+          <a:p>
+            <a:pPr lvl="1"/>
+            <a:r>
+              <a:rPr lang="en-GB" dirty="0" smtClean="0"/>
+              <a:t>In functional programming </a:t>
             </a:r>
             <a:r>
               <a:rPr lang="en-GB" i="1" dirty="0" smtClean="0"/>
-              <a:t>call-by-value</a:t>
+              <a:t>everything</a:t>
+            </a:r>
+            <a:r>
+              <a:rPr lang="en-GB" dirty="0" smtClean="0"/>
+              <a:t> is an expression</a:t>
             </a:r>
           </a:p>
           <a:p>
             <a:pPr lvl="1"/>
             <a:r>
               <a:rPr lang="en-GB" dirty="0" smtClean="0"/>
-              <a:t>Scala’s default evaluation strategy</a:t>
-            </a:r>
-          </a:p>
-          <a:p>
-            <a:pPr marL="457200" lvl="1" indent="0">
-              <a:buNone/>
-            </a:pPr>
-            <a:endParaRPr lang="en-GB" dirty="0" smtClean="0"/>
-          </a:p>
-          <a:p>
-            <a:r>
-              <a:rPr lang="en-GB" dirty="0" smtClean="0"/>
-              <a:t>Call By Name</a:t>
-            </a:r>
-          </a:p>
-          <a:p>
-            <a:pPr lvl="1"/>
-            <a:r>
-              <a:rPr lang="en-GB" dirty="0" smtClean="0"/>
-              <a:t>The expression </a:t>
-            </a:r>
-            <a:r>
-              <a:rPr lang="en-GB" dirty="0"/>
-              <a:t>evaluation is deferred until the value is absolutely </a:t>
-            </a:r>
-            <a:r>
-              <a:rPr lang="en-GB" dirty="0" smtClean="0"/>
-              <a:t>needed </a:t>
-            </a:r>
-          </a:p>
-          <a:p>
-            <a:pPr lvl="1"/>
-            <a:r>
-              <a:rPr lang="en-GB" i="1" dirty="0" err="1"/>
-              <a:t>d</a:t>
-            </a:r>
-            <a:r>
-              <a:rPr lang="en-GB" i="1" dirty="0" err="1" smtClean="0"/>
-              <a:t>ef</a:t>
-            </a:r>
-            <a:r>
-              <a:rPr lang="en-GB" dirty="0" smtClean="0"/>
-              <a:t> – is a form of </a:t>
-            </a:r>
-            <a:r>
-              <a:rPr lang="en-GB" i="1" dirty="0" smtClean="0"/>
-              <a:t>call-by-name</a:t>
-            </a:r>
-            <a:endParaRPr lang="en-GB" i="1" dirty="0"/>
+              <a:t>Advantage: concise code, achieve immutability</a:t>
+            </a:r>
+            <a:endParaRPr lang="en-GB" dirty="0"/>
           </a:p>
         </p:txBody>
       </p:sp>
     </p:spTree>
     <p:extLst>
       <p:ext uri="{BB962C8B-B14F-4D97-AF65-F5344CB8AC3E}">
-        <p14:creationId xmlns:p14="http://schemas.microsoft.com/office/powerpoint/2010/main" val="1290656476"/>
+        <p14:creationId xmlns:p14="http://schemas.microsoft.com/office/powerpoint/2010/main" val="1536498205"/>
       </p:ext>
     </p:extLst>
   </p:cSld>
@@ -6121,7 +6870,7 @@
           <a:p>
             <a:r>
               <a:rPr lang="en-GB" dirty="0" smtClean="0"/>
-              <a:t>Higher-order functions</a:t>
+              <a:t>Evaluation</a:t>
             </a:r>
             <a:endParaRPr lang="en-GB" dirty="0"/>
           </a:p>
@@ -6139,179 +6888,91 @@
         </p:nvSpPr>
         <p:spPr/>
         <p:txBody>
-          <a:bodyPr>
-            <a:normAutofit lnSpcReduction="10000"/>
-          </a:bodyPr>
+          <a:bodyPr/>
           <a:lstStyle/>
           <a:p>
             <a:r>
+              <a:rPr lang="en-GB" dirty="0" smtClean="0"/>
+              <a:t>Call By Value</a:t>
+            </a:r>
+          </a:p>
+          <a:p>
+            <a:pPr lvl="1"/>
+            <a:r>
+              <a:rPr lang="en-GB" dirty="0" smtClean="0"/>
+              <a:t>Expressions are evaluated as soon as they are encountered</a:t>
+            </a:r>
+          </a:p>
+          <a:p>
+            <a:pPr lvl="1"/>
+            <a:r>
+              <a:rPr lang="en-GB" i="1" dirty="0" err="1"/>
+              <a:t>v</a:t>
+            </a:r>
+            <a:r>
+              <a:rPr lang="en-GB" i="1" dirty="0" err="1" smtClean="0"/>
+              <a:t>al</a:t>
+            </a:r>
+            <a:r>
+              <a:rPr lang="en-GB" dirty="0" smtClean="0"/>
+              <a:t> – is a form of </a:t>
+            </a:r>
+            <a:r>
+              <a:rPr lang="en-GB" i="1" dirty="0" smtClean="0"/>
+              <a:t>call-by-value</a:t>
+            </a:r>
+          </a:p>
+          <a:p>
+            <a:pPr lvl="1"/>
+            <a:r>
+              <a:rPr lang="en-GB" dirty="0" smtClean="0"/>
+              <a:t>Scala’s default evaluation strategy</a:t>
+            </a:r>
+          </a:p>
+          <a:p>
+            <a:pPr marL="457200" lvl="1" indent="0">
+              <a:buNone/>
+            </a:pPr>
+            <a:endParaRPr lang="en-GB" dirty="0" smtClean="0"/>
+          </a:p>
+          <a:p>
+            <a:r>
+              <a:rPr lang="en-GB" dirty="0" smtClean="0"/>
+              <a:t>Call By Name</a:t>
+            </a:r>
+          </a:p>
+          <a:p>
+            <a:pPr lvl="1"/>
+            <a:r>
+              <a:rPr lang="en-GB" dirty="0" smtClean="0"/>
+              <a:t>The expression </a:t>
+            </a:r>
+            <a:r>
               <a:rPr lang="en-GB" dirty="0"/>
-              <a:t>f</a:t>
-            </a:r>
-            <a:r>
-              <a:rPr lang="en-GB" dirty="0" smtClean="0"/>
-              <a:t>unctions that take other functions as </a:t>
+              <a:t>evaluation is deferred until the value is absolutely </a:t>
+            </a:r>
+            <a:r>
+              <a:rPr lang="en-GB" dirty="0" smtClean="0"/>
+              <a:t>needed </a:t>
+            </a:r>
+          </a:p>
+          <a:p>
+            <a:pPr lvl="1"/>
+            <a:r>
+              <a:rPr lang="en-GB" i="1" dirty="0" err="1"/>
+              <a:t>d</a:t>
+            </a:r>
+            <a:r>
+              <a:rPr lang="en-GB" i="1" dirty="0" err="1" smtClean="0"/>
+              <a:t>ef</a:t>
+            </a:r>
+            <a:r>
+              <a:rPr lang="en-GB" dirty="0" smtClean="0"/>
+              <a:t> – is a form of </a:t>
             </a:r>
             <a:r>
               <a:rPr lang="en-GB" i="1" dirty="0" smtClean="0"/>
-              <a:t>parameters</a:t>
-            </a:r>
-            <a:r>
-              <a:rPr lang="en-GB" dirty="0" smtClean="0"/>
-              <a:t> or </a:t>
-            </a:r>
-            <a:r>
-              <a:rPr lang="en-GB" i="1" dirty="0" smtClean="0"/>
-              <a:t>return</a:t>
-            </a:r>
-            <a:r>
-              <a:rPr lang="en-GB" dirty="0" smtClean="0"/>
-              <a:t> a function as a result</a:t>
-            </a:r>
-          </a:p>
-          <a:p>
-            <a:r>
-              <a:rPr lang="en-GB" dirty="0" smtClean="0"/>
-              <a:t>most common example if the </a:t>
-            </a:r>
-            <a:r>
-              <a:rPr lang="en-GB" b="1" i="1" dirty="0" smtClean="0"/>
-              <a:t>map</a:t>
-            </a:r>
-            <a:r>
-              <a:rPr lang="en-GB" dirty="0" smtClean="0"/>
-              <a:t> function:</a:t>
-            </a:r>
-          </a:p>
-          <a:p>
-            <a:pPr marL="0" indent="0">
-              <a:buNone/>
-            </a:pPr>
-            <a:endParaRPr lang="en-GB" dirty="0" smtClean="0"/>
-          </a:p>
-          <a:p>
-            <a:pPr marL="0" indent="0">
-              <a:buNone/>
-            </a:pPr>
-            <a:r>
-              <a:rPr lang="en-GB" dirty="0"/>
-              <a:t>	</a:t>
-            </a:r>
-            <a:r>
-              <a:rPr lang="en-GB" dirty="0" err="1" smtClean="0"/>
-              <a:t>val</a:t>
-            </a:r>
-            <a:r>
-              <a:rPr lang="en-GB" dirty="0" smtClean="0"/>
-              <a:t> salaries = </a:t>
-            </a:r>
-            <a:r>
-              <a:rPr lang="en-GB" dirty="0" err="1" smtClean="0"/>
-              <a:t>Seq</a:t>
-            </a:r>
-            <a:r>
-              <a:rPr lang="en-GB" dirty="0" smtClean="0"/>
-              <a:t>(20000, 60000, 40000)</a:t>
-            </a:r>
-          </a:p>
-          <a:p>
-            <a:pPr marL="0" indent="0">
-              <a:buNone/>
-            </a:pPr>
-            <a:r>
-              <a:rPr lang="en-GB" dirty="0"/>
-              <a:t>	</a:t>
-            </a:r>
-            <a:r>
-              <a:rPr lang="en-GB" dirty="0" err="1" smtClean="0"/>
-              <a:t>val</a:t>
-            </a:r>
-            <a:r>
-              <a:rPr lang="en-GB" dirty="0" smtClean="0"/>
-              <a:t> </a:t>
-            </a:r>
-            <a:r>
-              <a:rPr lang="en-GB" dirty="0" err="1" smtClean="0"/>
-              <a:t>doubleSalary</a:t>
-            </a:r>
-            <a:r>
-              <a:rPr lang="en-GB" dirty="0" smtClean="0"/>
-              <a:t> = (x: </a:t>
-            </a:r>
-            <a:r>
-              <a:rPr lang="en-GB" dirty="0" err="1" smtClean="0"/>
-              <a:t>Int</a:t>
-            </a:r>
-            <a:r>
-              <a:rPr lang="en-GB" dirty="0" smtClean="0"/>
-              <a:t>) =&gt; x * 2</a:t>
-            </a:r>
-          </a:p>
-          <a:p>
-            <a:pPr marL="0" indent="0">
-              <a:buNone/>
-            </a:pPr>
-            <a:r>
-              <a:rPr lang="en-GB" dirty="0"/>
-              <a:t>	</a:t>
-            </a:r>
-            <a:r>
-              <a:rPr lang="en-GB" dirty="0" err="1" smtClean="0"/>
-              <a:t>val</a:t>
-            </a:r>
-            <a:r>
-              <a:rPr lang="en-GB" dirty="0" smtClean="0"/>
-              <a:t> </a:t>
-            </a:r>
-            <a:r>
-              <a:rPr lang="en-GB" dirty="0" err="1" smtClean="0"/>
-              <a:t>newSalaries</a:t>
-            </a:r>
-            <a:r>
-              <a:rPr lang="en-GB" dirty="0" smtClean="0"/>
-              <a:t> = </a:t>
-            </a:r>
-            <a:r>
-              <a:rPr lang="en-GB" dirty="0" err="1" smtClean="0"/>
-              <a:t>salaries.map</a:t>
-            </a:r>
-            <a:r>
-              <a:rPr lang="en-GB" dirty="0" smtClean="0"/>
-              <a:t>(</a:t>
-            </a:r>
-            <a:r>
-              <a:rPr lang="en-GB" dirty="0" err="1" smtClean="0"/>
-              <a:t>doubleSalary</a:t>
-            </a:r>
-            <a:r>
-              <a:rPr lang="en-GB" dirty="0" smtClean="0"/>
-              <a:t>)</a:t>
-            </a:r>
-          </a:p>
-          <a:p>
-            <a:pPr marL="0" indent="0">
-              <a:buNone/>
-            </a:pPr>
-            <a:r>
-              <a:rPr lang="en-GB" dirty="0" smtClean="0"/>
-              <a:t>-&gt;</a:t>
-            </a:r>
-          </a:p>
-          <a:p>
-            <a:pPr marL="0" indent="0">
-              <a:buNone/>
-            </a:pPr>
-            <a:r>
-              <a:rPr lang="en-GB" dirty="0"/>
-              <a:t>	</a:t>
-            </a:r>
-            <a:r>
-              <a:rPr lang="en-GB" i="1" dirty="0" err="1" smtClean="0"/>
-              <a:t>Seq</a:t>
-            </a:r>
-            <a:r>
-              <a:rPr lang="en-GB" i="1" dirty="0" smtClean="0"/>
-              <a:t>(40000, 120000, 80000)</a:t>
+              <a:t>call-by-name</a:t>
             </a:r>
             <a:endParaRPr lang="en-GB" i="1" dirty="0"/>
           </a:p>
@@ -6320,7 +6981,7 @@
     </p:spTree>
     <p:extLst>
       <p:ext uri="{BB962C8B-B14F-4D97-AF65-F5344CB8AC3E}">
-        <p14:creationId xmlns:p14="http://schemas.microsoft.com/office/powerpoint/2010/main" val="794216411"/>
+        <p14:creationId xmlns:p14="http://schemas.microsoft.com/office/powerpoint/2010/main" val="1290656476"/>
       </p:ext>
     </p:extLst>
   </p:cSld>
@@ -6364,6 +7025,249 @@
           <a:p>
             <a:r>
               <a:rPr lang="en-GB" dirty="0" smtClean="0"/>
+              <a:t>Higher-order functions</a:t>
+            </a:r>
+            <a:endParaRPr lang="en-GB" dirty="0"/>
+          </a:p>
+        </p:txBody>
+      </p:sp>
+      <p:sp>
+        <p:nvSpPr>
+          <p:cNvPr id="3" name="Content Placeholder 2"/>
+          <p:cNvSpPr>
+            <a:spLocks noGrp="1"/>
+          </p:cNvSpPr>
+          <p:nvPr>
+            <p:ph idx="1"/>
+          </p:nvPr>
+        </p:nvSpPr>
+        <p:spPr/>
+        <p:txBody>
+          <a:bodyPr>
+            <a:normAutofit lnSpcReduction="10000"/>
+          </a:bodyPr>
+          <a:lstStyle/>
+          <a:p>
+            <a:r>
+              <a:rPr lang="en-GB" dirty="0"/>
+              <a:t>f</a:t>
+            </a:r>
+            <a:r>
+              <a:rPr lang="en-GB" dirty="0" smtClean="0"/>
+              <a:t>unctions that take other functions as </a:t>
+            </a:r>
+            <a:r>
+              <a:rPr lang="en-GB" i="1" dirty="0" smtClean="0"/>
+              <a:t>parameters</a:t>
+            </a:r>
+            <a:r>
+              <a:rPr lang="en-GB" dirty="0" smtClean="0"/>
+              <a:t> or </a:t>
+            </a:r>
+            <a:r>
+              <a:rPr lang="en-GB" i="1" dirty="0" smtClean="0"/>
+              <a:t>return</a:t>
+            </a:r>
+            <a:r>
+              <a:rPr lang="en-GB" dirty="0" smtClean="0"/>
+              <a:t> a function as a result</a:t>
+            </a:r>
+          </a:p>
+          <a:p>
+            <a:r>
+              <a:rPr lang="en-GB" dirty="0" smtClean="0"/>
+              <a:t>most common example if the </a:t>
+            </a:r>
+            <a:r>
+              <a:rPr lang="en-GB" b="1" i="1" dirty="0" smtClean="0"/>
+              <a:t>map</a:t>
+            </a:r>
+            <a:r>
+              <a:rPr lang="en-GB" dirty="0" smtClean="0"/>
+              <a:t> function:</a:t>
+            </a:r>
+          </a:p>
+          <a:p>
+            <a:pPr marL="0" indent="0">
+              <a:buNone/>
+            </a:pPr>
+            <a:endParaRPr lang="en-GB" dirty="0" smtClean="0"/>
+          </a:p>
+          <a:p>
+            <a:pPr marL="0" indent="0">
+              <a:buNone/>
+            </a:pPr>
+            <a:r>
+              <a:rPr lang="en-GB" dirty="0"/>
+              <a:t>	</a:t>
+            </a:r>
+            <a:r>
+              <a:rPr lang="en-GB" dirty="0" err="1" smtClean="0"/>
+              <a:t>val</a:t>
+            </a:r>
+            <a:r>
+              <a:rPr lang="en-GB" dirty="0" smtClean="0"/>
+              <a:t> salaries = </a:t>
+            </a:r>
+            <a:r>
+              <a:rPr lang="en-GB" dirty="0" err="1" smtClean="0"/>
+              <a:t>Seq</a:t>
+            </a:r>
+            <a:r>
+              <a:rPr lang="en-GB" dirty="0" smtClean="0"/>
+              <a:t>(20000, 60000, 40000)</a:t>
+            </a:r>
+          </a:p>
+          <a:p>
+            <a:pPr marL="0" indent="0">
+              <a:buNone/>
+            </a:pPr>
+            <a:r>
+              <a:rPr lang="en-GB" dirty="0"/>
+              <a:t>	</a:t>
+            </a:r>
+            <a:r>
+              <a:rPr lang="en-GB" dirty="0" err="1" smtClean="0"/>
+              <a:t>val</a:t>
+            </a:r>
+            <a:r>
+              <a:rPr lang="en-GB" dirty="0" smtClean="0"/>
+              <a:t> </a:t>
+            </a:r>
+            <a:r>
+              <a:rPr lang="en-GB" dirty="0" err="1" smtClean="0"/>
+              <a:t>doubleSalary</a:t>
+            </a:r>
+            <a:r>
+              <a:rPr lang="en-GB" dirty="0" smtClean="0"/>
+              <a:t> = (x: </a:t>
+            </a:r>
+            <a:r>
+              <a:rPr lang="en-GB" dirty="0" err="1" smtClean="0"/>
+              <a:t>Int</a:t>
+            </a:r>
+            <a:r>
+              <a:rPr lang="en-GB" dirty="0" smtClean="0"/>
+              <a:t>) =&gt; x * 2</a:t>
+            </a:r>
+          </a:p>
+          <a:p>
+            <a:pPr marL="0" indent="0">
+              <a:buNone/>
+            </a:pPr>
+            <a:r>
+              <a:rPr lang="en-GB" dirty="0"/>
+              <a:t>	</a:t>
+            </a:r>
+            <a:r>
+              <a:rPr lang="en-GB" dirty="0" err="1" smtClean="0"/>
+              <a:t>val</a:t>
+            </a:r>
+            <a:r>
+              <a:rPr lang="en-GB" dirty="0" smtClean="0"/>
+              <a:t> </a:t>
+            </a:r>
+            <a:r>
+              <a:rPr lang="en-GB" dirty="0" err="1" smtClean="0"/>
+              <a:t>newSalaries</a:t>
+            </a:r>
+            <a:r>
+              <a:rPr lang="en-GB" dirty="0" smtClean="0"/>
+              <a:t> = </a:t>
+            </a:r>
+            <a:r>
+              <a:rPr lang="en-GB" dirty="0" err="1" smtClean="0"/>
+              <a:t>salaries.map</a:t>
+            </a:r>
+            <a:r>
+              <a:rPr lang="en-GB" dirty="0" smtClean="0"/>
+              <a:t>(</a:t>
+            </a:r>
+            <a:r>
+              <a:rPr lang="en-GB" dirty="0" err="1" smtClean="0"/>
+              <a:t>doubleSalary</a:t>
+            </a:r>
+            <a:r>
+              <a:rPr lang="en-GB" dirty="0" smtClean="0"/>
+              <a:t>)</a:t>
+            </a:r>
+          </a:p>
+          <a:p>
+            <a:pPr marL="0" indent="0">
+              <a:buNone/>
+            </a:pPr>
+            <a:r>
+              <a:rPr lang="en-GB" dirty="0" smtClean="0"/>
+              <a:t>-&gt;</a:t>
+            </a:r>
+          </a:p>
+          <a:p>
+            <a:pPr marL="0" indent="0">
+              <a:buNone/>
+            </a:pPr>
+            <a:r>
+              <a:rPr lang="en-GB" dirty="0"/>
+              <a:t>	</a:t>
+            </a:r>
+            <a:r>
+              <a:rPr lang="en-GB" i="1" dirty="0" err="1" smtClean="0"/>
+              <a:t>Seq</a:t>
+            </a:r>
+            <a:r>
+              <a:rPr lang="en-GB" i="1" dirty="0" smtClean="0"/>
+              <a:t>(40000, 120000, 80000)</a:t>
+            </a:r>
+            <a:endParaRPr lang="en-GB" i="1" dirty="0"/>
+          </a:p>
+        </p:txBody>
+      </p:sp>
+    </p:spTree>
+    <p:extLst>
+      <p:ext uri="{BB962C8B-B14F-4D97-AF65-F5344CB8AC3E}">
+        <p14:creationId xmlns:p14="http://schemas.microsoft.com/office/powerpoint/2010/main" val="794216411"/>
+      </p:ext>
+    </p:extLst>
+  </p:cSld>
+  <p:clrMapOvr>
+    <a:masterClrMapping/>
+  </p:clrMapOvr>
+</p:sld>
+</file>
+
+<file path=ppt/slides/slide8.xml><?xml version="1.0" encoding="utf-8"?>
+<p:sld xmlns:a="http://schemas.openxmlformats.org/drawingml/2006/main" xmlns:r="http://schemas.openxmlformats.org/officeDocument/2006/relationships" xmlns:p="http://schemas.openxmlformats.org/presentationml/2006/main">
+  <p:cSld>
+    <p:spTree>
+      <p:nvGrpSpPr>
+        <p:cNvPr id="1" name=""/>
+        <p:cNvGrpSpPr/>
+        <p:nvPr/>
+      </p:nvGrpSpPr>
+      <p:grpSpPr>
+        <a:xfrm>
+          <a:off x="0" y="0"/>
+          <a:ext cx="0" cy="0"/>
+          <a:chOff x="0" y="0"/>
+          <a:chExt cx="0" cy="0"/>
+        </a:xfrm>
+      </p:grpSpPr>
+      <p:sp>
+        <p:nvSpPr>
+          <p:cNvPr id="2" name="Title 1"/>
+          <p:cNvSpPr>
+            <a:spLocks noGrp="1"/>
+          </p:cNvSpPr>
+          <p:nvPr>
+            <p:ph type="title"/>
+          </p:nvPr>
+        </p:nvSpPr>
+        <p:spPr/>
+        <p:txBody>
+          <a:bodyPr/>
+          <a:lstStyle/>
+          <a:p>
+            <a:r>
+              <a:rPr lang="en-GB" dirty="0" smtClean="0"/>
               <a:t>Currying</a:t>
             </a:r>
             <a:endParaRPr lang="en-GB" dirty="0"/>
@@ -6448,11 +7352,7 @@
             </a:r>
             <a:r>
               <a:rPr lang="en-GB" dirty="0" smtClean="0"/>
-              <a:t>, drink</a:t>
-            </a:r>
-            <a:r>
-              <a:rPr lang="en-GB" dirty="0" smtClean="0"/>
-              <a:t>) = f: (</a:t>
+              <a:t>, drink) = f: (</a:t>
             </a:r>
             <a:r>
               <a:rPr lang="en-GB" dirty="0" err="1" smtClean="0"/>
@@ -6523,11 +7423,7 @@
             </a:r>
             <a:r>
               <a:rPr lang="en-GB" dirty="0" smtClean="0"/>
-              <a:t>)(drink</a:t>
-            </a:r>
-            <a:r>
-              <a:rPr lang="en-GB" dirty="0" smtClean="0"/>
-              <a:t>) = f: (</a:t>
+              <a:t>)(drink) = f: (</a:t>
             </a:r>
             <a:r>
               <a:rPr lang="en-GB" dirty="0" err="1" smtClean="0"/>
@@ -6569,7 +7465,6 @@
               <a:rPr lang="en-GB" b="1" dirty="0" smtClean="0"/>
               <a:t>))</a:t>
             </a:r>
-            <a:endParaRPr lang="en-GB" b="1" dirty="0" smtClean="0"/>
           </a:p>
           <a:p>
             <a:pPr marL="0" indent="0">
@@ -6650,7 +7545,7 @@
 </p:sld>
 </file>
 
-<file path=ppt/slides/slide8.xml><?xml version="1.0" encoding="utf-8"?>
+<file path=ppt/slides/slide9.xml><?xml version="1.0" encoding="utf-8"?>
 <p:sld xmlns:a="http://schemas.openxmlformats.org/drawingml/2006/main" xmlns:r="http://schemas.openxmlformats.org/officeDocument/2006/relationships" xmlns:p="http://schemas.openxmlformats.org/presentationml/2006/main">
   <p:cSld>
     <p:spTree>
@@ -7413,710 +8308,6 @@
     <p:extLst>
       <p:ext uri="{BB962C8B-B14F-4D97-AF65-F5344CB8AC3E}">
         <p14:creationId xmlns:p14="http://schemas.microsoft.com/office/powerpoint/2010/main" val="2530371704"/>
-      </p:ext>
-    </p:extLst>
-  </p:cSld>
-  <p:clrMapOvr>
-    <a:masterClrMapping/>
-  </p:clrMapOvr>
-</p:sld>
-</file>
-
-<file path=ppt/slides/slide9.xml><?xml version="1.0" encoding="utf-8"?>
-<p:sld xmlns:a="http://schemas.openxmlformats.org/drawingml/2006/main" xmlns:r="http://schemas.openxmlformats.org/officeDocument/2006/relationships" xmlns:p="http://schemas.openxmlformats.org/presentationml/2006/main">
-  <p:cSld>
-    <p:spTree>
-      <p:nvGrpSpPr>
-        <p:cNvPr id="1" name=""/>
-        <p:cNvGrpSpPr/>
-        <p:nvPr/>
-      </p:nvGrpSpPr>
-      <p:grpSpPr>
-        <a:xfrm>
-          <a:off x="0" y="0"/>
-          <a:ext cx="0" cy="0"/>
-          <a:chOff x="0" y="0"/>
-          <a:chExt cx="0" cy="0"/>
-        </a:xfrm>
-      </p:grpSpPr>
-      <p:sp>
-        <p:nvSpPr>
-          <p:cNvPr id="2" name="Title 1"/>
-          <p:cNvSpPr>
-            <a:spLocks noGrp="1"/>
-          </p:cNvSpPr>
-          <p:nvPr>
-            <p:ph type="title"/>
-          </p:nvPr>
-        </p:nvSpPr>
-        <p:spPr/>
-        <p:txBody>
-          <a:bodyPr/>
-          <a:lstStyle/>
-          <a:p>
-            <a:r>
-              <a:rPr lang="en-GB" dirty="0" smtClean="0"/>
-              <a:t>Traits</a:t>
-            </a:r>
-            <a:endParaRPr lang="en-GB" dirty="0"/>
-          </a:p>
-        </p:txBody>
-      </p:sp>
-      <p:sp>
-        <p:nvSpPr>
-          <p:cNvPr id="3" name="Content Placeholder 2"/>
-          <p:cNvSpPr>
-            <a:spLocks noGrp="1"/>
-          </p:cNvSpPr>
-          <p:nvPr>
-            <p:ph idx="1"/>
-          </p:nvPr>
-        </p:nvSpPr>
-        <p:spPr>
-          <a:xfrm>
-            <a:off x="838200" y="1690688"/>
-            <a:ext cx="4602096" cy="4486275"/>
-          </a:xfrm>
-        </p:spPr>
-        <p:txBody>
-          <a:bodyPr>
-            <a:normAutofit fontScale="62500" lnSpcReduction="20000"/>
-          </a:bodyPr>
-          <a:lstStyle/>
-          <a:p>
-            <a:r>
-              <a:rPr lang="en-GB" dirty="0"/>
-              <a:t>s</a:t>
-            </a:r>
-            <a:r>
-              <a:rPr lang="en-GB" dirty="0" smtClean="0"/>
-              <a:t>imilar to the Java 8 </a:t>
-            </a:r>
-            <a:r>
-              <a:rPr lang="en-GB" i="1" dirty="0" smtClean="0"/>
-              <a:t>interfaces</a:t>
-            </a:r>
-          </a:p>
-          <a:p>
-            <a:r>
-              <a:rPr lang="en-GB" dirty="0"/>
-              <a:t>c</a:t>
-            </a:r>
-            <a:r>
-              <a:rPr lang="en-GB" dirty="0" smtClean="0"/>
-              <a:t>lasses and objects can extend traits</a:t>
-            </a:r>
-          </a:p>
-          <a:p>
-            <a:r>
-              <a:rPr lang="en-GB" dirty="0"/>
-              <a:t>t</a:t>
-            </a:r>
-            <a:r>
-              <a:rPr lang="en-GB" dirty="0" smtClean="0"/>
-              <a:t>raits cannot be instantiated</a:t>
-            </a:r>
-          </a:p>
-          <a:p>
-            <a:r>
-              <a:rPr lang="en-GB" dirty="0"/>
-              <a:t>t</a:t>
-            </a:r>
-            <a:r>
-              <a:rPr lang="en-GB" dirty="0" smtClean="0"/>
-              <a:t>raits cannot have parameters</a:t>
-            </a:r>
-          </a:p>
-          <a:p>
-            <a:pPr marL="0" indent="0">
-              <a:buNone/>
-            </a:pPr>
-            <a:endParaRPr lang="en-GB" dirty="0" smtClean="0"/>
-          </a:p>
-          <a:p>
-            <a:pPr marL="0" indent="0">
-              <a:buNone/>
-            </a:pPr>
-            <a:r>
-              <a:rPr lang="en-GB" dirty="0"/>
-              <a:t>t</a:t>
-            </a:r>
-            <a:r>
-              <a:rPr lang="en-GB" dirty="0" smtClean="0"/>
-              <a:t>rait Iterator[A] {</a:t>
-            </a:r>
-          </a:p>
-          <a:p>
-            <a:pPr marL="0" indent="0">
-              <a:buNone/>
-            </a:pPr>
-            <a:r>
-              <a:rPr lang="en-GB" dirty="0" smtClean="0"/>
-              <a:t>	</a:t>
-            </a:r>
-            <a:r>
-              <a:rPr lang="en-GB" dirty="0" err="1" smtClean="0"/>
-              <a:t>def</a:t>
-            </a:r>
-            <a:r>
-              <a:rPr lang="en-GB" dirty="0" smtClean="0"/>
-              <a:t> </a:t>
-            </a:r>
-            <a:r>
-              <a:rPr lang="en-GB" dirty="0" err="1" smtClean="0"/>
-              <a:t>hasNext</a:t>
-            </a:r>
-            <a:r>
-              <a:rPr lang="en-GB" dirty="0" smtClean="0"/>
-              <a:t>: Boolean</a:t>
-            </a:r>
-          </a:p>
-          <a:p>
-            <a:pPr marL="0" indent="0">
-              <a:buNone/>
-            </a:pPr>
-            <a:r>
-              <a:rPr lang="en-GB" dirty="0"/>
-              <a:t>	</a:t>
-            </a:r>
-            <a:r>
-              <a:rPr lang="en-GB" dirty="0" err="1" smtClean="0"/>
-              <a:t>def</a:t>
-            </a:r>
-            <a:r>
-              <a:rPr lang="en-GB" dirty="0" smtClean="0"/>
-              <a:t> next: A</a:t>
-            </a:r>
-            <a:endParaRPr lang="en-GB" dirty="0"/>
-          </a:p>
-          <a:p>
-            <a:pPr marL="0" indent="0">
-              <a:buNone/>
-            </a:pPr>
-            <a:r>
-              <a:rPr lang="en-GB" dirty="0" smtClean="0"/>
-              <a:t>}</a:t>
-            </a:r>
-          </a:p>
-          <a:p>
-            <a:pPr marL="0" indent="0">
-              <a:buNone/>
-            </a:pPr>
-            <a:r>
-              <a:rPr lang="en-GB" dirty="0"/>
-              <a:t>c</a:t>
-            </a:r>
-            <a:r>
-              <a:rPr lang="en-GB" dirty="0" smtClean="0"/>
-              <a:t>lass </a:t>
-            </a:r>
-            <a:r>
-              <a:rPr lang="en-GB" dirty="0" err="1" smtClean="0"/>
-              <a:t>IntIterator</a:t>
-            </a:r>
-            <a:r>
-              <a:rPr lang="en-GB" dirty="0" smtClean="0"/>
-              <a:t>(to: </a:t>
-            </a:r>
-            <a:r>
-              <a:rPr lang="en-GB" dirty="0" err="1" smtClean="0"/>
-              <a:t>Int</a:t>
-            </a:r>
-            <a:r>
-              <a:rPr lang="en-GB" dirty="0" smtClean="0"/>
-              <a:t>) extends Iterator[</a:t>
-            </a:r>
-            <a:r>
-              <a:rPr lang="en-GB" dirty="0" err="1" smtClean="0"/>
-              <a:t>Int</a:t>
-            </a:r>
-            <a:r>
-              <a:rPr lang="en-GB" dirty="0" smtClean="0"/>
-              <a:t>] {</a:t>
-            </a:r>
-          </a:p>
-          <a:p>
-            <a:pPr marL="0" indent="0">
-              <a:buNone/>
-            </a:pPr>
-            <a:r>
-              <a:rPr lang="en-GB" dirty="0" smtClean="0"/>
-              <a:t>	override </a:t>
-            </a:r>
-            <a:r>
-              <a:rPr lang="en-GB" dirty="0" err="1" smtClean="0"/>
-              <a:t>def</a:t>
-            </a:r>
-            <a:r>
-              <a:rPr lang="en-GB" dirty="0" smtClean="0"/>
-              <a:t> </a:t>
-            </a:r>
-            <a:r>
-              <a:rPr lang="en-GB" dirty="0" err="1" smtClean="0"/>
-              <a:t>hasNext</a:t>
-            </a:r>
-            <a:r>
-              <a:rPr lang="en-GB" dirty="0" smtClean="0"/>
-              <a:t>: Boolean = ???</a:t>
-            </a:r>
-          </a:p>
-          <a:p>
-            <a:pPr marL="0" indent="0">
-              <a:buNone/>
-            </a:pPr>
-            <a:r>
-              <a:rPr lang="en-GB" dirty="0"/>
-              <a:t>	</a:t>
-            </a:r>
-            <a:r>
-              <a:rPr lang="en-GB" dirty="0" smtClean="0"/>
-              <a:t>override </a:t>
-            </a:r>
-            <a:r>
-              <a:rPr lang="en-GB" dirty="0" err="1" smtClean="0"/>
-              <a:t>def</a:t>
-            </a:r>
-            <a:r>
-              <a:rPr lang="en-GB" dirty="0" smtClean="0"/>
-              <a:t> next: </a:t>
-            </a:r>
-            <a:r>
-              <a:rPr lang="en-GB" dirty="0" err="1" smtClean="0"/>
-              <a:t>Int</a:t>
-            </a:r>
-            <a:r>
-              <a:rPr lang="en-GB" dirty="0" smtClean="0"/>
-              <a:t> = ???</a:t>
-            </a:r>
-            <a:endParaRPr lang="en-GB" dirty="0"/>
-          </a:p>
-          <a:p>
-            <a:pPr marL="0" indent="0">
-              <a:buNone/>
-            </a:pPr>
-            <a:r>
-              <a:rPr lang="en-GB" dirty="0" smtClean="0"/>
-              <a:t>}</a:t>
-            </a:r>
-            <a:endParaRPr lang="en-GB" dirty="0"/>
-          </a:p>
-        </p:txBody>
-      </p:sp>
-      <p:sp>
-        <p:nvSpPr>
-          <p:cNvPr id="4" name="Content Placeholder 2"/>
-          <p:cNvSpPr txBox="1">
-            <a:spLocks/>
-          </p:cNvSpPr>
-          <p:nvPr/>
-        </p:nvSpPr>
-        <p:spPr>
-          <a:xfrm>
-            <a:off x="6415528" y="1690688"/>
-            <a:ext cx="4602096" cy="4486275"/>
-          </a:xfrm>
-          <a:prstGeom prst="rect">
-            <a:avLst/>
-          </a:prstGeom>
-        </p:spPr>
-        <p:txBody>
-          <a:bodyPr vert="horz" lIns="91440" tIns="45720" rIns="91440" bIns="45720" rtlCol="0">
-            <a:normAutofit fontScale="62500" lnSpcReduction="20000"/>
-          </a:bodyPr>
-          <a:lstStyle>
-            <a:lvl1pPr marL="228600" indent="-228600" algn="l" defTabSz="914400" rtl="0" eaLnBrk="1" latinLnBrk="0" hangingPunct="1">
-              <a:lnSpc>
-                <a:spcPct val="90000"/>
-              </a:lnSpc>
-              <a:spcBef>
-                <a:spcPts val="1000"/>
-              </a:spcBef>
-              <a:buFont typeface="Arial" panose="020B0604020202020204" pitchFamily="34" charset="0"/>
-              <a:buChar char="•"/>
-              <a:defRPr sz="2800" kern="1200">
-                <a:solidFill>
-                  <a:schemeClr val="tx1"/>
-                </a:solidFill>
-                <a:latin typeface="+mn-lt"/>
-                <a:ea typeface="+mn-ea"/>
-                <a:cs typeface="+mn-cs"/>
-              </a:defRPr>
-            </a:lvl1pPr>
-            <a:lvl2pPr marL="685800" indent="-228600" algn="l" defTabSz="914400" rtl="0" eaLnBrk="1" latinLnBrk="0" hangingPunct="1">
-              <a:lnSpc>
-                <a:spcPct val="90000"/>
-              </a:lnSpc>
-              <a:spcBef>
-                <a:spcPts val="500"/>
-              </a:spcBef>
-              <a:buFont typeface="Arial" panose="020B0604020202020204" pitchFamily="34" charset="0"/>
-              <a:buChar char="•"/>
-              <a:defRPr sz="2400" kern="1200">
-                <a:solidFill>
-                  <a:schemeClr val="tx1"/>
-                </a:solidFill>
-                <a:latin typeface="+mn-lt"/>
-                <a:ea typeface="+mn-ea"/>
-                <a:cs typeface="+mn-cs"/>
-              </a:defRPr>
-            </a:lvl2pPr>
-            <a:lvl3pPr marL="1143000" indent="-228600" algn="l" defTabSz="914400" rtl="0" eaLnBrk="1" latinLnBrk="0" hangingPunct="1">
-              <a:lnSpc>
-                <a:spcPct val="90000"/>
-              </a:lnSpc>
-              <a:spcBef>
-                <a:spcPts val="500"/>
-              </a:spcBef>
-              <a:buFont typeface="Arial" panose="020B0604020202020204" pitchFamily="34" charset="0"/>
-              <a:buChar char="•"/>
-              <a:defRPr sz="2000" kern="1200">
-                <a:solidFill>
-                  <a:schemeClr val="tx1"/>
-                </a:solidFill>
-                <a:latin typeface="+mn-lt"/>
-                <a:ea typeface="+mn-ea"/>
-                <a:cs typeface="+mn-cs"/>
-              </a:defRPr>
-            </a:lvl3pPr>
-            <a:lvl4pPr marL="1600200" indent="-228600" algn="l" defTabSz="914400" rtl="0" eaLnBrk="1" latinLnBrk="0" hangingPunct="1">
-              <a:lnSpc>
-                <a:spcPct val="90000"/>
-              </a:lnSpc>
-              <a:spcBef>
-                <a:spcPts val="500"/>
-              </a:spcBef>
-              <a:buFont typeface="Arial" panose="020B0604020202020204" pitchFamily="34" charset="0"/>
-              <a:buChar char="•"/>
-              <a:defRPr sz="1800" kern="1200">
-                <a:solidFill>
-                  <a:schemeClr val="tx1"/>
-                </a:solidFill>
-                <a:latin typeface="+mn-lt"/>
-                <a:ea typeface="+mn-ea"/>
-                <a:cs typeface="+mn-cs"/>
-              </a:defRPr>
-            </a:lvl4pPr>
-            <a:lvl5pPr marL="2057400" indent="-228600" algn="l" defTabSz="914400" rtl="0" eaLnBrk="1" latinLnBrk="0" hangingPunct="1">
-              <a:lnSpc>
-                <a:spcPct val="90000"/>
-              </a:lnSpc>
-              <a:spcBef>
-                <a:spcPts val="500"/>
-              </a:spcBef>
-              <a:buFont typeface="Arial" panose="020B0604020202020204" pitchFamily="34" charset="0"/>
-              <a:buChar char="•"/>
-              <a:defRPr sz="1800" kern="1200">
-                <a:solidFill>
-                  <a:schemeClr val="tx1"/>
-                </a:solidFill>
-                <a:latin typeface="+mn-lt"/>
-                <a:ea typeface="+mn-ea"/>
-                <a:cs typeface="+mn-cs"/>
-              </a:defRPr>
-            </a:lvl5pPr>
-            <a:lvl6pPr marL="2514600" indent="-228600" algn="l" defTabSz="914400" rtl="0" eaLnBrk="1" latinLnBrk="0" hangingPunct="1">
-              <a:lnSpc>
-                <a:spcPct val="90000"/>
-              </a:lnSpc>
-              <a:spcBef>
-                <a:spcPts val="500"/>
-              </a:spcBef>
-              <a:buFont typeface="Arial" panose="020B0604020202020204" pitchFamily="34" charset="0"/>
-              <a:buChar char="•"/>
-              <a:defRPr sz="1800" kern="1200">
-                <a:solidFill>
-                  <a:schemeClr val="tx1"/>
-                </a:solidFill>
-                <a:latin typeface="+mn-lt"/>
-                <a:ea typeface="+mn-ea"/>
-                <a:cs typeface="+mn-cs"/>
-              </a:defRPr>
-            </a:lvl6pPr>
-            <a:lvl7pPr marL="2971800" indent="-228600" algn="l" defTabSz="914400" rtl="0" eaLnBrk="1" latinLnBrk="0" hangingPunct="1">
-              <a:lnSpc>
-                <a:spcPct val="90000"/>
-              </a:lnSpc>
-              <a:spcBef>
-                <a:spcPts val="500"/>
-              </a:spcBef>
-              <a:buFont typeface="Arial" panose="020B0604020202020204" pitchFamily="34" charset="0"/>
-              <a:buChar char="•"/>
-              <a:defRPr sz="1800" kern="1200">
-                <a:solidFill>
-                  <a:schemeClr val="tx1"/>
-                </a:solidFill>
-                <a:latin typeface="+mn-lt"/>
-                <a:ea typeface="+mn-ea"/>
-                <a:cs typeface="+mn-cs"/>
-              </a:defRPr>
-            </a:lvl7pPr>
-            <a:lvl8pPr marL="3429000" indent="-228600" algn="l" defTabSz="914400" rtl="0" eaLnBrk="1" latinLnBrk="0" hangingPunct="1">
-              <a:lnSpc>
-                <a:spcPct val="90000"/>
-              </a:lnSpc>
-              <a:spcBef>
-                <a:spcPts val="500"/>
-              </a:spcBef>
-              <a:buFont typeface="Arial" panose="020B0604020202020204" pitchFamily="34" charset="0"/>
-              <a:buChar char="•"/>
-              <a:defRPr sz="1800" kern="1200">
-                <a:solidFill>
-                  <a:schemeClr val="tx1"/>
-                </a:solidFill>
-                <a:latin typeface="+mn-lt"/>
-                <a:ea typeface="+mn-ea"/>
-                <a:cs typeface="+mn-cs"/>
-              </a:defRPr>
-            </a:lvl8pPr>
-            <a:lvl9pPr marL="3886200" indent="-228600" algn="l" defTabSz="914400" rtl="0" eaLnBrk="1" latinLnBrk="0" hangingPunct="1">
-              <a:lnSpc>
-                <a:spcPct val="90000"/>
-              </a:lnSpc>
-              <a:spcBef>
-                <a:spcPts val="500"/>
-              </a:spcBef>
-              <a:buFont typeface="Arial" panose="020B0604020202020204" pitchFamily="34" charset="0"/>
-              <a:buChar char="•"/>
-              <a:defRPr sz="1800" kern="1200">
-                <a:solidFill>
-                  <a:schemeClr val="tx1"/>
-                </a:solidFill>
-                <a:latin typeface="+mn-lt"/>
-                <a:ea typeface="+mn-ea"/>
-                <a:cs typeface="+mn-cs"/>
-              </a:defRPr>
-            </a:lvl9pPr>
-          </a:lstStyle>
-          <a:p>
-            <a:pPr marL="0" indent="0">
-              <a:buFont typeface="Arial" panose="020B0604020202020204" pitchFamily="34" charset="0"/>
-              <a:buNone/>
-            </a:pPr>
-            <a:r>
-              <a:rPr lang="en-GB" dirty="0" smtClean="0"/>
-              <a:t>trait Pet {</a:t>
-            </a:r>
-          </a:p>
-          <a:p>
-            <a:pPr marL="0" indent="0">
-              <a:buFont typeface="Arial" panose="020B0604020202020204" pitchFamily="34" charset="0"/>
-              <a:buNone/>
-            </a:pPr>
-            <a:r>
-              <a:rPr lang="en-GB" dirty="0" smtClean="0"/>
-              <a:t>	</a:t>
-            </a:r>
-            <a:r>
-              <a:rPr lang="en-GB" dirty="0" err="1" smtClean="0"/>
-              <a:t>val</a:t>
-            </a:r>
-            <a:r>
-              <a:rPr lang="en-GB" dirty="0" smtClean="0"/>
-              <a:t> name: String</a:t>
-            </a:r>
-          </a:p>
-          <a:p>
-            <a:pPr marL="0" indent="0">
-              <a:buFont typeface="Arial" panose="020B0604020202020204" pitchFamily="34" charset="0"/>
-              <a:buNone/>
-            </a:pPr>
-            <a:r>
-              <a:rPr lang="en-GB" dirty="0" smtClean="0"/>
-              <a:t>}</a:t>
-            </a:r>
-          </a:p>
-          <a:p>
-            <a:pPr marL="0" indent="0">
-              <a:buFont typeface="Arial" panose="020B0604020202020204" pitchFamily="34" charset="0"/>
-              <a:buNone/>
-            </a:pPr>
-            <a:endParaRPr lang="en-GB" dirty="0" smtClean="0"/>
-          </a:p>
-          <a:p>
-            <a:pPr marL="0" indent="0">
-              <a:buFont typeface="Arial" panose="020B0604020202020204" pitchFamily="34" charset="0"/>
-              <a:buNone/>
-            </a:pPr>
-            <a:r>
-              <a:rPr lang="en-GB" dirty="0" smtClean="0"/>
-              <a:t>class Cat(</a:t>
-            </a:r>
-            <a:r>
-              <a:rPr lang="en-GB" dirty="0" err="1" smtClean="0"/>
-              <a:t>val</a:t>
-            </a:r>
-            <a:r>
-              <a:rPr lang="en-GB" dirty="0" smtClean="0"/>
-              <a:t> name: String) extends Pet</a:t>
-            </a:r>
-          </a:p>
-          <a:p>
-            <a:pPr marL="0" indent="0">
-              <a:buFont typeface="Arial" panose="020B0604020202020204" pitchFamily="34" charset="0"/>
-              <a:buNone/>
-            </a:pPr>
-            <a:r>
-              <a:rPr lang="en-GB" dirty="0"/>
-              <a:t>c</a:t>
-            </a:r>
-            <a:r>
-              <a:rPr lang="en-GB" dirty="0" smtClean="0"/>
-              <a:t>lass Dog(</a:t>
-            </a:r>
-            <a:r>
-              <a:rPr lang="en-GB" dirty="0" err="1" smtClean="0"/>
-              <a:t>val</a:t>
-            </a:r>
-            <a:r>
-              <a:rPr lang="en-GB" dirty="0" smtClean="0"/>
-              <a:t> name: String) extends Pet</a:t>
-            </a:r>
-          </a:p>
-          <a:p>
-            <a:pPr marL="0" indent="0">
-              <a:buFont typeface="Arial" panose="020B0604020202020204" pitchFamily="34" charset="0"/>
-              <a:buNone/>
-            </a:pPr>
-            <a:endParaRPr lang="en-GB" dirty="0" smtClean="0"/>
-          </a:p>
-          <a:p>
-            <a:pPr marL="0" indent="0">
-              <a:buFont typeface="Arial" panose="020B0604020202020204" pitchFamily="34" charset="0"/>
-              <a:buNone/>
-            </a:pPr>
-            <a:r>
-              <a:rPr lang="en-GB" dirty="0" err="1"/>
-              <a:t>v</a:t>
-            </a:r>
-            <a:r>
-              <a:rPr lang="en-GB" dirty="0" err="1" smtClean="0"/>
-              <a:t>al</a:t>
-            </a:r>
-            <a:r>
-              <a:rPr lang="en-GB" dirty="0" smtClean="0"/>
-              <a:t> cat = new Cat(“Sally”)</a:t>
-            </a:r>
-          </a:p>
-          <a:p>
-            <a:pPr marL="0" indent="0">
-              <a:buFont typeface="Arial" panose="020B0604020202020204" pitchFamily="34" charset="0"/>
-              <a:buNone/>
-            </a:pPr>
-            <a:r>
-              <a:rPr lang="en-GB" dirty="0" err="1"/>
-              <a:t>v</a:t>
-            </a:r>
-            <a:r>
-              <a:rPr lang="en-GB" dirty="0" err="1" smtClean="0"/>
-              <a:t>al</a:t>
-            </a:r>
-            <a:r>
-              <a:rPr lang="en-GB" dirty="0" smtClean="0"/>
-              <a:t> dog = new Dog(“Harry”)</a:t>
-            </a:r>
-          </a:p>
-          <a:p>
-            <a:pPr marL="0" indent="0">
-              <a:buFont typeface="Arial" panose="020B0604020202020204" pitchFamily="34" charset="0"/>
-              <a:buNone/>
-            </a:pPr>
-            <a:endParaRPr lang="en-GB" dirty="0"/>
-          </a:p>
-          <a:p>
-            <a:pPr marL="0" indent="0">
-              <a:buFont typeface="Arial" panose="020B0604020202020204" pitchFamily="34" charset="0"/>
-              <a:buNone/>
-            </a:pPr>
-            <a:r>
-              <a:rPr lang="en-GB" dirty="0" err="1"/>
-              <a:t>v</a:t>
-            </a:r>
-            <a:r>
-              <a:rPr lang="en-GB" dirty="0" err="1" smtClean="0"/>
-              <a:t>al</a:t>
-            </a:r>
-            <a:r>
-              <a:rPr lang="en-GB" dirty="0" smtClean="0"/>
-              <a:t> animals = </a:t>
-            </a:r>
-            <a:r>
-              <a:rPr lang="en-GB" dirty="0" err="1" smtClean="0"/>
-              <a:t>ArrayBuffer.empty</a:t>
-            </a:r>
-            <a:r>
-              <a:rPr lang="en-GB" dirty="0" smtClean="0"/>
-              <a:t>[Pet]</a:t>
-            </a:r>
-          </a:p>
-          <a:p>
-            <a:pPr marL="0" indent="0">
-              <a:buFont typeface="Arial" panose="020B0604020202020204" pitchFamily="34" charset="0"/>
-              <a:buNone/>
-            </a:pPr>
-            <a:r>
-              <a:rPr lang="en-GB" dirty="0" err="1"/>
-              <a:t>a</a:t>
-            </a:r>
-            <a:r>
-              <a:rPr lang="en-GB" dirty="0" err="1" smtClean="0"/>
-              <a:t>nimals.append</a:t>
-            </a:r>
-            <a:r>
-              <a:rPr lang="en-GB" dirty="0" smtClean="0"/>
-              <a:t>(dog)</a:t>
-            </a:r>
-          </a:p>
-          <a:p>
-            <a:pPr marL="0" indent="0">
-              <a:buFont typeface="Arial" panose="020B0604020202020204" pitchFamily="34" charset="0"/>
-              <a:buNone/>
-            </a:pPr>
-            <a:r>
-              <a:rPr lang="en-GB" dirty="0" err="1"/>
-              <a:t>a</a:t>
-            </a:r>
-            <a:r>
-              <a:rPr lang="en-GB" dirty="0" err="1" smtClean="0"/>
-              <a:t>nimals.append</a:t>
-            </a:r>
-            <a:r>
-              <a:rPr lang="en-GB" dirty="0" smtClean="0"/>
-              <a:t>(cat)</a:t>
-            </a:r>
-          </a:p>
-          <a:p>
-            <a:pPr marL="0" indent="0">
-              <a:buFont typeface="Arial" panose="020B0604020202020204" pitchFamily="34" charset="0"/>
-              <a:buNone/>
-            </a:pPr>
-            <a:r>
-              <a:rPr lang="en-GB" dirty="0" err="1"/>
-              <a:t>a</a:t>
-            </a:r>
-            <a:r>
-              <a:rPr lang="en-GB" dirty="0" err="1" smtClean="0"/>
-              <a:t>nimals.foreach</a:t>
-            </a:r>
-            <a:r>
-              <a:rPr lang="en-GB" dirty="0" smtClean="0"/>
-              <a:t>(pet =&gt; </a:t>
-            </a:r>
-            <a:r>
-              <a:rPr lang="en-GB" dirty="0" err="1" smtClean="0"/>
-              <a:t>println</a:t>
-            </a:r>
-            <a:r>
-              <a:rPr lang="en-GB" dirty="0" smtClean="0"/>
-              <a:t>(pet.name))</a:t>
-            </a:r>
-            <a:endParaRPr lang="en-GB" dirty="0"/>
-          </a:p>
-        </p:txBody>
-      </p:sp>
-    </p:spTree>
-    <p:extLst>
-      <p:ext uri="{BB962C8B-B14F-4D97-AF65-F5344CB8AC3E}">
-        <p14:creationId xmlns:p14="http://schemas.microsoft.com/office/powerpoint/2010/main" val="1156144831"/>
       </p:ext>
     </p:extLst>
   </p:cSld>
